--- a/docs/CD-with-vFabric.pptx
+++ b/docs/CD-with-vFabric.pptx
@@ -5,18 +5,20 @@
     <p:sldMasterId id="2147483658" r:id="rId1"/>
   </p:sldMasterIdLst>
   <p:notesMasterIdLst>
-    <p:notesMasterId r:id="rId8"/>
+    <p:notesMasterId r:id="rId10"/>
   </p:notesMasterIdLst>
   <p:handoutMasterIdLst>
-    <p:handoutMasterId r:id="rId9"/>
+    <p:handoutMasterId r:id="rId11"/>
   </p:handoutMasterIdLst>
   <p:sldIdLst>
     <p:sldId id="360" r:id="rId2"/>
-    <p:sldId id="367" r:id="rId3"/>
-    <p:sldId id="364" r:id="rId4"/>
-    <p:sldId id="365" r:id="rId5"/>
-    <p:sldId id="366" r:id="rId6"/>
-    <p:sldId id="368" r:id="rId7"/>
+    <p:sldId id="369" r:id="rId3"/>
+    <p:sldId id="370" r:id="rId4"/>
+    <p:sldId id="367" r:id="rId5"/>
+    <p:sldId id="372" r:id="rId6"/>
+    <p:sldId id="364" r:id="rId7"/>
+    <p:sldId id="365" r:id="rId8"/>
+    <p:sldId id="368" r:id="rId9"/>
   </p:sldIdLst>
   <p:sldSz cx="9144000" cy="6858000" type="screen4x3"/>
   <p:notesSz cx="6997700" cy="9283700"/>
@@ -969,6 +971,586 @@
               <a:t>1</a:t>
             </a:fld>
             <a:endParaRPr lang="en-US"/>
+          </a:p>
+        </p:txBody>
+      </p:sp>
+    </p:spTree>
+  </p:cSld>
+  <p:clrMapOvr>
+    <a:masterClrMapping/>
+  </p:clrMapOvr>
+</p:notes>
+</file>
+
+<file path=ppt/notesSlides/notesSlide2.xml><?xml version="1.0" encoding="utf-8"?>
+<p:notes xmlns:a="http://schemas.openxmlformats.org/drawingml/2006/main" xmlns:r="http://schemas.openxmlformats.org/officeDocument/2006/relationships" xmlns:p="http://schemas.openxmlformats.org/presentationml/2006/main">
+  <p:cSld>
+    <p:spTree>
+      <p:nvGrpSpPr>
+        <p:cNvPr id="1" name=""/>
+        <p:cNvGrpSpPr/>
+        <p:nvPr/>
+      </p:nvGrpSpPr>
+      <p:grpSpPr>
+        <a:xfrm>
+          <a:off x="0" y="0"/>
+          <a:ext cx="0" cy="0"/>
+          <a:chOff x="0" y="0"/>
+          <a:chExt cx="0" cy="0"/>
+        </a:xfrm>
+      </p:grpSpPr>
+      <p:sp>
+        <p:nvSpPr>
+          <p:cNvPr id="2" name="Slide Image Placeholder 1"/>
+          <p:cNvSpPr>
+            <a:spLocks noGrp="1" noRot="1" noChangeAspect="1"/>
+          </p:cNvSpPr>
+          <p:nvPr>
+            <p:ph type="sldImg"/>
+          </p:nvPr>
+        </p:nvSpPr>
+        <p:spPr/>
+      </p:sp>
+      <p:sp>
+        <p:nvSpPr>
+          <p:cNvPr id="3" name="Notes Placeholder 2"/>
+          <p:cNvSpPr>
+            <a:spLocks noGrp="1"/>
+          </p:cNvSpPr>
+          <p:nvPr>
+            <p:ph type="body" idx="1"/>
+          </p:nvPr>
+        </p:nvSpPr>
+        <p:spPr/>
+        <p:txBody>
+          <a:bodyPr/>
+          <a:lstStyle/>
+          <a:p>
+            <a:endParaRPr lang="en-US" dirty="0" smtClean="0"/>
+          </a:p>
+          <a:p>
+            <a:r>
+              <a:rPr lang="en-US" baseline="0" dirty="0" smtClean="0"/>
+              <a:t>Diverse nature in which applications live in today’s environment. It’s challenged along different dimensions </a:t>
+            </a:r>
+          </a:p>
+          <a:p>
+            <a:endParaRPr lang="en-US" baseline="0" dirty="0" smtClean="0"/>
+          </a:p>
+          <a:p>
+            <a:pPr marL="171450" marR="0" indent="-171450" algn="l" defTabSz="914400" rtl="0" eaLnBrk="0" fontAlgn="base" latinLnBrk="0" hangingPunct="0">
+              <a:lnSpc>
+                <a:spcPct val="100000"/>
+              </a:lnSpc>
+              <a:spcBef>
+                <a:spcPct val="30000"/>
+              </a:spcBef>
+              <a:spcAft>
+                <a:spcPct val="0"/>
+              </a:spcAft>
+              <a:buClrTx/>
+              <a:buSzTx/>
+              <a:buFontTx/>
+              <a:buChar char="-"/>
+              <a:tabLst/>
+              <a:defRPr/>
+            </a:pPr>
+            <a:r>
+              <a:rPr lang="en-US" baseline="0" dirty="0" smtClean="0"/>
+              <a:t>From physical to virtual and now to Cloud infrastructure spanning from Private, Public and Hybrid Cloud. </a:t>
+            </a:r>
+          </a:p>
+          <a:p>
+            <a:pPr marL="171450" marR="0" indent="-171450" algn="l" defTabSz="914400" rtl="0" eaLnBrk="0" fontAlgn="base" latinLnBrk="0" hangingPunct="0">
+              <a:lnSpc>
+                <a:spcPct val="100000"/>
+              </a:lnSpc>
+              <a:spcBef>
+                <a:spcPct val="30000"/>
+              </a:spcBef>
+              <a:spcAft>
+                <a:spcPct val="0"/>
+              </a:spcAft>
+              <a:buClrTx/>
+              <a:buSzTx/>
+              <a:buFontTx/>
+              <a:buChar char="-"/>
+              <a:tabLst/>
+              <a:defRPr/>
+            </a:pPr>
+            <a:r>
+              <a:rPr lang="en-US" baseline="0" dirty="0" smtClean="0"/>
+              <a:t>Developers follow different development methodologies from Waterfall to Agile. That leads to frequent application releases. </a:t>
+            </a:r>
+          </a:p>
+          <a:p>
+            <a:pPr marL="171450" marR="0" indent="-171450" algn="l" defTabSz="914400" rtl="0" eaLnBrk="0" fontAlgn="base" latinLnBrk="0" hangingPunct="0">
+              <a:lnSpc>
+                <a:spcPct val="100000"/>
+              </a:lnSpc>
+              <a:spcBef>
+                <a:spcPct val="30000"/>
+              </a:spcBef>
+              <a:spcAft>
+                <a:spcPct val="0"/>
+              </a:spcAft>
+              <a:buClrTx/>
+              <a:buSzTx/>
+              <a:buFontTx/>
+              <a:buChar char="-"/>
+              <a:tabLst/>
+              <a:defRPr/>
+            </a:pPr>
+            <a:r>
+              <a:rPr lang="en-US" baseline="0" dirty="0" smtClean="0"/>
+              <a:t>Then there are diverse frameworks – Java, </a:t>
+            </a:r>
+            <a:r>
+              <a:rPr lang="en-US" baseline="0" dirty="0" err="1" smtClean="0"/>
+              <a:t>.Net</a:t>
+            </a:r>
+            <a:r>
+              <a:rPr lang="en-US" baseline="0" dirty="0" smtClean="0"/>
+              <a:t> and some other new frameworks that makes this entire space interesting or challenging. </a:t>
+            </a:r>
+          </a:p>
+          <a:p>
+            <a:pPr marL="171450" marR="0" indent="-171450" algn="l" defTabSz="914400" rtl="0" eaLnBrk="0" fontAlgn="base" latinLnBrk="0" hangingPunct="0">
+              <a:lnSpc>
+                <a:spcPct val="100000"/>
+              </a:lnSpc>
+              <a:spcBef>
+                <a:spcPct val="30000"/>
+              </a:spcBef>
+              <a:spcAft>
+                <a:spcPct val="0"/>
+              </a:spcAft>
+              <a:buClrTx/>
+              <a:buSzTx/>
+              <a:buFontTx/>
+              <a:buChar char="-"/>
+              <a:tabLst/>
+              <a:defRPr/>
+            </a:pPr>
+            <a:r>
+              <a:rPr lang="en-US" baseline="0" dirty="0" smtClean="0"/>
+              <a:t>Also, from single type of application to new application types like App as a Service, Smart phone app or Social application </a:t>
+            </a:r>
+          </a:p>
+          <a:p>
+            <a:pPr marL="171450" marR="0" indent="-171450" algn="l" defTabSz="914400" rtl="0" eaLnBrk="0" fontAlgn="base" latinLnBrk="0" hangingPunct="0">
+              <a:lnSpc>
+                <a:spcPct val="100000"/>
+              </a:lnSpc>
+              <a:spcBef>
+                <a:spcPct val="30000"/>
+              </a:spcBef>
+              <a:spcAft>
+                <a:spcPct val="0"/>
+              </a:spcAft>
+              <a:buClrTx/>
+              <a:buSzTx/>
+              <a:buFontTx/>
+              <a:buChar char="-"/>
+              <a:tabLst/>
+              <a:defRPr/>
+            </a:pPr>
+            <a:endParaRPr lang="en-US" baseline="0" dirty="0" smtClean="0"/>
+          </a:p>
+          <a:p>
+            <a:pPr marL="171450" marR="0" indent="-171450" algn="l" defTabSz="914400" rtl="0" eaLnBrk="0" fontAlgn="base" latinLnBrk="0" hangingPunct="0">
+              <a:lnSpc>
+                <a:spcPct val="100000"/>
+              </a:lnSpc>
+              <a:spcBef>
+                <a:spcPct val="30000"/>
+              </a:spcBef>
+              <a:spcAft>
+                <a:spcPct val="0"/>
+              </a:spcAft>
+              <a:buClrTx/>
+              <a:buSzTx/>
+              <a:buFontTx/>
+              <a:buChar char="-"/>
+              <a:tabLst/>
+              <a:defRPr/>
+            </a:pPr>
+            <a:r>
+              <a:rPr lang="en-US" baseline="0" dirty="0" smtClean="0"/>
+              <a:t>All these are driven primarily by two models or a hybrid of both models </a:t>
+            </a:r>
+          </a:p>
+          <a:p>
+            <a:pPr marL="628650" marR="0" lvl="1" indent="-171450" algn="l" defTabSz="914400" rtl="0" eaLnBrk="0" fontAlgn="base" latinLnBrk="0" hangingPunct="0">
+              <a:lnSpc>
+                <a:spcPct val="100000"/>
+              </a:lnSpc>
+              <a:spcBef>
+                <a:spcPct val="30000"/>
+              </a:spcBef>
+              <a:spcAft>
+                <a:spcPct val="0"/>
+              </a:spcAft>
+              <a:buClrTx/>
+              <a:buSzTx/>
+              <a:buFontTx/>
+              <a:buChar char="-"/>
+              <a:tabLst/>
+              <a:defRPr/>
+            </a:pPr>
+            <a:r>
+              <a:rPr lang="en-US" baseline="0" dirty="0" smtClean="0"/>
+              <a:t>Cloud Operating Model </a:t>
+            </a:r>
+          </a:p>
+          <a:p>
+            <a:pPr marL="1085850" marR="0" lvl="2" indent="-171450" algn="l" defTabSz="914400" rtl="0" eaLnBrk="0" fontAlgn="base" latinLnBrk="0" hangingPunct="0">
+              <a:lnSpc>
+                <a:spcPct val="100000"/>
+              </a:lnSpc>
+              <a:spcBef>
+                <a:spcPct val="30000"/>
+              </a:spcBef>
+              <a:spcAft>
+                <a:spcPct val="0"/>
+              </a:spcAft>
+              <a:buClrTx/>
+              <a:buSzTx/>
+              <a:buFontTx/>
+              <a:buChar char="-"/>
+              <a:tabLst/>
+              <a:defRPr/>
+            </a:pPr>
+            <a:r>
+              <a:rPr lang="en-US" baseline="0" dirty="0" smtClean="0"/>
+              <a:t>Customer who want to ride this cloud journey either using Private or Public Cloud offering </a:t>
+            </a:r>
+          </a:p>
+          <a:p>
+            <a:pPr marL="1085850" marR="0" lvl="2" indent="-171450" algn="l" defTabSz="914400" rtl="0" eaLnBrk="0" fontAlgn="base" latinLnBrk="0" hangingPunct="0">
+              <a:lnSpc>
+                <a:spcPct val="100000"/>
+              </a:lnSpc>
+              <a:spcBef>
+                <a:spcPct val="30000"/>
+              </a:spcBef>
+              <a:spcAft>
+                <a:spcPct val="0"/>
+              </a:spcAft>
+              <a:buClrTx/>
+              <a:buSzTx/>
+              <a:buFontTx/>
+              <a:buChar char="-"/>
+              <a:tabLst/>
+              <a:defRPr/>
+            </a:pPr>
+            <a:r>
+              <a:rPr lang="en-US" baseline="0" dirty="0" smtClean="0"/>
+              <a:t>In that there is a distinct owner Cloud Provider and Cloud consumer model.</a:t>
+            </a:r>
+          </a:p>
+          <a:p>
+            <a:pPr marL="1085850" marR="0" lvl="2" indent="-171450" algn="l" defTabSz="914400" rtl="0" eaLnBrk="0" fontAlgn="base" latinLnBrk="0" hangingPunct="0">
+              <a:lnSpc>
+                <a:spcPct val="100000"/>
+              </a:lnSpc>
+              <a:spcBef>
+                <a:spcPct val="30000"/>
+              </a:spcBef>
+              <a:spcAft>
+                <a:spcPct val="0"/>
+              </a:spcAft>
+              <a:buClrTx/>
+              <a:buSzTx/>
+              <a:buFontTx/>
+              <a:buChar char="-"/>
+              <a:tabLst/>
+              <a:defRPr/>
+            </a:pPr>
+            <a:endParaRPr lang="en-US" baseline="0" dirty="0" smtClean="0"/>
+          </a:p>
+          <a:p>
+            <a:pPr marL="628650" marR="0" lvl="1" indent="-171450" algn="l" defTabSz="914400" rtl="0" eaLnBrk="0" fontAlgn="base" latinLnBrk="0" hangingPunct="0">
+              <a:lnSpc>
+                <a:spcPct val="100000"/>
+              </a:lnSpc>
+              <a:spcBef>
+                <a:spcPct val="30000"/>
+              </a:spcBef>
+              <a:spcAft>
+                <a:spcPct val="0"/>
+              </a:spcAft>
+              <a:buClrTx/>
+              <a:buSzTx/>
+              <a:buFontTx/>
+              <a:buChar char="-"/>
+              <a:tabLst/>
+              <a:defRPr/>
+            </a:pPr>
+            <a:r>
+              <a:rPr lang="en-US" baseline="0" dirty="0" err="1" smtClean="0"/>
+              <a:t>DevOps</a:t>
+            </a:r>
+            <a:r>
+              <a:rPr lang="en-US" baseline="0" dirty="0" smtClean="0"/>
+              <a:t> </a:t>
+            </a:r>
+          </a:p>
+          <a:p>
+            <a:pPr marL="1085850" marR="0" lvl="2" indent="-171450" algn="l" defTabSz="914400" rtl="0" eaLnBrk="0" fontAlgn="base" latinLnBrk="0" hangingPunct="0">
+              <a:lnSpc>
+                <a:spcPct val="100000"/>
+              </a:lnSpc>
+              <a:spcBef>
+                <a:spcPct val="30000"/>
+              </a:spcBef>
+              <a:spcAft>
+                <a:spcPct val="0"/>
+              </a:spcAft>
+              <a:buClrTx/>
+              <a:buSzTx/>
+              <a:buFontTx/>
+              <a:buChar char="-"/>
+              <a:tabLst/>
+              <a:defRPr/>
+            </a:pPr>
+            <a:r>
+              <a:rPr lang="en-US" baseline="0" dirty="0" smtClean="0"/>
+              <a:t>Agile methodologies, entire process starts with developers releasing code more frequently. </a:t>
+            </a:r>
+          </a:p>
+          <a:p>
+            <a:pPr marL="1085850" marR="0" lvl="2" indent="-171450" algn="l" defTabSz="914400" rtl="0" eaLnBrk="0" fontAlgn="base" latinLnBrk="0" hangingPunct="0">
+              <a:lnSpc>
+                <a:spcPct val="100000"/>
+              </a:lnSpc>
+              <a:spcBef>
+                <a:spcPct val="30000"/>
+              </a:spcBef>
+              <a:spcAft>
+                <a:spcPct val="0"/>
+              </a:spcAft>
+              <a:buClrTx/>
+              <a:buSzTx/>
+              <a:buFontTx/>
+              <a:buChar char="-"/>
+              <a:tabLst/>
+              <a:defRPr/>
+            </a:pPr>
+            <a:r>
+              <a:rPr lang="en-US" baseline="0" dirty="0" smtClean="0"/>
+              <a:t>This is driven mostly by Business, as they need agility and better response time. </a:t>
+            </a:r>
+          </a:p>
+          <a:p>
+            <a:pPr marL="0" marR="0" indent="0" algn="l" defTabSz="914400" rtl="0" eaLnBrk="0" fontAlgn="base" latinLnBrk="0" hangingPunct="0">
+              <a:lnSpc>
+                <a:spcPct val="100000"/>
+              </a:lnSpc>
+              <a:spcBef>
+                <a:spcPct val="30000"/>
+              </a:spcBef>
+              <a:spcAft>
+                <a:spcPct val="0"/>
+              </a:spcAft>
+              <a:buClrTx/>
+              <a:buSzTx/>
+              <a:buFontTx/>
+              <a:buNone/>
+              <a:tabLst/>
+              <a:defRPr/>
+            </a:pPr>
+            <a:endParaRPr lang="en-US" baseline="0" dirty="0" smtClean="0"/>
+          </a:p>
+          <a:p>
+            <a:pPr marL="171450" indent="-171450">
+              <a:buFontTx/>
+              <a:buChar char="-"/>
+            </a:pPr>
+            <a:endParaRPr lang="en-US" baseline="0" dirty="0" smtClean="0"/>
+          </a:p>
+          <a:p>
+            <a:endParaRPr lang="en-US" dirty="0" smtClean="0"/>
+          </a:p>
+        </p:txBody>
+      </p:sp>
+      <p:sp>
+        <p:nvSpPr>
+          <p:cNvPr id="4" name="Slide Number Placeholder 3"/>
+          <p:cNvSpPr>
+            <a:spLocks noGrp="1"/>
+          </p:cNvSpPr>
+          <p:nvPr>
+            <p:ph type="sldNum" sz="quarter" idx="10"/>
+          </p:nvPr>
+        </p:nvSpPr>
+        <p:spPr/>
+        <p:txBody>
+          <a:bodyPr/>
+          <a:lstStyle/>
+          <a:p>
+            <a:pPr>
+              <a:defRPr/>
+            </a:pPr>
+            <a:fld id="{30ED41AE-736E-48F5-8701-1355F6D9E97A}" type="slidenum">
+              <a:rPr lang="en-US" smtClean="0"/>
+              <a:pPr>
+                <a:defRPr/>
+              </a:pPr>
+              <a:t>2</a:t>
+            </a:fld>
+            <a:endParaRPr lang="en-US"/>
+          </a:p>
+        </p:txBody>
+      </p:sp>
+    </p:spTree>
+    <p:extLst>
+      <p:ext uri="{BB962C8B-B14F-4D97-AF65-F5344CB8AC3E}">
+        <p14:creationId xmlns:p14="http://schemas.microsoft.com/office/powerpoint/2010/main" val="1570582514"/>
+      </p:ext>
+    </p:extLst>
+  </p:cSld>
+  <p:clrMapOvr>
+    <a:masterClrMapping/>
+  </p:clrMapOvr>
+</p:notes>
+</file>
+
+<file path=ppt/notesSlides/notesSlide3.xml><?xml version="1.0" encoding="utf-8"?>
+<p:notes xmlns:a="http://schemas.openxmlformats.org/drawingml/2006/main" xmlns:r="http://schemas.openxmlformats.org/officeDocument/2006/relationships" xmlns:p="http://schemas.openxmlformats.org/presentationml/2006/main">
+  <p:cSld>
+    <p:spTree>
+      <p:nvGrpSpPr>
+        <p:cNvPr id="1" name=""/>
+        <p:cNvGrpSpPr/>
+        <p:nvPr/>
+      </p:nvGrpSpPr>
+      <p:grpSpPr>
+        <a:xfrm>
+          <a:off x="0" y="0"/>
+          <a:ext cx="0" cy="0"/>
+          <a:chOff x="0" y="0"/>
+          <a:chExt cx="0" cy="0"/>
+        </a:xfrm>
+      </p:grpSpPr>
+      <p:sp>
+        <p:nvSpPr>
+          <p:cNvPr id="2" name="Slide Image Placeholder 1"/>
+          <p:cNvSpPr>
+            <a:spLocks noGrp="1" noRot="1" noChangeAspect="1"/>
+          </p:cNvSpPr>
+          <p:nvPr>
+            <p:ph type="sldImg"/>
+          </p:nvPr>
+        </p:nvSpPr>
+        <p:spPr/>
+      </p:sp>
+      <p:sp>
+        <p:nvSpPr>
+          <p:cNvPr id="3" name="Notes Placeholder 2"/>
+          <p:cNvSpPr>
+            <a:spLocks noGrp="1"/>
+          </p:cNvSpPr>
+          <p:nvPr>
+            <p:ph type="body" idx="1"/>
+          </p:nvPr>
+        </p:nvSpPr>
+        <p:spPr/>
+        <p:txBody>
+          <a:bodyPr>
+            <a:normAutofit/>
+          </a:bodyPr>
+          <a:lstStyle/>
+          <a:p>
+            <a:pPr>
+              <a:buFontTx/>
+              <a:buChar char="-"/>
+            </a:pPr>
+            <a:r>
+              <a:rPr lang="en-US" dirty="0" smtClean="0"/>
+              <a:t>As</a:t>
+            </a:r>
+            <a:r>
+              <a:rPr lang="en-US" baseline="0" dirty="0" smtClean="0"/>
+              <a:t> applications get virtualized and pushed into a cloud (Private or public) there is a very clear separation between the infrastructure management paradigm and the application management one – they are no more intertwined.</a:t>
+            </a:r>
+          </a:p>
+          <a:p>
+            <a:pPr>
+              <a:buFontTx/>
+              <a:buNone/>
+            </a:pPr>
+            <a:r>
+              <a:rPr lang="en-US" baseline="0" dirty="0" smtClean="0"/>
+              <a:t>The infrastructure managers are provider of compute platform for the VMs running on them and should not care what is in that VM.</a:t>
+            </a:r>
+          </a:p>
+          <a:p>
+            <a:pPr>
+              <a:buFontTx/>
+              <a:buNone/>
+            </a:pPr>
+            <a:r>
+              <a:rPr lang="en-US" baseline="0" dirty="0" smtClean="0"/>
+              <a:t>The Application owners do not care where physically or on which HW their applications are running</a:t>
+            </a:r>
+          </a:p>
+          <a:p>
+            <a:pPr>
+              <a:buFontTx/>
+              <a:buNone/>
+            </a:pPr>
+            <a:r>
+              <a:rPr lang="en-US" baseline="0" dirty="0" smtClean="0"/>
+              <a:t>There is however the need to provide visibility to both sides of the wall as to what is happening on the other side: Application owners need to know the platform is indeed providing adequately to the demand of the application (Compute power, I/O, disk latency etc..) in a clear aggregated matter. </a:t>
+            </a:r>
+          </a:p>
+          <a:p>
+            <a:pPr>
+              <a:buFontTx/>
+              <a:buNone/>
+            </a:pPr>
+            <a:r>
+              <a:rPr lang="en-US" baseline="0" dirty="0" smtClean="0"/>
+              <a:t>The Infrastructure owner will need to know the Application is running well if they conduct change to the platform</a:t>
+            </a:r>
+            <a:endParaRPr lang="en-US" dirty="0" smtClean="0"/>
+          </a:p>
+          <a:p>
+            <a:pPr>
+              <a:buFontTx/>
+              <a:buNone/>
+            </a:pPr>
+            <a:endParaRPr lang="en-US" dirty="0"/>
+          </a:p>
+        </p:txBody>
+      </p:sp>
+      <p:sp>
+        <p:nvSpPr>
+          <p:cNvPr id="4" name="Slide Number Placeholder 3"/>
+          <p:cNvSpPr>
+            <a:spLocks noGrp="1"/>
+          </p:cNvSpPr>
+          <p:nvPr>
+            <p:ph type="sldNum" sz="quarter" idx="10"/>
+          </p:nvPr>
+        </p:nvSpPr>
+        <p:spPr/>
+        <p:txBody>
+          <a:bodyPr/>
+          <a:lstStyle/>
+          <a:p>
+            <a:pPr>
+              <a:defRPr/>
+            </a:pPr>
+            <a:fld id="{CBBC861D-3263-44D4-BE02-01F7B703406F}" type="slidenum">
+              <a:rPr lang="en-US" smtClean="0"/>
+              <a:pPr>
+                <a:defRPr/>
+              </a:pPr>
+              <a:t>3</a:t>
+            </a:fld>
+            <a:endParaRPr lang="en-US" dirty="0"/>
           </a:p>
         </p:txBody>
       </p:sp>
@@ -4045,8 +4627,8 @@
         </p:nvSpPr>
         <p:spPr>
           <a:xfrm>
-            <a:off x="203058" y="639104"/>
-            <a:ext cx="8659812" cy="2477601"/>
+            <a:off x="203058" y="423661"/>
+            <a:ext cx="8659812" cy="2908488"/>
           </a:xfrm>
         </p:spPr>
         <p:txBody>
@@ -4061,7 +4643,7 @@
                   <a:schemeClr val="accent3"/>
                 </a:solidFill>
               </a:rPr>
-              <a:t>Continuous Delivery &amp; Deployment with </a:t>
+              <a:t>Enabling </a:t>
             </a:r>
             <a:r>
               <a:rPr lang="en-US" sz="2800" dirty="0" err="1" smtClean="0">
@@ -4069,6 +4651,22 @@
                   <a:schemeClr val="accent3"/>
                 </a:solidFill>
               </a:rPr>
+              <a:t>DevOps</a:t>
+            </a:r>
+            <a:r>
+              <a:rPr lang="en-US" sz="2800" dirty="0" smtClean="0">
+                <a:solidFill>
+                  <a:schemeClr val="accent3"/>
+                </a:solidFill>
+              </a:rPr>
+              <a:t> with </a:t>
+            </a:r>
+            <a:r>
+              <a:rPr lang="en-US" sz="2800" dirty="0" err="1" smtClean="0">
+                <a:solidFill>
+                  <a:schemeClr val="accent3"/>
+                </a:solidFill>
+              </a:rPr>
               <a:t>vFabric</a:t>
             </a:r>
             <a:r>
@@ -4077,7 +4675,7 @@
                   <a:schemeClr val="accent3"/>
                 </a:solidFill>
               </a:rPr>
-              <a:t>  </a:t>
+              <a:t/>
             </a:r>
             <a:br>
               <a:rPr lang="en-US" sz="2800" dirty="0" smtClean="0">
@@ -4087,6 +4685,14 @@
               </a:rPr>
             </a:br>
             <a:r>
+              <a:rPr lang="en-US" sz="2000" dirty="0" smtClean="0">
+                <a:solidFill>
+                  <a:schemeClr val="accent3"/>
+                </a:solidFill>
+              </a:rPr>
+              <a:t>Continuous Delivery &amp; Deployment Demo</a:t>
+            </a:r>
+            <a:r>
               <a:rPr lang="en-US" sz="2800" dirty="0" smtClean="0">
                 <a:solidFill>
                   <a:schemeClr val="accent3"/>
@@ -4102,20 +4708,27 @@
               </a:rPr>
             </a:br>
             <a:r>
+              <a:rPr lang="en-US" sz="2800" dirty="0" smtClean="0">
+                <a:solidFill>
+                  <a:schemeClr val="accent3"/>
+                </a:solidFill>
+              </a:rPr>
+              <a:t/>
+            </a:r>
+            <a:br>
+              <a:rPr lang="en-US" sz="2800" dirty="0" smtClean="0">
+                <a:solidFill>
+                  <a:schemeClr val="accent3"/>
+                </a:solidFill>
+              </a:rPr>
+            </a:br>
+            <a:r>
               <a:rPr lang="en-US" sz="2000" dirty="0" smtClean="0">
                 <a:solidFill>
                   <a:schemeClr val="accent3"/>
                 </a:solidFill>
               </a:rPr>
-              <a:t>by Emil </a:t>
-            </a:r>
-            <a:r>
-              <a:rPr lang="en-US" sz="2000" dirty="0" smtClean="0">
-                <a:solidFill>
-                  <a:schemeClr val="accent3"/>
-                </a:solidFill>
-              </a:rPr>
-              <a:t>Siemes,</a:t>
+              <a:t>by Emil Siemes,</a:t>
             </a:r>
             <a:br>
               <a:rPr lang="en-US" sz="2000" dirty="0" smtClean="0">
@@ -4130,15 +4743,7 @@
                   <a:schemeClr val="accent3"/>
                 </a:solidFill>
               </a:rPr>
-              <a:t>September </a:t>
-            </a:r>
-            <a:r>
-              <a:rPr lang="en-US" sz="2000" dirty="0" smtClean="0">
-                <a:solidFill>
-                  <a:schemeClr val="accent3"/>
-                </a:solidFill>
-              </a:rPr>
-              <a:t>2012</a:t>
+              <a:t>September 2012</a:t>
             </a:r>
             <a:r>
               <a:rPr lang="en-US" sz="3100" dirty="0" smtClean="0">
@@ -4213,6 +4818,3814 @@
           <a:chExt cx="0" cy="0"/>
         </a:xfrm>
       </p:grpSpPr>
+      <p:pic>
+        <p:nvPicPr>
+          <p:cNvPr id="72" name="Picture 4" descr="ICON_VirtTriangle_flat_Q408.png"/>
+          <p:cNvPicPr>
+            <a:picLocks noChangeAspect="1"/>
+          </p:cNvPicPr>
+          <p:nvPr/>
+        </p:nvPicPr>
+        <p:blipFill>
+          <a:blip r:embed="rId4"/>
+          <a:srcRect/>
+          <a:stretch>
+            <a:fillRect/>
+          </a:stretch>
+        </p:blipFill>
+        <p:spPr bwMode="auto">
+          <a:xfrm>
+            <a:off x="1254422" y="4307547"/>
+            <a:ext cx="6785895" cy="591556"/>
+          </a:xfrm>
+          <a:prstGeom prst="rect">
+            <a:avLst/>
+          </a:prstGeom>
+          <a:noFill/>
+          <a:ln w="9525">
+            <a:noFill/>
+            <a:miter lim="800000"/>
+            <a:headEnd/>
+            <a:tailEnd/>
+          </a:ln>
+        </p:spPr>
+      </p:pic>
+      <p:sp>
+        <p:nvSpPr>
+          <p:cNvPr id="2" name="Title 1"/>
+          <p:cNvSpPr>
+            <a:spLocks noGrp="1"/>
+          </p:cNvSpPr>
+          <p:nvPr>
+            <p:ph type="title"/>
+          </p:nvPr>
+        </p:nvSpPr>
+        <p:spPr/>
+        <p:txBody>
+          <a:bodyPr/>
+          <a:lstStyle/>
+          <a:p>
+            <a:r>
+              <a:rPr lang="en-US" dirty="0" smtClean="0"/>
+              <a:t>Applications Today</a:t>
+            </a:r>
+            <a:endParaRPr lang="en-US" dirty="0"/>
+          </a:p>
+        </p:txBody>
+      </p:sp>
+      <p:sp>
+        <p:nvSpPr>
+          <p:cNvPr id="16" name="TextBox 15"/>
+          <p:cNvSpPr txBox="1"/>
+          <p:nvPr/>
+        </p:nvSpPr>
+        <p:spPr>
+          <a:xfrm>
+            <a:off x="78088" y="6128553"/>
+            <a:ext cx="2872285" cy="184666"/>
+          </a:xfrm>
+          <a:prstGeom prst="rect">
+            <a:avLst/>
+          </a:prstGeom>
+          <a:noFill/>
+        </p:spPr>
+        <p:txBody>
+          <a:bodyPr wrap="square" rtlCol="0">
+            <a:spAutoFit/>
+          </a:bodyPr>
+          <a:lstStyle/>
+          <a:p>
+            <a:pPr algn="l"/>
+            <a:r>
+              <a:rPr lang="en-US" sz="600" dirty="0" smtClean="0">
+                <a:solidFill>
+                  <a:srgbClr val="333333"/>
+                </a:solidFill>
+                <a:latin typeface="+mn-lt"/>
+                <a:ea typeface="+mn-ea"/>
+              </a:rPr>
+              <a:t>Source: </a:t>
+            </a:r>
+            <a:r>
+              <a:rPr lang="en-US" sz="600" dirty="0" smtClean="0">
+                <a:solidFill>
+                  <a:srgbClr val="333333"/>
+                </a:solidFill>
+                <a:latin typeface="+mn-lt"/>
+                <a:ea typeface="+mn-ea"/>
+                <a:hlinkClick r:id="rId5"/>
+              </a:rPr>
+              <a:t>http://en.wikipedia.org/wiki/Agile_software_development</a:t>
+            </a:r>
+            <a:r>
+              <a:rPr lang="en-US" sz="600" dirty="0" smtClean="0">
+                <a:solidFill>
+                  <a:srgbClr val="333333"/>
+                </a:solidFill>
+                <a:latin typeface="+mn-lt"/>
+                <a:ea typeface="+mn-ea"/>
+              </a:rPr>
+              <a:t> </a:t>
+            </a:r>
+          </a:p>
+        </p:txBody>
+      </p:sp>
+      <p:grpSp>
+        <p:nvGrpSpPr>
+          <p:cNvPr id="3" name="Group 69"/>
+          <p:cNvGrpSpPr/>
+          <p:nvPr/>
+        </p:nvGrpSpPr>
+        <p:grpSpPr>
+          <a:xfrm>
+            <a:off x="323154" y="1712709"/>
+            <a:ext cx="7275343" cy="928268"/>
+            <a:chOff x="349622" y="1907144"/>
+            <a:chExt cx="7275343" cy="928268"/>
+          </a:xfrm>
+        </p:grpSpPr>
+        <p:pic>
+          <p:nvPicPr>
+            <p:cNvPr id="15" name="Picture 2"/>
+            <p:cNvPicPr>
+              <a:picLocks noChangeAspect="1" noChangeArrowheads="1"/>
+            </p:cNvPicPr>
+            <p:nvPr/>
+          </p:nvPicPr>
+          <p:blipFill rotWithShape="1">
+            <a:blip r:embed="rId6" cstate="print"/>
+            <a:srcRect t="9589" b="7722"/>
+            <a:stretch/>
+          </p:blipFill>
+          <p:spPr bwMode="auto">
+            <a:xfrm>
+              <a:off x="6717802" y="1907144"/>
+              <a:ext cx="907163" cy="928268"/>
+            </a:xfrm>
+            <a:prstGeom prst="rect">
+              <a:avLst/>
+            </a:prstGeom>
+            <a:noFill/>
+            <a:ln w="9525">
+              <a:noFill/>
+              <a:miter lim="800000"/>
+              <a:headEnd/>
+              <a:tailEnd/>
+            </a:ln>
+          </p:spPr>
+        </p:pic>
+        <p:sp>
+          <p:nvSpPr>
+            <p:cNvPr id="17" name="TextBox 16"/>
+            <p:cNvSpPr txBox="1"/>
+            <p:nvPr/>
+          </p:nvSpPr>
+          <p:spPr>
+            <a:xfrm>
+              <a:off x="349622" y="2048113"/>
+              <a:ext cx="6355583" cy="646331"/>
+            </a:xfrm>
+            <a:prstGeom prst="rect">
+              <a:avLst/>
+            </a:prstGeom>
+            <a:noFill/>
+          </p:spPr>
+          <p:txBody>
+            <a:bodyPr wrap="square" rtlCol="0">
+              <a:spAutoFit/>
+            </a:bodyPr>
+            <a:lstStyle/>
+            <a:p>
+              <a:pPr algn="l"/>
+              <a:r>
+                <a:rPr lang="en-US" sz="2000" dirty="0" smtClean="0">
+                  <a:solidFill>
+                    <a:schemeClr val="accent1"/>
+                  </a:solidFill>
+                  <a:latin typeface="+mn-lt"/>
+                  <a:ea typeface="+mn-ea"/>
+                </a:rPr>
+                <a:t>Developed with ‘agile’ or ‘iterative’ methodologies</a:t>
+              </a:r>
+              <a:r>
+                <a:rPr lang="en-US" sz="2000" dirty="0">
+                  <a:solidFill>
+                    <a:schemeClr val="accent1"/>
+                  </a:solidFill>
+                  <a:latin typeface="+mn-lt"/>
+                  <a:ea typeface="+mn-ea"/>
+                </a:rPr>
+                <a:t/>
+              </a:r>
+              <a:br>
+                <a:rPr lang="en-US" sz="2000" dirty="0">
+                  <a:solidFill>
+                    <a:schemeClr val="accent1"/>
+                  </a:solidFill>
+                  <a:latin typeface="+mn-lt"/>
+                  <a:ea typeface="+mn-ea"/>
+                </a:rPr>
+              </a:br>
+              <a:r>
+                <a:rPr lang="en-US" sz="1600" b="1" i="1" dirty="0" smtClean="0">
+                  <a:solidFill>
+                    <a:srgbClr val="333333"/>
+                  </a:solidFill>
+                  <a:latin typeface="+mn-lt"/>
+                  <a:ea typeface="+mn-ea"/>
+                </a:rPr>
+                <a:t>Apps released early and often</a:t>
+              </a:r>
+              <a:endParaRPr lang="en-US" sz="1800" b="1" i="1" dirty="0" smtClean="0">
+                <a:solidFill>
+                  <a:srgbClr val="333333"/>
+                </a:solidFill>
+                <a:latin typeface="+mn-lt"/>
+                <a:ea typeface="+mn-ea"/>
+              </a:endParaRPr>
+            </a:p>
+          </p:txBody>
+        </p:sp>
+      </p:grpSp>
+      <p:grpSp>
+        <p:nvGrpSpPr>
+          <p:cNvPr id="4" name="Group 67"/>
+          <p:cNvGrpSpPr/>
+          <p:nvPr/>
+        </p:nvGrpSpPr>
+        <p:grpSpPr>
+          <a:xfrm>
+            <a:off x="328312" y="3456765"/>
+            <a:ext cx="8180455" cy="751026"/>
+            <a:chOff x="349622" y="3778094"/>
+            <a:chExt cx="8180455" cy="751026"/>
+          </a:xfrm>
+        </p:grpSpPr>
+        <p:grpSp>
+          <p:nvGrpSpPr>
+            <p:cNvPr id="5" name="Group 33"/>
+            <p:cNvGrpSpPr>
+              <a:grpSpLocks noChangeAspect="1"/>
+            </p:cNvGrpSpPr>
+            <p:nvPr/>
+          </p:nvGrpSpPr>
+          <p:grpSpPr bwMode="auto">
+            <a:xfrm>
+              <a:off x="5747352" y="3861462"/>
+              <a:ext cx="672487" cy="584291"/>
+              <a:chOff x="5553239" y="2878443"/>
+              <a:chExt cx="946418" cy="775831"/>
+            </a:xfrm>
+          </p:grpSpPr>
+          <p:pic>
+            <p:nvPicPr>
+              <p:cNvPr id="21" name="Picture 79" descr="bberry.png"/>
+              <p:cNvPicPr>
+                <a:picLocks noChangeAspect="1"/>
+              </p:cNvPicPr>
+              <p:nvPr/>
+            </p:nvPicPr>
+            <p:blipFill>
+              <a:blip r:embed="rId7" cstate="print"/>
+              <a:srcRect/>
+              <a:stretch>
+                <a:fillRect/>
+              </a:stretch>
+            </p:blipFill>
+            <p:spPr bwMode="auto">
+              <a:xfrm>
+                <a:off x="5553239" y="2903569"/>
+                <a:ext cx="456642" cy="750705"/>
+              </a:xfrm>
+              <a:prstGeom prst="rect">
+                <a:avLst/>
+              </a:prstGeom>
+              <a:noFill/>
+              <a:ln w="9525">
+                <a:noFill/>
+                <a:miter lim="800000"/>
+                <a:headEnd/>
+                <a:tailEnd/>
+              </a:ln>
+            </p:spPr>
+          </p:pic>
+          <p:pic>
+            <p:nvPicPr>
+              <p:cNvPr id="22" name="Picture 84" descr="Asus-Android-phone.png"/>
+              <p:cNvPicPr>
+                <a:picLocks noChangeAspect="1"/>
+              </p:cNvPicPr>
+              <p:nvPr/>
+            </p:nvPicPr>
+            <p:blipFill>
+              <a:blip r:embed="rId8" cstate="print"/>
+              <a:srcRect/>
+              <a:stretch>
+                <a:fillRect/>
+              </a:stretch>
+            </p:blipFill>
+            <p:spPr bwMode="auto">
+              <a:xfrm>
+                <a:off x="6060486" y="2878443"/>
+                <a:ext cx="439171" cy="771974"/>
+              </a:xfrm>
+              <a:prstGeom prst="rect">
+                <a:avLst/>
+              </a:prstGeom>
+              <a:noFill/>
+              <a:ln w="9525">
+                <a:noFill/>
+                <a:miter lim="800000"/>
+                <a:headEnd/>
+                <a:tailEnd/>
+              </a:ln>
+            </p:spPr>
+          </p:pic>
+        </p:grpSp>
+        <p:pic>
+          <p:nvPicPr>
+            <p:cNvPr id="23" name="Picture 22" descr="ipad2.png"/>
+            <p:cNvPicPr>
+              <a:picLocks noChangeAspect="1"/>
+            </p:cNvPicPr>
+            <p:nvPr/>
+          </p:nvPicPr>
+          <p:blipFill>
+            <a:blip r:embed="rId9" cstate="print"/>
+            <a:srcRect/>
+            <a:stretch>
+              <a:fillRect/>
+            </a:stretch>
+          </p:blipFill>
+          <p:spPr bwMode="auto">
+            <a:xfrm>
+              <a:off x="6719818" y="3778094"/>
+              <a:ext cx="608940" cy="751026"/>
+            </a:xfrm>
+            <a:prstGeom prst="rect">
+              <a:avLst/>
+            </a:prstGeom>
+            <a:noFill/>
+            <a:ln w="9525">
+              <a:noFill/>
+              <a:miter lim="800000"/>
+              <a:headEnd/>
+              <a:tailEnd/>
+            </a:ln>
+          </p:spPr>
+        </p:pic>
+        <p:grpSp>
+          <p:nvGrpSpPr>
+            <p:cNvPr id="6" name="Group 37"/>
+            <p:cNvGrpSpPr>
+              <a:grpSpLocks/>
+            </p:cNvGrpSpPr>
+            <p:nvPr/>
+          </p:nvGrpSpPr>
+          <p:grpSpPr bwMode="auto">
+            <a:xfrm>
+              <a:off x="7768405" y="3969112"/>
+              <a:ext cx="761672" cy="368990"/>
+              <a:chOff x="7429336" y="2272552"/>
+              <a:chExt cx="941543" cy="457201"/>
+            </a:xfrm>
+          </p:grpSpPr>
+          <p:pic>
+            <p:nvPicPr>
+              <p:cNvPr id="25" name="Picture 4" descr="http://t3.gstatic.com/images?q=tbn:ANd9GcTMRsaPOn4IadhtVPJ2-jRPHLkxtH7GNY2bTq8NXfZdXGE5O4wHwg"/>
+              <p:cNvPicPr>
+                <a:picLocks noChangeAspect="1" noChangeArrowheads="1"/>
+              </p:cNvPicPr>
+              <p:nvPr/>
+            </p:nvPicPr>
+            <p:blipFill>
+              <a:blip r:embed="rId10" cstate="print"/>
+              <a:srcRect/>
+              <a:stretch>
+                <a:fillRect/>
+              </a:stretch>
+            </p:blipFill>
+            <p:spPr bwMode="auto">
+              <a:xfrm>
+                <a:off x="7913679" y="2272552"/>
+                <a:ext cx="457200" cy="457200"/>
+              </a:xfrm>
+              <a:prstGeom prst="rect">
+                <a:avLst/>
+              </a:prstGeom>
+              <a:noFill/>
+              <a:ln w="9525">
+                <a:noFill/>
+                <a:miter lim="800000"/>
+                <a:headEnd/>
+                <a:tailEnd/>
+              </a:ln>
+            </p:spPr>
+          </p:pic>
+          <p:pic>
+            <p:nvPicPr>
+              <p:cNvPr id="26" name="Picture 2" descr="http://t1.gstatic.com/images?q=tbn:ANd9GcR2-K57Ug9aA8EECRu-5CJO9CnjoHSjFS51LYu8E3lxHEqFiIXsbg"/>
+              <p:cNvPicPr>
+                <a:picLocks noChangeAspect="1" noChangeArrowheads="1"/>
+              </p:cNvPicPr>
+              <p:nvPr/>
+            </p:nvPicPr>
+            <p:blipFill>
+              <a:blip r:embed="rId11" cstate="print"/>
+              <a:srcRect/>
+              <a:stretch>
+                <a:fillRect/>
+              </a:stretch>
+            </p:blipFill>
+            <p:spPr bwMode="auto">
+              <a:xfrm>
+                <a:off x="7429336" y="2272553"/>
+                <a:ext cx="457200" cy="457200"/>
+              </a:xfrm>
+              <a:prstGeom prst="rect">
+                <a:avLst/>
+              </a:prstGeom>
+              <a:noFill/>
+              <a:ln w="9525">
+                <a:noFill/>
+                <a:miter lim="800000"/>
+                <a:headEnd/>
+                <a:tailEnd/>
+              </a:ln>
+            </p:spPr>
+          </p:pic>
+        </p:grpSp>
+        <p:sp>
+          <p:nvSpPr>
+            <p:cNvPr id="32" name="TextBox 31"/>
+            <p:cNvSpPr txBox="1"/>
+            <p:nvPr/>
+          </p:nvSpPr>
+          <p:spPr>
+            <a:xfrm>
+              <a:off x="349622" y="3830442"/>
+              <a:ext cx="5144211" cy="646331"/>
+            </a:xfrm>
+            <a:prstGeom prst="rect">
+              <a:avLst/>
+            </a:prstGeom>
+            <a:noFill/>
+          </p:spPr>
+          <p:txBody>
+            <a:bodyPr wrap="square" rtlCol="0">
+              <a:spAutoFit/>
+            </a:bodyPr>
+            <a:lstStyle/>
+            <a:p>
+              <a:pPr algn="l"/>
+              <a:r>
+                <a:rPr lang="en-US" sz="2000" dirty="0" smtClean="0">
+                  <a:solidFill>
+                    <a:schemeClr val="accent1"/>
+                  </a:solidFill>
+                  <a:latin typeface="+mn-lt"/>
+                  <a:ea typeface="+mn-ea"/>
+                </a:rPr>
+                <a:t>Expanding into new application types</a:t>
+              </a:r>
+              <a:r>
+                <a:rPr lang="en-US" sz="2000" dirty="0" smtClean="0">
+                  <a:solidFill>
+                    <a:srgbClr val="333333"/>
+                  </a:solidFill>
+                  <a:latin typeface="+mn-lt"/>
+                  <a:ea typeface="+mn-ea"/>
+                </a:rPr>
+                <a:t/>
+              </a:r>
+              <a:br>
+                <a:rPr lang="en-US" sz="2000" dirty="0" smtClean="0">
+                  <a:solidFill>
+                    <a:srgbClr val="333333"/>
+                  </a:solidFill>
+                  <a:latin typeface="+mn-lt"/>
+                  <a:ea typeface="+mn-ea"/>
+                </a:rPr>
+              </a:br>
+              <a:r>
+                <a:rPr lang="en-US" sz="1600" b="1" i="1" dirty="0">
+                  <a:solidFill>
+                    <a:srgbClr val="333333"/>
+                  </a:solidFill>
+                  <a:latin typeface="+mn-lt"/>
+                  <a:ea typeface="+mn-ea"/>
+                </a:rPr>
+                <a:t>Mobile, SaaS, </a:t>
+              </a:r>
+              <a:r>
+                <a:rPr lang="en-US" sz="1600" b="1" i="1" dirty="0" smtClean="0">
+                  <a:solidFill>
+                    <a:srgbClr val="333333"/>
+                  </a:solidFill>
+                  <a:latin typeface="+mn-lt"/>
+                  <a:ea typeface="+mn-ea"/>
+                </a:rPr>
+                <a:t>social</a:t>
+              </a:r>
+              <a:endParaRPr lang="en-US" sz="1800" dirty="0" smtClean="0">
+                <a:solidFill>
+                  <a:srgbClr val="333333"/>
+                </a:solidFill>
+                <a:latin typeface="+mn-lt"/>
+                <a:ea typeface="+mn-ea"/>
+              </a:endParaRPr>
+            </a:p>
+          </p:txBody>
+        </p:sp>
+      </p:grpSp>
+      <p:grpSp>
+        <p:nvGrpSpPr>
+          <p:cNvPr id="7" name="Group 68"/>
+          <p:cNvGrpSpPr/>
+          <p:nvPr/>
+        </p:nvGrpSpPr>
+        <p:grpSpPr>
+          <a:xfrm>
+            <a:off x="323154" y="2689028"/>
+            <a:ext cx="7896521" cy="719685"/>
+            <a:chOff x="349622" y="2871881"/>
+            <a:chExt cx="7896521" cy="719685"/>
+          </a:xfrm>
+        </p:grpSpPr>
+        <p:grpSp>
+          <p:nvGrpSpPr>
+            <p:cNvPr id="8" name="Group 2"/>
+            <p:cNvGrpSpPr/>
+            <p:nvPr/>
+          </p:nvGrpSpPr>
+          <p:grpSpPr>
+            <a:xfrm>
+              <a:off x="5927698" y="2871881"/>
+              <a:ext cx="2318445" cy="719685"/>
+              <a:chOff x="5989477" y="3626529"/>
+              <a:chExt cx="2991296" cy="928549"/>
+            </a:xfrm>
+          </p:grpSpPr>
+          <p:pic>
+            <p:nvPicPr>
+              <p:cNvPr id="28" name="Picture 4" descr="springLogoNew"/>
+              <p:cNvPicPr>
+                <a:picLocks noChangeAspect="1" noChangeArrowheads="1"/>
+              </p:cNvPicPr>
+              <p:nvPr/>
+            </p:nvPicPr>
+            <p:blipFill>
+              <a:blip r:embed="rId12" cstate="print">
+                <a:clrChange>
+                  <a:clrFrom>
+                    <a:srgbClr val="FFFFFF"/>
+                  </a:clrFrom>
+                  <a:clrTo>
+                    <a:srgbClr val="FFFFFF">
+                      <a:alpha val="0"/>
+                    </a:srgbClr>
+                  </a:clrTo>
+                </a:clrChange>
+              </a:blip>
+              <a:srcRect/>
+              <a:stretch>
+                <a:fillRect/>
+              </a:stretch>
+            </p:blipFill>
+            <p:spPr bwMode="auto">
+              <a:xfrm>
+                <a:off x="5989477" y="3761156"/>
+                <a:ext cx="1269937" cy="793922"/>
+              </a:xfrm>
+              <a:prstGeom prst="rect">
+                <a:avLst/>
+              </a:prstGeom>
+              <a:noFill/>
+              <a:ln w="28575">
+                <a:noFill/>
+                <a:miter lim="800000"/>
+                <a:headEnd/>
+                <a:tailEnd/>
+              </a:ln>
+            </p:spPr>
+          </p:pic>
+          <p:pic>
+            <p:nvPicPr>
+              <p:cNvPr id="29" name="Picture 2"/>
+              <p:cNvPicPr>
+                <a:picLocks noChangeAspect="1" noChangeArrowheads="1"/>
+              </p:cNvPicPr>
+              <p:nvPr/>
+            </p:nvPicPr>
+            <p:blipFill>
+              <a:blip r:embed="rId13" cstate="print"/>
+              <a:srcRect/>
+              <a:stretch>
+                <a:fillRect/>
+              </a:stretch>
+            </p:blipFill>
+            <p:spPr bwMode="auto">
+              <a:xfrm>
+                <a:off x="8193539" y="3626529"/>
+                <a:ext cx="629233" cy="635138"/>
+              </a:xfrm>
+              <a:prstGeom prst="rect">
+                <a:avLst/>
+              </a:prstGeom>
+              <a:noFill/>
+              <a:ln w="9525">
+                <a:noFill/>
+                <a:miter lim="800000"/>
+                <a:headEnd/>
+                <a:tailEnd/>
+              </a:ln>
+            </p:spPr>
+          </p:pic>
+          <p:pic>
+            <p:nvPicPr>
+              <p:cNvPr id="30" name="Picture 2"/>
+              <p:cNvPicPr>
+                <a:picLocks noChangeAspect="1" noChangeArrowheads="1"/>
+              </p:cNvPicPr>
+              <p:nvPr/>
+            </p:nvPicPr>
+            <p:blipFill>
+              <a:blip r:embed="rId14" cstate="print"/>
+              <a:srcRect/>
+              <a:stretch>
+                <a:fillRect/>
+              </a:stretch>
+            </p:blipFill>
+            <p:spPr bwMode="auto">
+              <a:xfrm>
+                <a:off x="7416053" y="3810125"/>
+                <a:ext cx="490278" cy="633153"/>
+              </a:xfrm>
+              <a:prstGeom prst="rect">
+                <a:avLst/>
+              </a:prstGeom>
+              <a:noFill/>
+              <a:ln w="9525">
+                <a:noFill/>
+                <a:miter lim="800000"/>
+                <a:headEnd/>
+                <a:tailEnd/>
+              </a:ln>
+            </p:spPr>
+          </p:pic>
+          <p:pic>
+            <p:nvPicPr>
+              <p:cNvPr id="31" name="Picture 3"/>
+              <p:cNvPicPr>
+                <a:picLocks noChangeAspect="1" noChangeArrowheads="1"/>
+              </p:cNvPicPr>
+              <p:nvPr/>
+            </p:nvPicPr>
+            <p:blipFill>
+              <a:blip r:embed="rId15" cstate="print"/>
+              <a:srcRect/>
+              <a:stretch>
+                <a:fillRect/>
+              </a:stretch>
+            </p:blipFill>
+            <p:spPr bwMode="auto">
+              <a:xfrm>
+                <a:off x="8079826" y="4316901"/>
+                <a:ext cx="900947" cy="238177"/>
+              </a:xfrm>
+              <a:prstGeom prst="rect">
+                <a:avLst/>
+              </a:prstGeom>
+              <a:noFill/>
+              <a:ln w="9525">
+                <a:noFill/>
+                <a:miter lim="800000"/>
+                <a:headEnd/>
+                <a:tailEnd/>
+              </a:ln>
+            </p:spPr>
+          </p:pic>
+        </p:grpSp>
+        <p:sp>
+          <p:nvSpPr>
+            <p:cNvPr id="33" name="TextBox 32"/>
+            <p:cNvSpPr txBox="1"/>
+            <p:nvPr/>
+          </p:nvSpPr>
+          <p:spPr>
+            <a:xfrm>
+              <a:off x="349622" y="2908558"/>
+              <a:ext cx="5857889" cy="646331"/>
+            </a:xfrm>
+            <a:prstGeom prst="rect">
+              <a:avLst/>
+            </a:prstGeom>
+            <a:noFill/>
+          </p:spPr>
+          <p:txBody>
+            <a:bodyPr wrap="square" rtlCol="0">
+              <a:spAutoFit/>
+            </a:bodyPr>
+            <a:lstStyle/>
+            <a:p>
+              <a:pPr algn="l"/>
+              <a:r>
+                <a:rPr lang="en-US" sz="2000" dirty="0" smtClean="0">
+                  <a:solidFill>
+                    <a:schemeClr val="accent1"/>
+                  </a:solidFill>
+                  <a:latin typeface="+mn-lt"/>
+                  <a:ea typeface="+mn-ea"/>
+                </a:rPr>
+                <a:t>Written in diverse frameworks</a:t>
+              </a:r>
+              <a:br>
+                <a:rPr lang="en-US" sz="2000" dirty="0" smtClean="0">
+                  <a:solidFill>
+                    <a:schemeClr val="accent1"/>
+                  </a:solidFill>
+                  <a:latin typeface="+mn-lt"/>
+                  <a:ea typeface="+mn-ea"/>
+                </a:rPr>
+              </a:br>
+              <a:r>
+                <a:rPr lang="en-US" sz="1600" b="1" i="1" dirty="0" smtClean="0">
+                  <a:solidFill>
+                    <a:srgbClr val="333333"/>
+                  </a:solidFill>
+                  <a:latin typeface="+mn-lt"/>
+                  <a:ea typeface="+mn-ea"/>
+                </a:rPr>
+                <a:t>Traditional (Java</a:t>
+              </a:r>
+              <a:r>
+                <a:rPr lang="en-US" sz="1600" b="1" i="1" dirty="0">
+                  <a:solidFill>
+                    <a:srgbClr val="333333"/>
+                  </a:solidFill>
+                  <a:latin typeface="+mn-lt"/>
+                  <a:ea typeface="+mn-ea"/>
+                </a:rPr>
+                <a:t>, .</a:t>
+              </a:r>
+              <a:r>
+                <a:rPr lang="en-US" sz="1600" b="1" i="1" dirty="0" smtClean="0">
+                  <a:solidFill>
+                    <a:srgbClr val="333333"/>
+                  </a:solidFill>
+                  <a:latin typeface="+mn-lt"/>
+                  <a:ea typeface="+mn-ea"/>
+                </a:rPr>
+                <a:t>Net) and Modern Frameworks</a:t>
+              </a:r>
+              <a:endParaRPr lang="en-US" sz="1800" dirty="0" smtClean="0">
+                <a:solidFill>
+                  <a:srgbClr val="333333"/>
+                </a:solidFill>
+                <a:latin typeface="+mn-lt"/>
+                <a:ea typeface="+mn-ea"/>
+              </a:endParaRPr>
+            </a:p>
+          </p:txBody>
+        </p:sp>
+      </p:grpSp>
+      <p:grpSp>
+        <p:nvGrpSpPr>
+          <p:cNvPr id="9" name="Group 70"/>
+          <p:cNvGrpSpPr/>
+          <p:nvPr/>
+        </p:nvGrpSpPr>
+        <p:grpSpPr>
+          <a:xfrm>
+            <a:off x="349622" y="855725"/>
+            <a:ext cx="8188480" cy="808933"/>
+            <a:chOff x="349622" y="939092"/>
+            <a:chExt cx="8188480" cy="808933"/>
+          </a:xfrm>
+        </p:grpSpPr>
+        <p:sp>
+          <p:nvSpPr>
+            <p:cNvPr id="13" name="TextBox 12"/>
+            <p:cNvSpPr txBox="1"/>
+            <p:nvPr/>
+          </p:nvSpPr>
+          <p:spPr>
+            <a:xfrm>
+              <a:off x="349622" y="1020393"/>
+              <a:ext cx="6024283" cy="646331"/>
+            </a:xfrm>
+            <a:prstGeom prst="rect">
+              <a:avLst/>
+            </a:prstGeom>
+            <a:noFill/>
+          </p:spPr>
+          <p:txBody>
+            <a:bodyPr wrap="square" rtlCol="0">
+              <a:spAutoFit/>
+            </a:bodyPr>
+            <a:lstStyle/>
+            <a:p>
+              <a:pPr algn="l"/>
+              <a:r>
+                <a:rPr lang="en-US" sz="2000" dirty="0" smtClean="0">
+                  <a:solidFill>
+                    <a:schemeClr val="accent1"/>
+                  </a:solidFill>
+                  <a:latin typeface="+mn-lt"/>
+                  <a:ea typeface="+mn-ea"/>
+                </a:rPr>
+                <a:t>Deployed on virtual and cloud infrastructure</a:t>
+              </a:r>
+              <a:r>
+                <a:rPr lang="en-US" sz="2000" dirty="0" smtClean="0">
+                  <a:solidFill>
+                    <a:srgbClr val="333333"/>
+                  </a:solidFill>
+                  <a:latin typeface="+mn-lt"/>
+                  <a:ea typeface="+mn-ea"/>
+                </a:rPr>
+                <a:t/>
+              </a:r>
+              <a:br>
+                <a:rPr lang="en-US" sz="2000" dirty="0" smtClean="0">
+                  <a:solidFill>
+                    <a:srgbClr val="333333"/>
+                  </a:solidFill>
+                  <a:latin typeface="+mn-lt"/>
+                  <a:ea typeface="+mn-ea"/>
+                </a:rPr>
+              </a:br>
+              <a:r>
+                <a:rPr lang="en-US" sz="1600" b="1" i="1" dirty="0" smtClean="0">
+                  <a:solidFill>
+                    <a:srgbClr val="333333"/>
+                  </a:solidFill>
+                  <a:latin typeface="+mn-lt"/>
+                  <a:ea typeface="+mn-ea"/>
+                </a:rPr>
+                <a:t>Span across Private, Public and Hybrid Clouds</a:t>
+              </a:r>
+              <a:endParaRPr lang="en-US" sz="1800" b="1" i="1" dirty="0" smtClean="0">
+                <a:solidFill>
+                  <a:srgbClr val="333333"/>
+                </a:solidFill>
+                <a:latin typeface="+mn-lt"/>
+                <a:ea typeface="+mn-ea"/>
+              </a:endParaRPr>
+            </a:p>
+          </p:txBody>
+        </p:sp>
+        <p:grpSp>
+          <p:nvGrpSpPr>
+            <p:cNvPr id="10" name="Group 48"/>
+            <p:cNvGrpSpPr/>
+            <p:nvPr/>
+          </p:nvGrpSpPr>
+          <p:grpSpPr>
+            <a:xfrm>
+              <a:off x="5808612" y="939092"/>
+              <a:ext cx="2729490" cy="808933"/>
+              <a:chOff x="662987" y="3752850"/>
+              <a:chExt cx="7355476" cy="2179933"/>
+            </a:xfrm>
+            <a:effectLst/>
+          </p:grpSpPr>
+          <p:grpSp>
+            <p:nvGrpSpPr>
+              <p:cNvPr id="11" name="Group 5"/>
+              <p:cNvGrpSpPr>
+                <a:grpSpLocks/>
+              </p:cNvGrpSpPr>
+              <p:nvPr>
+                <p:custDataLst>
+                  <p:tags r:id="rId1"/>
+                </p:custDataLst>
+              </p:nvPr>
+            </p:nvGrpSpPr>
+            <p:grpSpPr bwMode="auto">
+              <a:xfrm>
+                <a:off x="662987" y="3752850"/>
+                <a:ext cx="7355476" cy="2179933"/>
+                <a:chOff x="662987" y="3048000"/>
+                <a:chExt cx="7355476" cy="2179933"/>
+              </a:xfrm>
+            </p:grpSpPr>
+            <p:pic>
+              <p:nvPicPr>
+                <p:cNvPr id="52" name="Picture 51" descr="ICON_Cloud_Q308"/>
+                <p:cNvPicPr>
+                  <a:picLocks noChangeAspect="1" noChangeArrowheads="1"/>
+                </p:cNvPicPr>
+                <p:nvPr/>
+              </p:nvPicPr>
+              <p:blipFill>
+                <a:blip r:embed="rId16" cstate="email">
+                  <a:extLst>
+                    <a:ext uri="{28A0092B-C50C-407E-A947-70E740481C1C}">
+                      <a14:useLocalDpi xmlns:a14="http://schemas.microsoft.com/office/drawing/2010/main"/>
+                    </a:ext>
+                  </a:extLst>
+                </a:blip>
+                <a:srcRect/>
+                <a:stretch>
+                  <a:fillRect/>
+                </a:stretch>
+              </p:blipFill>
+              <p:spPr bwMode="auto">
+                <a:xfrm>
+                  <a:off x="6099175" y="3098800"/>
+                  <a:ext cx="1919288" cy="1308100"/>
+                </a:xfrm>
+                <a:prstGeom prst="rect">
+                  <a:avLst/>
+                </a:prstGeom>
+                <a:noFill/>
+                <a:ln w="9525">
+                  <a:noFill/>
+                  <a:miter lim="800000"/>
+                  <a:headEnd/>
+                  <a:tailEnd/>
+                </a:ln>
+                <a:effectLst/>
+              </p:spPr>
+            </p:pic>
+            <p:pic>
+              <p:nvPicPr>
+                <p:cNvPr id="53" name="Picture 52" descr="ICON_Cloud_Q308"/>
+                <p:cNvPicPr>
+                  <a:picLocks noChangeAspect="1" noChangeArrowheads="1"/>
+                </p:cNvPicPr>
+                <p:nvPr/>
+              </p:nvPicPr>
+              <p:blipFill>
+                <a:blip r:embed="rId16" cstate="email">
+                  <a:extLst>
+                    <a:ext uri="{28A0092B-C50C-407E-A947-70E740481C1C}">
+                      <a14:useLocalDpi xmlns:a14="http://schemas.microsoft.com/office/drawing/2010/main"/>
+                    </a:ext>
+                  </a:extLst>
+                </a:blip>
+                <a:srcRect/>
+                <a:stretch>
+                  <a:fillRect/>
+                </a:stretch>
+              </p:blipFill>
+              <p:spPr bwMode="auto">
+                <a:xfrm>
+                  <a:off x="4741863" y="3403600"/>
+                  <a:ext cx="1919287" cy="1308100"/>
+                </a:xfrm>
+                <a:prstGeom prst="rect">
+                  <a:avLst/>
+                </a:prstGeom>
+                <a:noFill/>
+                <a:ln w="9525">
+                  <a:noFill/>
+                  <a:miter lim="800000"/>
+                  <a:headEnd/>
+                  <a:tailEnd/>
+                </a:ln>
+                <a:effectLst/>
+              </p:spPr>
+            </p:pic>
+            <p:pic>
+              <p:nvPicPr>
+                <p:cNvPr id="54" name="Picture 53" descr="ICON_Cloud_Q308"/>
+                <p:cNvPicPr>
+                  <a:picLocks noChangeAspect="1" noChangeArrowheads="1"/>
+                </p:cNvPicPr>
+                <p:nvPr/>
+              </p:nvPicPr>
+              <p:blipFill>
+                <a:blip r:embed="rId17" cstate="email">
+                  <a:grayscl/>
+                  <a:extLst>
+                    <a:ext uri="{28A0092B-C50C-407E-A947-70E740481C1C}">
+                      <a14:useLocalDpi xmlns:a14="http://schemas.microsoft.com/office/drawing/2010/main"/>
+                    </a:ext>
+                  </a:extLst>
+                </a:blip>
+                <a:srcRect/>
+                <a:stretch>
+                  <a:fillRect/>
+                </a:stretch>
+              </p:blipFill>
+              <p:spPr bwMode="auto">
+                <a:xfrm>
+                  <a:off x="762000" y="3157539"/>
+                  <a:ext cx="2351088" cy="1603376"/>
+                </a:xfrm>
+                <a:prstGeom prst="rect">
+                  <a:avLst/>
+                </a:prstGeom>
+                <a:noFill/>
+                <a:ln w="9525">
+                  <a:noFill/>
+                  <a:miter lim="800000"/>
+                  <a:headEnd/>
+                  <a:tailEnd/>
+                </a:ln>
+                <a:effectLst/>
+              </p:spPr>
+            </p:pic>
+            <p:sp>
+              <p:nvSpPr>
+                <p:cNvPr id="55" name="TextBox 32"/>
+                <p:cNvSpPr txBox="1">
+                  <a:spLocks noChangeArrowheads="1"/>
+                </p:cNvSpPr>
+                <p:nvPr/>
+              </p:nvSpPr>
+              <p:spPr bwMode="auto">
+                <a:xfrm>
+                  <a:off x="662987" y="4678095"/>
+                  <a:ext cx="2226849" cy="549838"/>
+                </a:xfrm>
+                <a:prstGeom prst="rect">
+                  <a:avLst/>
+                </a:prstGeom>
+                <a:noFill/>
+                <a:ln w="9525">
+                  <a:noFill/>
+                  <a:miter lim="800000"/>
+                  <a:headEnd/>
+                  <a:tailEnd/>
+                </a:ln>
+              </p:spPr>
+              <p:txBody>
+                <a:bodyPr wrap="none">
+                  <a:spAutoFit/>
+                </a:bodyPr>
+                <a:lstStyle/>
+                <a:p>
+                  <a:pPr algn="ctr">
+                    <a:spcAft>
+                      <a:spcPct val="40000"/>
+                    </a:spcAft>
+                  </a:pPr>
+                  <a:r>
+                    <a:rPr lang="en-US" sz="900" dirty="0">
+                      <a:solidFill>
+                        <a:srgbClr val="333333"/>
+                      </a:solidFill>
+                    </a:rPr>
+                    <a:t>Private Clouds</a:t>
+                  </a:r>
+                </a:p>
+              </p:txBody>
+            </p:sp>
+            <p:pic>
+              <p:nvPicPr>
+                <p:cNvPr id="56" name="Picture 6" descr="ICON_Datacenter_wStorage_3up_Q408"/>
+                <p:cNvPicPr>
+                  <a:picLocks noChangeAspect="1" noChangeArrowheads="1"/>
+                </p:cNvPicPr>
+                <p:nvPr/>
+              </p:nvPicPr>
+              <p:blipFill>
+                <a:blip r:embed="rId18" cstate="email">
+                  <a:grayscl/>
+                  <a:extLst>
+                    <a:ext uri="{28A0092B-C50C-407E-A947-70E740481C1C}">
+                      <a14:useLocalDpi xmlns:a14="http://schemas.microsoft.com/office/drawing/2010/main"/>
+                    </a:ext>
+                  </a:extLst>
+                </a:blip>
+                <a:srcRect/>
+                <a:stretch>
+                  <a:fillRect/>
+                </a:stretch>
+              </p:blipFill>
+              <p:spPr bwMode="auto">
+                <a:xfrm>
+                  <a:off x="6400800" y="3086100"/>
+                  <a:ext cx="552450" cy="800100"/>
+                </a:xfrm>
+                <a:prstGeom prst="rect">
+                  <a:avLst/>
+                </a:prstGeom>
+                <a:noFill/>
+                <a:ln w="9525">
+                  <a:noFill/>
+                  <a:miter lim="800000"/>
+                  <a:headEnd/>
+                  <a:tailEnd/>
+                </a:ln>
+              </p:spPr>
+            </p:pic>
+            <p:pic>
+              <p:nvPicPr>
+                <p:cNvPr id="57" name="Picture 6" descr="ICON_Datacenter_wStorage_3up_Q408"/>
+                <p:cNvPicPr>
+                  <a:picLocks noChangeAspect="1" noChangeArrowheads="1"/>
+                </p:cNvPicPr>
+                <p:nvPr/>
+              </p:nvPicPr>
+              <p:blipFill>
+                <a:blip r:embed="rId18" cstate="email">
+                  <a:grayscl/>
+                  <a:extLst>
+                    <a:ext uri="{28A0092B-C50C-407E-A947-70E740481C1C}">
+                      <a14:useLocalDpi xmlns:a14="http://schemas.microsoft.com/office/drawing/2010/main"/>
+                    </a:ext>
+                  </a:extLst>
+                </a:blip>
+                <a:srcRect/>
+                <a:stretch>
+                  <a:fillRect/>
+                </a:stretch>
+              </p:blipFill>
+              <p:spPr bwMode="auto">
+                <a:xfrm>
+                  <a:off x="1730375" y="3090863"/>
+                  <a:ext cx="552450" cy="800100"/>
+                </a:xfrm>
+                <a:prstGeom prst="rect">
+                  <a:avLst/>
+                </a:prstGeom>
+                <a:noFill/>
+                <a:ln w="9525">
+                  <a:noFill/>
+                  <a:miter lim="800000"/>
+                  <a:headEnd/>
+                  <a:tailEnd/>
+                </a:ln>
+              </p:spPr>
+            </p:pic>
+            <p:pic>
+              <p:nvPicPr>
+                <p:cNvPr id="58" name="Picture 6" descr="ICON_Datacenter_wStorage_3up_Q408"/>
+                <p:cNvPicPr>
+                  <a:picLocks noChangeAspect="1" noChangeArrowheads="1"/>
+                </p:cNvPicPr>
+                <p:nvPr/>
+              </p:nvPicPr>
+              <p:blipFill>
+                <a:blip r:embed="rId18" cstate="email">
+                  <a:grayscl/>
+                  <a:extLst>
+                    <a:ext uri="{28A0092B-C50C-407E-A947-70E740481C1C}">
+                      <a14:useLocalDpi xmlns:a14="http://schemas.microsoft.com/office/drawing/2010/main"/>
+                    </a:ext>
+                  </a:extLst>
+                </a:blip>
+                <a:srcRect/>
+                <a:stretch>
+                  <a:fillRect/>
+                </a:stretch>
+              </p:blipFill>
+              <p:spPr bwMode="auto">
+                <a:xfrm>
+                  <a:off x="1223963" y="3090863"/>
+                  <a:ext cx="552450" cy="800100"/>
+                </a:xfrm>
+                <a:prstGeom prst="rect">
+                  <a:avLst/>
+                </a:prstGeom>
+                <a:noFill/>
+                <a:ln w="9525">
+                  <a:noFill/>
+                  <a:miter lim="800000"/>
+                  <a:headEnd/>
+                  <a:tailEnd/>
+                </a:ln>
+              </p:spPr>
+            </p:pic>
+            <p:grpSp>
+              <p:nvGrpSpPr>
+                <p:cNvPr id="12" name="Group 57"/>
+                <p:cNvGrpSpPr>
+                  <a:grpSpLocks/>
+                </p:cNvGrpSpPr>
+                <p:nvPr/>
+              </p:nvGrpSpPr>
+              <p:grpSpPr bwMode="auto">
+                <a:xfrm>
+                  <a:off x="2744787" y="3522332"/>
+                  <a:ext cx="2519862" cy="1608136"/>
+                  <a:chOff x="2789065" y="2723543"/>
+                  <a:chExt cx="2519415" cy="1609453"/>
+                </a:xfrm>
+              </p:grpSpPr>
+              <p:grpSp>
+                <p:nvGrpSpPr>
+                  <p:cNvPr id="14" name="Group 57"/>
+                  <p:cNvGrpSpPr/>
+                  <p:nvPr/>
+                </p:nvGrpSpPr>
+                <p:grpSpPr>
+                  <a:xfrm>
+                    <a:off x="2789065" y="2723543"/>
+                    <a:ext cx="2363367" cy="1609453"/>
+                    <a:chOff x="7585353" y="25443"/>
+                    <a:chExt cx="2363367" cy="1609453"/>
+                  </a:xfrm>
+                  <a:effectLst>
+                    <a:outerShdw blurRad="152400" dist="317500" dir="5400000" sx="90000" sy="-19000" rotWithShape="0">
+                      <a:prstClr val="black">
+                        <a:alpha val="15000"/>
+                      </a:prstClr>
+                    </a:outerShdw>
+                  </a:effectLst>
+                </p:grpSpPr>
+                <p:pic>
+                  <p:nvPicPr>
+                    <p:cNvPr id="64" name="Picture 63" descr="ICON_Cloud_Q308"/>
+                    <p:cNvPicPr>
+                      <a:picLocks noChangeAspect="1" noChangeArrowheads="1"/>
+                    </p:cNvPicPr>
+                    <p:nvPr/>
+                  </p:nvPicPr>
+                  <p:blipFill>
+                    <a:blip r:embed="rId19" cstate="email">
+                      <a:grayscl/>
+                      <a:extLst>
+                        <a:ext uri="{28A0092B-C50C-407E-A947-70E740481C1C}">
+                          <a14:useLocalDpi xmlns:a14="http://schemas.microsoft.com/office/drawing/2010/main"/>
+                        </a:ext>
+                      </a:extLst>
+                    </a:blip>
+                    <a:srcRect/>
+                    <a:stretch>
+                      <a:fillRect/>
+                    </a:stretch>
+                  </p:blipFill>
+                  <p:spPr bwMode="auto">
+                    <a:xfrm>
+                      <a:off x="7585353" y="32442"/>
+                      <a:ext cx="1172822" cy="1602454"/>
+                    </a:xfrm>
+                    <a:prstGeom prst="rect">
+                      <a:avLst/>
+                    </a:prstGeom>
+                    <a:noFill/>
+                    <a:ln w="9525">
+                      <a:noFill/>
+                      <a:miter lim="800000"/>
+                      <a:headEnd/>
+                      <a:tailEnd/>
+                    </a:ln>
+                    <a:effectLst/>
+                  </p:spPr>
+                </p:pic>
+                <p:pic>
+                  <p:nvPicPr>
+                    <p:cNvPr id="65" name="Picture 64" descr="ICON_Cloud_Q308"/>
+                    <p:cNvPicPr>
+                      <a:picLocks noChangeAspect="1" noChangeArrowheads="1"/>
+                    </p:cNvPicPr>
+                    <p:nvPr/>
+                  </p:nvPicPr>
+                  <p:blipFill>
+                    <a:blip r:embed="rId20" cstate="email">
+                      <a:extLst>
+                        <a:ext uri="{28A0092B-C50C-407E-A947-70E740481C1C}">
+                          <a14:useLocalDpi xmlns:a14="http://schemas.microsoft.com/office/drawing/2010/main"/>
+                        </a:ext>
+                      </a:extLst>
+                    </a:blip>
+                    <a:srcRect/>
+                    <a:stretch>
+                      <a:fillRect/>
+                    </a:stretch>
+                  </p:blipFill>
+                  <p:spPr bwMode="auto">
+                    <a:xfrm>
+                      <a:off x="8723868" y="25443"/>
+                      <a:ext cx="1224852" cy="1602459"/>
+                    </a:xfrm>
+                    <a:prstGeom prst="rect">
+                      <a:avLst/>
+                    </a:prstGeom>
+                    <a:noFill/>
+                    <a:ln w="9525">
+                      <a:noFill/>
+                      <a:miter lim="800000"/>
+                      <a:headEnd/>
+                      <a:tailEnd/>
+                    </a:ln>
+                    <a:effectLst/>
+                  </p:spPr>
+                </p:pic>
+              </p:grpSp>
+              <p:sp>
+                <p:nvSpPr>
+                  <p:cNvPr id="63" name="Rectangle 62"/>
+                  <p:cNvSpPr/>
+                  <p:nvPr/>
+                </p:nvSpPr>
+                <p:spPr bwMode="auto">
+                  <a:xfrm>
+                    <a:off x="2815941" y="3259297"/>
+                    <a:ext cx="2492539" cy="805096"/>
+                  </a:xfrm>
+                  <a:prstGeom prst="rect">
+                    <a:avLst/>
+                  </a:prstGeom>
+                  <a:noFill/>
+                  <a:ln w="12700">
+                    <a:noFill/>
+                    <a:headEnd type="none" w="med" len="med"/>
+                    <a:tailEnd type="none" w="med" len="med"/>
+                  </a:ln>
+                  <a:effectLst/>
+                  <a:scene3d>
+                    <a:camera prst="orthographicFront"/>
+                    <a:lightRig rig="threePt" dir="t"/>
+                  </a:scene3d>
+                  <a:sp3d>
+                    <a:bevelT w="38100" h="12700"/>
+                  </a:sp3d>
+                </p:spPr>
+                <p:style>
+                  <a:lnRef idx="1">
+                    <a:schemeClr val="accent4"/>
+                  </a:lnRef>
+                  <a:fillRef idx="3">
+                    <a:schemeClr val="accent4"/>
+                  </a:fillRef>
+                  <a:effectRef idx="2">
+                    <a:schemeClr val="accent4"/>
+                  </a:effectRef>
+                  <a:fontRef idx="minor">
+                    <a:schemeClr val="lt1"/>
+                  </a:fontRef>
+                </p:style>
+                <p:txBody>
+                  <a:bodyPr lIns="0" rIns="0" anchor="ctr"/>
+                  <a:lstStyle/>
+                  <a:p>
+                    <a:pPr algn="ctr">
+                      <a:spcAft>
+                        <a:spcPct val="40000"/>
+                      </a:spcAft>
+                      <a:defRPr/>
+                    </a:pPr>
+                    <a:r>
+                      <a:rPr lang="en-US" sz="1000" b="1" dirty="0">
+                        <a:solidFill>
+                          <a:srgbClr val="003D79"/>
+                        </a:solidFill>
+                      </a:rPr>
+                      <a:t>Public/Private/Hybrid Cloud</a:t>
+                    </a:r>
+                  </a:p>
+                </p:txBody>
+              </p:sp>
+            </p:grpSp>
+            <p:pic>
+              <p:nvPicPr>
+                <p:cNvPr id="60" name="Picture 6" descr="ICON_Datacenter_wStorage_3up_Q408"/>
+                <p:cNvPicPr>
+                  <a:picLocks noChangeAspect="1" noChangeArrowheads="1"/>
+                </p:cNvPicPr>
+                <p:nvPr/>
+              </p:nvPicPr>
+              <p:blipFill>
+                <a:blip r:embed="rId18" cstate="email">
+                  <a:grayscl/>
+                  <a:extLst>
+                    <a:ext uri="{28A0092B-C50C-407E-A947-70E740481C1C}">
+                      <a14:useLocalDpi xmlns:a14="http://schemas.microsoft.com/office/drawing/2010/main"/>
+                    </a:ext>
+                  </a:extLst>
+                </a:blip>
+                <a:srcRect/>
+                <a:stretch>
+                  <a:fillRect/>
+                </a:stretch>
+              </p:blipFill>
+              <p:spPr bwMode="auto">
+                <a:xfrm>
+                  <a:off x="2286000" y="3048000"/>
+                  <a:ext cx="552450" cy="800100"/>
+                </a:xfrm>
+                <a:prstGeom prst="rect">
+                  <a:avLst/>
+                </a:prstGeom>
+                <a:noFill/>
+                <a:ln w="9525">
+                  <a:noFill/>
+                  <a:miter lim="800000"/>
+                  <a:headEnd/>
+                  <a:tailEnd/>
+                </a:ln>
+              </p:spPr>
+            </p:pic>
+            <p:pic>
+              <p:nvPicPr>
+                <p:cNvPr id="61" name="Picture 6" descr="ICON_Datacenter_wStorage_3up_Q408"/>
+                <p:cNvPicPr>
+                  <a:picLocks noChangeAspect="1" noChangeArrowheads="1"/>
+                </p:cNvPicPr>
+                <p:nvPr/>
+              </p:nvPicPr>
+              <p:blipFill>
+                <a:blip r:embed="rId18" cstate="email">
+                  <a:grayscl/>
+                  <a:extLst>
+                    <a:ext uri="{28A0092B-C50C-407E-A947-70E740481C1C}">
+                      <a14:useLocalDpi xmlns:a14="http://schemas.microsoft.com/office/drawing/2010/main"/>
+                    </a:ext>
+                  </a:extLst>
+                </a:blip>
+                <a:srcRect/>
+                <a:stretch>
+                  <a:fillRect/>
+                </a:stretch>
+              </p:blipFill>
+              <p:spPr bwMode="auto">
+                <a:xfrm>
+                  <a:off x="5486400" y="3048000"/>
+                  <a:ext cx="552450" cy="800100"/>
+                </a:xfrm>
+                <a:prstGeom prst="rect">
+                  <a:avLst/>
+                </a:prstGeom>
+                <a:noFill/>
+                <a:ln w="9525">
+                  <a:noFill/>
+                  <a:miter lim="800000"/>
+                  <a:headEnd/>
+                  <a:tailEnd/>
+                </a:ln>
+              </p:spPr>
+            </p:pic>
+          </p:grpSp>
+          <p:sp>
+            <p:nvSpPr>
+              <p:cNvPr id="51" name="TextBox 32"/>
+              <p:cNvSpPr txBox="1">
+                <a:spLocks noChangeArrowheads="1"/>
+              </p:cNvSpPr>
+              <p:nvPr/>
+            </p:nvSpPr>
+            <p:spPr bwMode="auto">
+              <a:xfrm>
+                <a:off x="5585423" y="5382945"/>
+                <a:ext cx="2119932" cy="549838"/>
+              </a:xfrm>
+              <a:prstGeom prst="rect">
+                <a:avLst/>
+              </a:prstGeom>
+              <a:noFill/>
+              <a:ln w="9525">
+                <a:noFill/>
+                <a:miter lim="800000"/>
+                <a:headEnd/>
+                <a:tailEnd/>
+              </a:ln>
+            </p:spPr>
+            <p:txBody>
+              <a:bodyPr wrap="none">
+                <a:spAutoFit/>
+              </a:bodyPr>
+              <a:lstStyle/>
+              <a:p>
+                <a:pPr algn="ctr">
+                  <a:spcAft>
+                    <a:spcPct val="40000"/>
+                  </a:spcAft>
+                </a:pPr>
+                <a:r>
+                  <a:rPr lang="en-US" sz="900" dirty="0">
+                    <a:solidFill>
+                      <a:srgbClr val="333333"/>
+                    </a:solidFill>
+                  </a:rPr>
+                  <a:t>Public Clouds</a:t>
+                </a:r>
+              </a:p>
+            </p:txBody>
+          </p:sp>
+        </p:grpSp>
+      </p:grpSp>
+      <p:sp>
+        <p:nvSpPr>
+          <p:cNvPr id="66" name="TextBox 65"/>
+          <p:cNvSpPr txBox="1"/>
+          <p:nvPr/>
+        </p:nvSpPr>
+        <p:spPr>
+          <a:xfrm>
+            <a:off x="197502" y="4969001"/>
+            <a:ext cx="3735161" cy="1138773"/>
+          </a:xfrm>
+          <a:prstGeom prst="rect">
+            <a:avLst/>
+          </a:prstGeom>
+          <a:noFill/>
+        </p:spPr>
+        <p:txBody>
+          <a:bodyPr wrap="square" rtlCol="0">
+            <a:spAutoFit/>
+          </a:bodyPr>
+          <a:lstStyle/>
+          <a:p>
+            <a:pPr>
+              <a:spcAft>
+                <a:spcPts val="0"/>
+              </a:spcAft>
+            </a:pPr>
+            <a:r>
+              <a:rPr lang="en-US" sz="2000" b="1" dirty="0" smtClean="0">
+                <a:solidFill>
+                  <a:srgbClr val="333333"/>
+                </a:solidFill>
+                <a:latin typeface="+mn-lt"/>
+                <a:ea typeface="+mn-ea"/>
+              </a:rPr>
+              <a:t>Cloud Operating Model</a:t>
+            </a:r>
+          </a:p>
+          <a:p>
+            <a:pPr marL="171450" indent="-171450" algn="l">
+              <a:spcAft>
+                <a:spcPts val="0"/>
+              </a:spcAft>
+              <a:buFont typeface="Arial" pitchFamily="34" charset="0"/>
+              <a:buChar char="•"/>
+            </a:pPr>
+            <a:r>
+              <a:rPr lang="en-US" sz="1600" i="1" dirty="0" smtClean="0">
+                <a:solidFill>
+                  <a:srgbClr val="333333"/>
+                </a:solidFill>
+                <a:latin typeface="+mn-lt"/>
+                <a:ea typeface="+mn-ea"/>
+              </a:rPr>
+              <a:t>Driven by the Cloud Journey </a:t>
+            </a:r>
+          </a:p>
+          <a:p>
+            <a:pPr marL="171450" indent="-171450" algn="l">
+              <a:spcAft>
+                <a:spcPts val="0"/>
+              </a:spcAft>
+              <a:buFont typeface="Arial" pitchFamily="34" charset="0"/>
+              <a:buChar char="•"/>
+            </a:pPr>
+            <a:r>
+              <a:rPr lang="en-US" sz="1600" i="1" dirty="0" smtClean="0">
+                <a:solidFill>
+                  <a:srgbClr val="333333"/>
+                </a:solidFill>
+                <a:latin typeface="+mn-lt"/>
+                <a:ea typeface="+mn-ea"/>
+              </a:rPr>
+              <a:t>Leads to distinction of ownership and collaboration</a:t>
+            </a:r>
+          </a:p>
+        </p:txBody>
+      </p:sp>
+      <p:sp>
+        <p:nvSpPr>
+          <p:cNvPr id="67" name="TextBox 66"/>
+          <p:cNvSpPr txBox="1"/>
+          <p:nvPr/>
+        </p:nvSpPr>
+        <p:spPr>
+          <a:xfrm>
+            <a:off x="5218522" y="4969001"/>
+            <a:ext cx="3595802" cy="1138773"/>
+          </a:xfrm>
+          <a:prstGeom prst="rect">
+            <a:avLst/>
+          </a:prstGeom>
+          <a:noFill/>
+        </p:spPr>
+        <p:txBody>
+          <a:bodyPr wrap="square" rtlCol="0">
+            <a:spAutoFit/>
+          </a:bodyPr>
+          <a:lstStyle/>
+          <a:p>
+            <a:pPr>
+              <a:spcAft>
+                <a:spcPts val="0"/>
+              </a:spcAft>
+            </a:pPr>
+            <a:r>
+              <a:rPr lang="en-US" sz="2000" b="1" dirty="0" smtClean="0">
+                <a:solidFill>
+                  <a:srgbClr val="333333"/>
+                </a:solidFill>
+                <a:latin typeface="+mn-lt"/>
+                <a:ea typeface="+mn-ea"/>
+              </a:rPr>
+              <a:t>DevOps</a:t>
+            </a:r>
+            <a:endParaRPr lang="en-US" b="1" dirty="0" smtClean="0">
+              <a:solidFill>
+                <a:srgbClr val="333333"/>
+              </a:solidFill>
+              <a:latin typeface="+mn-lt"/>
+              <a:ea typeface="+mn-ea"/>
+            </a:endParaRPr>
+          </a:p>
+          <a:p>
+            <a:pPr marL="171450" indent="-171450" algn="l">
+              <a:spcAft>
+                <a:spcPts val="0"/>
+              </a:spcAft>
+              <a:buFont typeface="Arial" pitchFamily="34" charset="0"/>
+              <a:buChar char="•"/>
+            </a:pPr>
+            <a:r>
+              <a:rPr lang="en-US" sz="1600" i="1" dirty="0" smtClean="0">
+                <a:solidFill>
+                  <a:srgbClr val="333333"/>
+                </a:solidFill>
+                <a:latin typeface="+mn-lt"/>
+                <a:ea typeface="+mn-ea"/>
+              </a:rPr>
+              <a:t>Apps released early and often</a:t>
+            </a:r>
+          </a:p>
+          <a:p>
+            <a:pPr marL="171450" indent="-171450" algn="l">
+              <a:spcAft>
+                <a:spcPts val="0"/>
+              </a:spcAft>
+              <a:buFont typeface="Arial" pitchFamily="34" charset="0"/>
+              <a:buChar char="•"/>
+            </a:pPr>
+            <a:r>
+              <a:rPr lang="en-US" sz="1600" i="1" dirty="0" smtClean="0">
+                <a:solidFill>
+                  <a:srgbClr val="333333"/>
+                </a:solidFill>
+                <a:latin typeface="+mn-lt"/>
+                <a:ea typeface="+mn-ea"/>
+              </a:rPr>
+              <a:t>Businesses need frequent changes and expect higher service level.</a:t>
+            </a:r>
+          </a:p>
+        </p:txBody>
+      </p:sp>
+    </p:spTree>
+    <p:extLst>
+      <p:ext uri="{BB962C8B-B14F-4D97-AF65-F5344CB8AC3E}">
+        <p14:creationId xmlns:p14="http://schemas.microsoft.com/office/powerpoint/2010/main" val="968931041"/>
+      </p:ext>
+    </p:extLst>
+  </p:cSld>
+  <p:clrMapOvr>
+    <a:masterClrMapping/>
+  </p:clrMapOvr>
+  <p:transition xmlns:p14="http://schemas.microsoft.com/office/powerpoint/2010/main">
+    <p:fade/>
+  </p:transition>
+  <p:timing>
+    <p:tnLst>
+      <p:par>
+        <p:cTn xmlns:p14="http://schemas.microsoft.com/office/powerpoint/2010/main" id="1" dur="indefinite" restart="never" nodeType="tmRoot"/>
+      </p:par>
+    </p:tnLst>
+  </p:timing>
+</p:sld>
+</file>
+
+<file path=ppt/slides/slide3.xml><?xml version="1.0" encoding="utf-8"?>
+<p:sld xmlns:a="http://schemas.openxmlformats.org/drawingml/2006/main" xmlns:r="http://schemas.openxmlformats.org/officeDocument/2006/relationships" xmlns:p="http://schemas.openxmlformats.org/presentationml/2006/main">
+  <p:cSld>
+    <p:spTree>
+      <p:nvGrpSpPr>
+        <p:cNvPr id="1" name=""/>
+        <p:cNvGrpSpPr/>
+        <p:nvPr/>
+      </p:nvGrpSpPr>
+      <p:grpSpPr>
+        <a:xfrm>
+          <a:off x="0" y="0"/>
+          <a:ext cx="0" cy="0"/>
+          <a:chOff x="0" y="0"/>
+          <a:chExt cx="0" cy="0"/>
+        </a:xfrm>
+      </p:grpSpPr>
+      <p:sp>
+        <p:nvSpPr>
+          <p:cNvPr id="2" name="Title 1"/>
+          <p:cNvSpPr>
+            <a:spLocks noGrp="1"/>
+          </p:cNvSpPr>
+          <p:nvPr>
+            <p:ph type="title"/>
+          </p:nvPr>
+        </p:nvSpPr>
+        <p:spPr/>
+        <p:txBody>
+          <a:bodyPr/>
+          <a:lstStyle/>
+          <a:p>
+            <a:r>
+              <a:rPr lang="en-US" dirty="0" smtClean="0"/>
+              <a:t>The Paradigm Shift – Separate the Layers</a:t>
+            </a:r>
+            <a:endParaRPr lang="en-US" dirty="0"/>
+          </a:p>
+        </p:txBody>
+      </p:sp>
+      <p:sp>
+        <p:nvSpPr>
+          <p:cNvPr id="27" name="Rectangle 26"/>
+          <p:cNvSpPr/>
+          <p:nvPr/>
+        </p:nvSpPr>
+        <p:spPr>
+          <a:xfrm>
+            <a:off x="573406" y="1682883"/>
+            <a:ext cx="1169363" cy="1242214"/>
+          </a:xfrm>
+          <a:prstGeom prst="rect">
+            <a:avLst/>
+          </a:prstGeom>
+          <a:noFill/>
+          <a:ln>
+            <a:noFill/>
+          </a:ln>
+          <a:effectLst/>
+        </p:spPr>
+        <p:style>
+          <a:lnRef idx="1">
+            <a:schemeClr val="accent2"/>
+          </a:lnRef>
+          <a:fillRef idx="2">
+            <a:schemeClr val="accent2"/>
+          </a:fillRef>
+          <a:effectRef idx="1">
+            <a:schemeClr val="accent2"/>
+          </a:effectRef>
+          <a:fontRef idx="minor">
+            <a:schemeClr val="dk1"/>
+          </a:fontRef>
+        </p:style>
+        <p:txBody>
+          <a:bodyPr rtlCol="0" anchor="t"/>
+          <a:lstStyle/>
+          <a:p>
+            <a:pPr marL="114300" indent="-114300">
+              <a:spcAft>
+                <a:spcPts val="0"/>
+              </a:spcAft>
+            </a:pPr>
+            <a:r>
+              <a:rPr lang="en-US" sz="1100" b="1" dirty="0">
+                <a:solidFill>
+                  <a:schemeClr val="tx1">
+                    <a:lumMod val="75000"/>
+                  </a:schemeClr>
+                </a:solidFill>
+              </a:rPr>
+              <a:t>Application</a:t>
+            </a:r>
+          </a:p>
+          <a:p>
+            <a:pPr marL="114300" indent="-114300">
+              <a:spcAft>
+                <a:spcPts val="0"/>
+              </a:spcAft>
+            </a:pPr>
+            <a:r>
+              <a:rPr lang="en-US" sz="1100" b="1" dirty="0">
+                <a:solidFill>
+                  <a:schemeClr val="tx1">
+                    <a:lumMod val="75000"/>
+                  </a:schemeClr>
+                </a:solidFill>
+              </a:rPr>
+              <a:t>Developers</a:t>
+            </a:r>
+          </a:p>
+          <a:p>
+            <a:pPr marL="114300" indent="-114300" algn="l">
+              <a:spcAft>
+                <a:spcPts val="0"/>
+              </a:spcAft>
+              <a:buFont typeface="Arial" pitchFamily="34" charset="0"/>
+              <a:buChar char="•"/>
+            </a:pPr>
+            <a:r>
+              <a:rPr lang="en-US" sz="1100" dirty="0" smtClean="0">
+                <a:solidFill>
+                  <a:schemeClr val="tx1"/>
+                </a:solidFill>
+              </a:rPr>
+              <a:t>Performance</a:t>
+            </a:r>
+            <a:endParaRPr lang="en-US" sz="1100" dirty="0">
+              <a:solidFill>
+                <a:schemeClr val="tx1"/>
+              </a:solidFill>
+            </a:endParaRPr>
+          </a:p>
+          <a:p>
+            <a:pPr marL="114300" indent="-114300" algn="l">
+              <a:spcAft>
+                <a:spcPts val="0"/>
+              </a:spcAft>
+              <a:buFont typeface="Arial" pitchFamily="34" charset="0"/>
+              <a:buChar char="•"/>
+            </a:pPr>
+            <a:r>
+              <a:rPr lang="en-US" sz="1100" dirty="0" smtClean="0">
+                <a:solidFill>
+                  <a:schemeClr val="tx1"/>
+                </a:solidFill>
+              </a:rPr>
+              <a:t>Availability</a:t>
+            </a:r>
+          </a:p>
+          <a:p>
+            <a:pPr marL="114300" indent="-114300" algn="l">
+              <a:spcAft>
+                <a:spcPts val="0"/>
+              </a:spcAft>
+              <a:buFont typeface="Arial" pitchFamily="34" charset="0"/>
+              <a:buChar char="•"/>
+            </a:pPr>
+            <a:r>
+              <a:rPr lang="en-US" sz="1100" dirty="0" smtClean="0">
+                <a:solidFill>
+                  <a:schemeClr val="tx1"/>
+                </a:solidFill>
+              </a:rPr>
+              <a:t>Usage</a:t>
+            </a:r>
+          </a:p>
+          <a:p>
+            <a:pPr marL="114300" indent="-114300" algn="l">
+              <a:spcAft>
+                <a:spcPts val="0"/>
+              </a:spcAft>
+              <a:buFont typeface="Arial" pitchFamily="34" charset="0"/>
+              <a:buChar char="•"/>
+            </a:pPr>
+            <a:r>
+              <a:rPr lang="en-US" sz="1100" dirty="0" smtClean="0">
+                <a:solidFill>
+                  <a:schemeClr val="tx1"/>
+                </a:solidFill>
+              </a:rPr>
+              <a:t>Cost</a:t>
+            </a:r>
+          </a:p>
+        </p:txBody>
+      </p:sp>
+      <p:sp>
+        <p:nvSpPr>
+          <p:cNvPr id="106" name="TextBox 105"/>
+          <p:cNvSpPr txBox="1"/>
+          <p:nvPr/>
+        </p:nvSpPr>
+        <p:spPr>
+          <a:xfrm>
+            <a:off x="24651" y="661057"/>
+            <a:ext cx="369332" cy="2351314"/>
+          </a:xfrm>
+          <a:prstGeom prst="rect">
+            <a:avLst/>
+          </a:prstGeom>
+          <a:noFill/>
+        </p:spPr>
+        <p:txBody>
+          <a:bodyPr vert="vert270" wrap="square" rtlCol="0">
+            <a:spAutoFit/>
+          </a:bodyPr>
+          <a:lstStyle/>
+          <a:p>
+            <a:r>
+              <a:rPr lang="en-US" sz="1200" b="1" dirty="0" smtClean="0">
+                <a:solidFill>
+                  <a:schemeClr val="bg1">
+                    <a:lumMod val="50000"/>
+                  </a:schemeClr>
+                </a:solidFill>
+                <a:latin typeface="+mn-lt"/>
+                <a:ea typeface="+mn-ea"/>
+              </a:rPr>
+              <a:t>Cloud Consumers</a:t>
+            </a:r>
+          </a:p>
+        </p:txBody>
+      </p:sp>
+      <p:sp>
+        <p:nvSpPr>
+          <p:cNvPr id="107" name="TextBox 106"/>
+          <p:cNvSpPr txBox="1"/>
+          <p:nvPr/>
+        </p:nvSpPr>
+        <p:spPr>
+          <a:xfrm>
+            <a:off x="24651" y="3426029"/>
+            <a:ext cx="369332" cy="2351314"/>
+          </a:xfrm>
+          <a:prstGeom prst="rect">
+            <a:avLst/>
+          </a:prstGeom>
+          <a:noFill/>
+        </p:spPr>
+        <p:txBody>
+          <a:bodyPr vert="vert270" wrap="square" rtlCol="0">
+            <a:spAutoFit/>
+          </a:bodyPr>
+          <a:lstStyle/>
+          <a:p>
+            <a:r>
+              <a:rPr lang="en-US" sz="1200" b="1" dirty="0" smtClean="0">
+                <a:solidFill>
+                  <a:schemeClr val="bg1">
+                    <a:lumMod val="50000"/>
+                  </a:schemeClr>
+                </a:solidFill>
+                <a:latin typeface="+mn-lt"/>
+                <a:ea typeface="+mn-ea"/>
+              </a:rPr>
+              <a:t>Cloud Providers</a:t>
+            </a:r>
+          </a:p>
+        </p:txBody>
+      </p:sp>
+      <p:grpSp>
+        <p:nvGrpSpPr>
+          <p:cNvPr id="3" name="Group 2"/>
+          <p:cNvGrpSpPr/>
+          <p:nvPr/>
+        </p:nvGrpSpPr>
+        <p:grpSpPr>
+          <a:xfrm>
+            <a:off x="2072878" y="4119173"/>
+            <a:ext cx="5303045" cy="1909765"/>
+            <a:chOff x="2663537" y="4315350"/>
+            <a:chExt cx="5303045" cy="1909765"/>
+          </a:xfrm>
+        </p:grpSpPr>
+        <p:pic>
+          <p:nvPicPr>
+            <p:cNvPr id="51" name="Picture 50" descr="ICON_Cloud_Q308"/>
+            <p:cNvPicPr>
+              <a:picLocks noChangeAspect="1" noChangeArrowheads="1"/>
+            </p:cNvPicPr>
+            <p:nvPr/>
+          </p:nvPicPr>
+          <p:blipFill>
+            <a:blip r:embed="rId3" cstate="print">
+              <a:grayscl/>
+            </a:blip>
+            <a:srcRect/>
+            <a:stretch>
+              <a:fillRect/>
+            </a:stretch>
+          </p:blipFill>
+          <p:spPr bwMode="auto">
+            <a:xfrm>
+              <a:off x="5742138" y="4380666"/>
+              <a:ext cx="2224444" cy="1419244"/>
+            </a:xfrm>
+            <a:prstGeom prst="rect">
+              <a:avLst/>
+            </a:prstGeom>
+            <a:noFill/>
+            <a:ln w="9525">
+              <a:noFill/>
+              <a:miter lim="800000"/>
+              <a:headEnd/>
+              <a:tailEnd/>
+            </a:ln>
+            <a:effectLst>
+              <a:outerShdw blurRad="63500" dist="177800" dir="5400000" sx="89999" sy="-19000" rotWithShape="0">
+                <a:srgbClr val="000000">
+                  <a:alpha val="14998"/>
+                </a:srgbClr>
+              </a:outerShdw>
+            </a:effectLst>
+          </p:spPr>
+        </p:pic>
+        <p:pic>
+          <p:nvPicPr>
+            <p:cNvPr id="42" name="Picture 41" descr="ICON_Cloud_Q308"/>
+            <p:cNvPicPr>
+              <a:picLocks noChangeAspect="1" noChangeArrowheads="1"/>
+            </p:cNvPicPr>
+            <p:nvPr/>
+          </p:nvPicPr>
+          <p:blipFill>
+            <a:blip r:embed="rId3" cstate="print"/>
+            <a:srcRect/>
+            <a:stretch>
+              <a:fillRect/>
+            </a:stretch>
+          </p:blipFill>
+          <p:spPr bwMode="auto">
+            <a:xfrm>
+              <a:off x="2663537" y="4315350"/>
+              <a:ext cx="2203971" cy="1406181"/>
+            </a:xfrm>
+            <a:prstGeom prst="rect">
+              <a:avLst/>
+            </a:prstGeom>
+            <a:noFill/>
+            <a:ln w="9525">
+              <a:noFill/>
+              <a:miter lim="800000"/>
+              <a:headEnd/>
+              <a:tailEnd/>
+            </a:ln>
+            <a:effectLst>
+              <a:outerShdw blurRad="63500" dist="177800" dir="5400000" sx="89999" sy="-19000" rotWithShape="0">
+                <a:srgbClr val="000000">
+                  <a:alpha val="14998"/>
+                </a:srgbClr>
+              </a:outerShdw>
+            </a:effectLst>
+          </p:spPr>
+        </p:pic>
+        <p:sp>
+          <p:nvSpPr>
+            <p:cNvPr id="62" name="TextBox 61"/>
+            <p:cNvSpPr txBox="1"/>
+            <p:nvPr/>
+          </p:nvSpPr>
+          <p:spPr>
+            <a:xfrm>
+              <a:off x="6615950" y="5873500"/>
+              <a:ext cx="1070094" cy="338554"/>
+            </a:xfrm>
+            <a:prstGeom prst="rect">
+              <a:avLst/>
+            </a:prstGeom>
+            <a:noFill/>
+          </p:spPr>
+          <p:txBody>
+            <a:bodyPr wrap="square" rtlCol="0">
+              <a:spAutoFit/>
+            </a:bodyPr>
+            <a:lstStyle/>
+            <a:p>
+              <a:r>
+                <a:rPr lang="en-US" sz="1600" b="1" dirty="0" smtClean="0">
+                  <a:solidFill>
+                    <a:schemeClr val="accent3">
+                      <a:lumMod val="75000"/>
+                    </a:schemeClr>
+                  </a:solidFill>
+                  <a:latin typeface="+mn-lt"/>
+                  <a:ea typeface="+mn-ea"/>
+                </a:rPr>
+                <a:t>Public</a:t>
+              </a:r>
+            </a:p>
+          </p:txBody>
+        </p:sp>
+        <p:sp>
+          <p:nvSpPr>
+            <p:cNvPr id="63" name="TextBox 62"/>
+            <p:cNvSpPr txBox="1"/>
+            <p:nvPr/>
+          </p:nvSpPr>
+          <p:spPr>
+            <a:xfrm>
+              <a:off x="3277788" y="5886561"/>
+              <a:ext cx="1070094" cy="338554"/>
+            </a:xfrm>
+            <a:prstGeom prst="rect">
+              <a:avLst/>
+            </a:prstGeom>
+            <a:noFill/>
+          </p:spPr>
+          <p:txBody>
+            <a:bodyPr wrap="square" rtlCol="0">
+              <a:spAutoFit/>
+            </a:bodyPr>
+            <a:lstStyle/>
+            <a:p>
+              <a:r>
+                <a:rPr lang="en-US" sz="1600" b="1" dirty="0" smtClean="0">
+                  <a:solidFill>
+                    <a:schemeClr val="accent3">
+                      <a:lumMod val="75000"/>
+                    </a:schemeClr>
+                  </a:solidFill>
+                  <a:latin typeface="+mn-lt"/>
+                  <a:ea typeface="+mn-ea"/>
+                </a:rPr>
+                <a:t>Private</a:t>
+              </a:r>
+            </a:p>
+          </p:txBody>
+        </p:sp>
+        <p:sp>
+          <p:nvSpPr>
+            <p:cNvPr id="4" name="Left-Right Arrow 3"/>
+            <p:cNvSpPr/>
+            <p:nvPr/>
+          </p:nvSpPr>
+          <p:spPr bwMode="auto">
+            <a:xfrm>
+              <a:off x="4917759" y="4781006"/>
+              <a:ext cx="933154" cy="586100"/>
+            </a:xfrm>
+            <a:prstGeom prst="leftRightArrow">
+              <a:avLst/>
+            </a:prstGeom>
+            <a:solidFill>
+              <a:schemeClr val="accent3"/>
+            </a:solidFill>
+            <a:ln>
+              <a:headEnd/>
+              <a:tailEnd/>
+            </a:ln>
+            <a:effectLst>
+              <a:outerShdw blurRad="50800" dist="38100" dir="5400000" algn="t" rotWithShape="0">
+                <a:prstClr val="black">
+                  <a:alpha val="40000"/>
+                </a:prstClr>
+              </a:outerShdw>
+            </a:effectLst>
+            <a:scene3d>
+              <a:camera prst="perspectiveRelaxed" fov="7200000">
+                <a:rot lat="18000000" lon="0" rev="21594000"/>
+              </a:camera>
+              <a:lightRig rig="threePt" dir="t"/>
+            </a:scene3d>
+          </p:spPr>
+          <p:style>
+            <a:lnRef idx="1">
+              <a:schemeClr val="accent3"/>
+            </a:lnRef>
+            <a:fillRef idx="3">
+              <a:schemeClr val="accent3"/>
+            </a:fillRef>
+            <a:effectRef idx="2">
+              <a:schemeClr val="accent3"/>
+            </a:effectRef>
+            <a:fontRef idx="minor">
+              <a:schemeClr val="lt1"/>
+            </a:fontRef>
+          </p:style>
+          <p:txBody>
+            <a:bodyPr wrap="none" lIns="0" tIns="0" rIns="0" bIns="0" rtlCol="0" anchor="ctr"/>
+            <a:lstStyle/>
+            <a:p>
+              <a:pPr algn="l"/>
+              <a:endParaRPr lang="en-US" sz="1000" dirty="0">
+                <a:solidFill>
+                  <a:srgbClr val="FFFFFF"/>
+                </a:solidFill>
+              </a:endParaRPr>
+            </a:p>
+          </p:txBody>
+        </p:sp>
+        <p:pic>
+          <p:nvPicPr>
+            <p:cNvPr id="125" name="Picture 13" descr="ICON_Storage_1up_Q308.png"/>
+            <p:cNvPicPr>
+              <a:picLocks noChangeAspect="1"/>
+            </p:cNvPicPr>
+            <p:nvPr/>
+          </p:nvPicPr>
+          <p:blipFill>
+            <a:blip r:embed="rId4" cstate="print"/>
+            <a:srcRect/>
+            <a:stretch>
+              <a:fillRect/>
+            </a:stretch>
+          </p:blipFill>
+          <p:spPr bwMode="auto">
+            <a:xfrm>
+              <a:off x="3181986" y="4990010"/>
+              <a:ext cx="442416" cy="540431"/>
+            </a:xfrm>
+            <a:prstGeom prst="rect">
+              <a:avLst/>
+            </a:prstGeom>
+            <a:noFill/>
+            <a:ln w="9525">
+              <a:noFill/>
+              <a:miter lim="800000"/>
+              <a:headEnd/>
+              <a:tailEnd/>
+            </a:ln>
+          </p:spPr>
+        </p:pic>
+        <p:pic>
+          <p:nvPicPr>
+            <p:cNvPr id="126" name="Picture 5" descr="ICON_NetworkSwitch_Q308"/>
+            <p:cNvPicPr>
+              <a:picLocks noChangeAspect="1" noChangeArrowheads="1"/>
+            </p:cNvPicPr>
+            <p:nvPr/>
+          </p:nvPicPr>
+          <p:blipFill>
+            <a:blip r:embed="rId5" cstate="print"/>
+            <a:srcRect/>
+            <a:stretch>
+              <a:fillRect/>
+            </a:stretch>
+          </p:blipFill>
+          <p:spPr bwMode="auto">
+            <a:xfrm>
+              <a:off x="3602130" y="4493623"/>
+              <a:ext cx="606292" cy="432344"/>
+            </a:xfrm>
+            <a:prstGeom prst="rect">
+              <a:avLst/>
+            </a:prstGeom>
+            <a:noFill/>
+            <a:ln w="9525">
+              <a:noFill/>
+              <a:miter lim="800000"/>
+              <a:headEnd/>
+              <a:tailEnd/>
+            </a:ln>
+          </p:spPr>
+        </p:pic>
+        <p:pic>
+          <p:nvPicPr>
+            <p:cNvPr id="127" name="Picture 13" descr="ICON_Storage_1up_Q308.png"/>
+            <p:cNvPicPr>
+              <a:picLocks noChangeAspect="1"/>
+            </p:cNvPicPr>
+            <p:nvPr/>
+          </p:nvPicPr>
+          <p:blipFill>
+            <a:blip r:embed="rId4" cstate="print"/>
+            <a:srcRect/>
+            <a:stretch>
+              <a:fillRect/>
+            </a:stretch>
+          </p:blipFill>
+          <p:spPr bwMode="auto">
+            <a:xfrm>
+              <a:off x="6169026" y="4985656"/>
+              <a:ext cx="442416" cy="540431"/>
+            </a:xfrm>
+            <a:prstGeom prst="rect">
+              <a:avLst/>
+            </a:prstGeom>
+            <a:noFill/>
+            <a:ln w="9525">
+              <a:noFill/>
+              <a:miter lim="800000"/>
+              <a:headEnd/>
+              <a:tailEnd/>
+            </a:ln>
+          </p:spPr>
+        </p:pic>
+        <p:pic>
+          <p:nvPicPr>
+            <p:cNvPr id="128" name="Picture 5" descr="ICON_NetworkSwitch_Q308"/>
+            <p:cNvPicPr>
+              <a:picLocks noChangeAspect="1" noChangeArrowheads="1"/>
+            </p:cNvPicPr>
+            <p:nvPr/>
+          </p:nvPicPr>
+          <p:blipFill>
+            <a:blip r:embed="rId5" cstate="print"/>
+            <a:srcRect/>
+            <a:stretch>
+              <a:fillRect/>
+            </a:stretch>
+          </p:blipFill>
+          <p:spPr bwMode="auto">
+            <a:xfrm>
+              <a:off x="6628358" y="4593772"/>
+              <a:ext cx="606292" cy="432344"/>
+            </a:xfrm>
+            <a:prstGeom prst="rect">
+              <a:avLst/>
+            </a:prstGeom>
+            <a:noFill/>
+            <a:ln w="9525">
+              <a:noFill/>
+              <a:miter lim="800000"/>
+              <a:headEnd/>
+              <a:tailEnd/>
+            </a:ln>
+          </p:spPr>
+        </p:pic>
+        <p:pic>
+          <p:nvPicPr>
+            <p:cNvPr id="130" name="Picture 5" descr="ICON_Datacenter_3_R2_Q308"/>
+            <p:cNvPicPr>
+              <a:picLocks noChangeAspect="1" noChangeArrowheads="1"/>
+            </p:cNvPicPr>
+            <p:nvPr/>
+          </p:nvPicPr>
+          <p:blipFill>
+            <a:blip r:embed="rId6" cstate="print"/>
+            <a:srcRect/>
+            <a:stretch>
+              <a:fillRect/>
+            </a:stretch>
+          </p:blipFill>
+          <p:spPr bwMode="auto">
+            <a:xfrm>
+              <a:off x="4088678" y="4925807"/>
+              <a:ext cx="492585" cy="596153"/>
+            </a:xfrm>
+            <a:prstGeom prst="rect">
+              <a:avLst/>
+            </a:prstGeom>
+            <a:noFill/>
+            <a:ln w="9525">
+              <a:noFill/>
+              <a:miter lim="800000"/>
+              <a:headEnd/>
+              <a:tailEnd/>
+            </a:ln>
+          </p:spPr>
+        </p:pic>
+        <p:pic>
+          <p:nvPicPr>
+            <p:cNvPr id="131" name="Picture 5" descr="ICON_Datacenter_3_R2_Q308"/>
+            <p:cNvPicPr>
+              <a:picLocks noChangeAspect="1" noChangeArrowheads="1"/>
+            </p:cNvPicPr>
+            <p:nvPr/>
+          </p:nvPicPr>
+          <p:blipFill>
+            <a:blip r:embed="rId6" cstate="print"/>
+            <a:srcRect/>
+            <a:stretch>
+              <a:fillRect/>
+            </a:stretch>
+          </p:blipFill>
+          <p:spPr bwMode="auto">
+            <a:xfrm>
+              <a:off x="7154096" y="4999829"/>
+              <a:ext cx="492585" cy="596153"/>
+            </a:xfrm>
+            <a:prstGeom prst="rect">
+              <a:avLst/>
+            </a:prstGeom>
+            <a:noFill/>
+            <a:ln w="9525">
+              <a:noFill/>
+              <a:miter lim="800000"/>
+              <a:headEnd/>
+              <a:tailEnd/>
+            </a:ln>
+          </p:spPr>
+        </p:pic>
+      </p:grpSp>
+      <p:grpSp>
+        <p:nvGrpSpPr>
+          <p:cNvPr id="6" name="Group 59"/>
+          <p:cNvGrpSpPr/>
+          <p:nvPr/>
+        </p:nvGrpSpPr>
+        <p:grpSpPr>
+          <a:xfrm>
+            <a:off x="1783023" y="828219"/>
+            <a:ext cx="5882754" cy="1337735"/>
+            <a:chOff x="325515" y="3552621"/>
+            <a:chExt cx="8492511" cy="1931192"/>
+          </a:xfrm>
+        </p:grpSpPr>
+        <p:grpSp>
+          <p:nvGrpSpPr>
+            <p:cNvPr id="7" name="Group 80"/>
+            <p:cNvGrpSpPr/>
+            <p:nvPr/>
+          </p:nvGrpSpPr>
+          <p:grpSpPr>
+            <a:xfrm>
+              <a:off x="1602564" y="3552621"/>
+              <a:ext cx="7215462" cy="1782322"/>
+              <a:chOff x="1602564" y="3063998"/>
+              <a:chExt cx="7215462" cy="1782322"/>
+            </a:xfrm>
+          </p:grpSpPr>
+          <p:grpSp>
+            <p:nvGrpSpPr>
+              <p:cNvPr id="8" name="Group 82"/>
+              <p:cNvGrpSpPr/>
+              <p:nvPr/>
+            </p:nvGrpSpPr>
+            <p:grpSpPr>
+              <a:xfrm>
+                <a:off x="1602564" y="3063998"/>
+                <a:ext cx="7215462" cy="1782322"/>
+                <a:chOff x="1602564" y="3063998"/>
+                <a:chExt cx="7215462" cy="1782322"/>
+              </a:xfrm>
+              <a:effectLst>
+                <a:outerShdw blurRad="50800" dist="38100" dir="2700000" algn="tl" rotWithShape="0">
+                  <a:prstClr val="black">
+                    <a:alpha val="40000"/>
+                  </a:prstClr>
+                </a:outerShdw>
+              </a:effectLst>
+            </p:grpSpPr>
+            <p:sp>
+              <p:nvSpPr>
+                <p:cNvPr id="85" name="Oval 84"/>
+                <p:cNvSpPr/>
+                <p:nvPr/>
+              </p:nvSpPr>
+              <p:spPr bwMode="auto">
+                <a:xfrm>
+                  <a:off x="7172106" y="3200400"/>
+                  <a:ext cx="1645920" cy="1645920"/>
+                </a:xfrm>
+                <a:prstGeom prst="ellipse">
+                  <a:avLst/>
+                </a:prstGeom>
+                <a:solidFill>
+                  <a:schemeClr val="accent4">
+                    <a:lumMod val="20000"/>
+                    <a:lumOff val="80000"/>
+                  </a:schemeClr>
+                </a:solidFill>
+                <a:ln w="12700">
+                  <a:noFill/>
+                  <a:round/>
+                  <a:headEnd/>
+                  <a:tailEnd/>
+                </a:ln>
+                <a:effectLst/>
+              </p:spPr>
+              <p:txBody>
+                <a:bodyPr wrap="none" lIns="0" tIns="0" rIns="0" bIns="0" rtlCol="0" anchor="ctr"/>
+                <a:lstStyle/>
+                <a:p>
+                  <a:endParaRPr lang="en-US" sz="1400" dirty="0">
+                    <a:solidFill>
+                      <a:srgbClr val="FFFFFF"/>
+                    </a:solidFill>
+                  </a:endParaRPr>
+                </a:p>
+              </p:txBody>
+            </p:sp>
+            <p:sp>
+              <p:nvSpPr>
+                <p:cNvPr id="86" name="Right Arrow 85"/>
+                <p:cNvSpPr/>
+                <p:nvPr/>
+              </p:nvSpPr>
+              <p:spPr bwMode="auto">
+                <a:xfrm flipH="1">
+                  <a:off x="1602564" y="3063998"/>
+                  <a:ext cx="6586360" cy="1138567"/>
+                </a:xfrm>
+                <a:prstGeom prst="rightArrow">
+                  <a:avLst>
+                    <a:gd name="adj1" fmla="val 74447"/>
+                    <a:gd name="adj2" fmla="val 64658"/>
+                  </a:avLst>
+                </a:prstGeom>
+                <a:solidFill>
+                  <a:schemeClr val="accent4">
+                    <a:lumMod val="20000"/>
+                    <a:lumOff val="80000"/>
+                  </a:schemeClr>
+                </a:solidFill>
+                <a:ln w="12700">
+                  <a:noFill/>
+                  <a:round/>
+                  <a:headEnd/>
+                  <a:tailEnd/>
+                </a:ln>
+                <a:effectLst/>
+              </p:spPr>
+              <p:txBody>
+                <a:bodyPr wrap="none" lIns="0" tIns="0" rIns="0" bIns="0" rtlCol="0" anchor="ctr"/>
+                <a:lstStyle/>
+                <a:p>
+                  <a:endParaRPr lang="en-US" sz="1400" dirty="0">
+                    <a:solidFill>
+                      <a:srgbClr val="FFFFFF"/>
+                    </a:solidFill>
+                  </a:endParaRPr>
+                </a:p>
+              </p:txBody>
+            </p:sp>
+            <p:sp>
+              <p:nvSpPr>
+                <p:cNvPr id="87" name="Rectangle 86"/>
+                <p:cNvSpPr/>
+                <p:nvPr/>
+              </p:nvSpPr>
+              <p:spPr bwMode="auto">
+                <a:xfrm>
+                  <a:off x="7172106" y="4405801"/>
+                  <a:ext cx="924144" cy="440519"/>
+                </a:xfrm>
+                <a:prstGeom prst="rect">
+                  <a:avLst/>
+                </a:prstGeom>
+                <a:solidFill>
+                  <a:schemeClr val="accent4">
+                    <a:lumMod val="20000"/>
+                    <a:lumOff val="80000"/>
+                  </a:schemeClr>
+                </a:solidFill>
+                <a:ln w="12700">
+                  <a:noFill/>
+                  <a:round/>
+                  <a:headEnd/>
+                  <a:tailEnd/>
+                </a:ln>
+              </p:spPr>
+              <p:txBody>
+                <a:bodyPr wrap="none" lIns="0" tIns="0" rIns="0" bIns="0" rtlCol="0" anchor="ctr"/>
+                <a:lstStyle/>
+                <a:p>
+                  <a:pPr marL="0" marR="0" indent="0" algn="ctr" defTabSz="914400" eaLnBrk="1" latinLnBrk="0" hangingPunct="1">
+                    <a:lnSpc>
+                      <a:spcPct val="100000"/>
+                    </a:lnSpc>
+                    <a:buClrTx/>
+                    <a:buSzTx/>
+                    <a:buFontTx/>
+                    <a:buNone/>
+                    <a:tabLst/>
+                  </a:pPr>
+                  <a:endParaRPr lang="en-US" sz="1400" dirty="0" smtClean="0">
+                    <a:solidFill>
+                      <a:srgbClr val="FFFFFF"/>
+                    </a:solidFill>
+                  </a:endParaRPr>
+                </a:p>
+              </p:txBody>
+            </p:sp>
+          </p:grpSp>
+          <p:sp>
+            <p:nvSpPr>
+              <p:cNvPr id="84" name="TextBox 83"/>
+              <p:cNvSpPr txBox="1"/>
+              <p:nvPr/>
+            </p:nvSpPr>
+            <p:spPr>
+              <a:xfrm>
+                <a:off x="2367217" y="3293089"/>
+                <a:ext cx="5821708" cy="307777"/>
+              </a:xfrm>
+              <a:prstGeom prst="rect">
+                <a:avLst/>
+              </a:prstGeom>
+              <a:noFill/>
+            </p:spPr>
+            <p:txBody>
+              <a:bodyPr wrap="square" rtlCol="0">
+                <a:spAutoFit/>
+              </a:bodyPr>
+              <a:lstStyle/>
+              <a:p>
+                <a:r>
+                  <a:rPr lang="en-US" sz="1400" b="1" dirty="0" smtClean="0">
+                    <a:solidFill>
+                      <a:schemeClr val="tx1"/>
+                    </a:solidFill>
+                    <a:latin typeface="+mn-lt"/>
+                    <a:ea typeface="+mn-ea"/>
+                  </a:rPr>
+                  <a:t>Optimize</a:t>
+                </a:r>
+              </a:p>
+            </p:txBody>
+          </p:sp>
+        </p:grpSp>
+        <p:grpSp>
+          <p:nvGrpSpPr>
+            <p:cNvPr id="10" name="Group 64"/>
+            <p:cNvGrpSpPr/>
+            <p:nvPr/>
+          </p:nvGrpSpPr>
+          <p:grpSpPr>
+            <a:xfrm>
+              <a:off x="4895744" y="4345246"/>
+              <a:ext cx="2957764" cy="1138567"/>
+              <a:chOff x="4895744" y="3856623"/>
+              <a:chExt cx="2957764" cy="1138567"/>
+            </a:xfrm>
+          </p:grpSpPr>
+          <p:sp>
+            <p:nvSpPr>
+              <p:cNvPr id="76" name="Right Arrow 75"/>
+              <p:cNvSpPr/>
+              <p:nvPr/>
+            </p:nvSpPr>
+            <p:spPr bwMode="auto">
+              <a:xfrm>
+                <a:off x="4895744" y="3856623"/>
+                <a:ext cx="2957764" cy="1138567"/>
+              </a:xfrm>
+              <a:prstGeom prst="rightArrow">
+                <a:avLst>
+                  <a:gd name="adj1" fmla="val 74447"/>
+                  <a:gd name="adj2" fmla="val 64658"/>
+                </a:avLst>
+              </a:prstGeom>
+              <a:solidFill>
+                <a:schemeClr val="accent4">
+                  <a:lumMod val="40000"/>
+                  <a:lumOff val="60000"/>
+                </a:schemeClr>
+              </a:solidFill>
+              <a:ln w="12700">
+                <a:noFill/>
+                <a:round/>
+                <a:headEnd/>
+                <a:tailEnd/>
+              </a:ln>
+              <a:effectLst>
+                <a:outerShdw blurRad="50800" dist="38100" dir="2700000" algn="tl" rotWithShape="0">
+                  <a:prstClr val="black">
+                    <a:alpha val="40000"/>
+                  </a:prstClr>
+                </a:outerShdw>
+              </a:effectLst>
+            </p:spPr>
+            <p:txBody>
+              <a:bodyPr wrap="none" lIns="0" tIns="0" rIns="0" bIns="0" rtlCol="0" anchor="ctr"/>
+              <a:lstStyle/>
+              <a:p>
+                <a:endParaRPr lang="en-US" sz="1400" dirty="0">
+                  <a:solidFill>
+                    <a:srgbClr val="FFFFFF"/>
+                  </a:solidFill>
+                </a:endParaRPr>
+              </a:p>
+            </p:txBody>
+          </p:sp>
+          <p:sp>
+            <p:nvSpPr>
+              <p:cNvPr id="77" name="TextBox 76"/>
+              <p:cNvSpPr txBox="1"/>
+              <p:nvPr/>
+            </p:nvSpPr>
+            <p:spPr>
+              <a:xfrm>
+                <a:off x="5211250" y="4221135"/>
+                <a:ext cx="2368641" cy="307777"/>
+              </a:xfrm>
+              <a:prstGeom prst="rect">
+                <a:avLst/>
+              </a:prstGeom>
+              <a:noFill/>
+            </p:spPr>
+            <p:txBody>
+              <a:bodyPr wrap="square" rtlCol="0">
+                <a:spAutoFit/>
+              </a:bodyPr>
+              <a:lstStyle/>
+              <a:p>
+                <a:r>
+                  <a:rPr lang="en-US" sz="1400" b="1" dirty="0" smtClean="0">
+                    <a:solidFill>
+                      <a:srgbClr val="333333"/>
+                    </a:solidFill>
+                    <a:latin typeface="+mn-lt"/>
+                    <a:ea typeface="+mn-ea"/>
+                  </a:rPr>
+                  <a:t>Monitor</a:t>
+                </a:r>
+              </a:p>
+            </p:txBody>
+          </p:sp>
+        </p:grpSp>
+        <p:grpSp>
+          <p:nvGrpSpPr>
+            <p:cNvPr id="11" name="Group 65"/>
+            <p:cNvGrpSpPr/>
+            <p:nvPr/>
+          </p:nvGrpSpPr>
+          <p:grpSpPr>
+            <a:xfrm>
+              <a:off x="2469574" y="4325141"/>
+              <a:ext cx="3101946" cy="1138567"/>
+              <a:chOff x="2469574" y="3836518"/>
+              <a:chExt cx="3101946" cy="1138567"/>
+            </a:xfrm>
+          </p:grpSpPr>
+          <p:sp>
+            <p:nvSpPr>
+              <p:cNvPr id="71" name="Right Arrow 70"/>
+              <p:cNvSpPr/>
+              <p:nvPr/>
+            </p:nvSpPr>
+            <p:spPr bwMode="auto">
+              <a:xfrm>
+                <a:off x="2469574" y="3836518"/>
+                <a:ext cx="3101946" cy="1138567"/>
+              </a:xfrm>
+              <a:prstGeom prst="rightArrow">
+                <a:avLst>
+                  <a:gd name="adj1" fmla="val 74447"/>
+                  <a:gd name="adj2" fmla="val 64658"/>
+                </a:avLst>
+              </a:prstGeom>
+              <a:solidFill>
+                <a:schemeClr val="accent4"/>
+              </a:solidFill>
+              <a:ln w="12700">
+                <a:noFill/>
+                <a:round/>
+                <a:headEnd/>
+                <a:tailEnd/>
+              </a:ln>
+              <a:effectLst>
+                <a:outerShdw blurRad="50800" dist="38100" dir="2700000" algn="tl" rotWithShape="0">
+                  <a:prstClr val="black">
+                    <a:alpha val="40000"/>
+                  </a:prstClr>
+                </a:outerShdw>
+              </a:effectLst>
+            </p:spPr>
+            <p:txBody>
+              <a:bodyPr wrap="none" lIns="0" tIns="0" rIns="0" bIns="0" rtlCol="0" anchor="ctr"/>
+              <a:lstStyle/>
+              <a:p>
+                <a:endParaRPr lang="en-US" sz="1400" dirty="0">
+                  <a:solidFill>
+                    <a:srgbClr val="FFFFFF"/>
+                  </a:solidFill>
+                </a:endParaRPr>
+              </a:p>
+            </p:txBody>
+          </p:sp>
+          <p:sp>
+            <p:nvSpPr>
+              <p:cNvPr id="72" name="TextBox 71"/>
+              <p:cNvSpPr txBox="1"/>
+              <p:nvPr/>
+            </p:nvSpPr>
+            <p:spPr>
+              <a:xfrm>
+                <a:off x="2686050" y="4221135"/>
+                <a:ext cx="2548578" cy="307777"/>
+              </a:xfrm>
+              <a:prstGeom prst="rect">
+                <a:avLst/>
+              </a:prstGeom>
+              <a:noFill/>
+            </p:spPr>
+            <p:txBody>
+              <a:bodyPr wrap="square" rtlCol="0">
+                <a:spAutoFit/>
+              </a:bodyPr>
+              <a:lstStyle/>
+              <a:p>
+                <a:r>
+                  <a:rPr lang="en-US" sz="1400" b="1" dirty="0" smtClean="0">
+                    <a:solidFill>
+                      <a:srgbClr val="333333"/>
+                    </a:solidFill>
+                    <a:latin typeface="+mn-lt"/>
+                    <a:ea typeface="+mn-ea"/>
+                  </a:rPr>
+                  <a:t>Deploy</a:t>
+                </a:r>
+              </a:p>
+            </p:txBody>
+          </p:sp>
+        </p:grpSp>
+        <p:grpSp>
+          <p:nvGrpSpPr>
+            <p:cNvPr id="12" name="Group 67"/>
+            <p:cNvGrpSpPr/>
+            <p:nvPr/>
+          </p:nvGrpSpPr>
+          <p:grpSpPr>
+            <a:xfrm>
+              <a:off x="325515" y="4325141"/>
+              <a:ext cx="2854166" cy="1138567"/>
+              <a:chOff x="325515" y="3836518"/>
+              <a:chExt cx="2854166" cy="1138567"/>
+            </a:xfrm>
+          </p:grpSpPr>
+          <p:sp>
+            <p:nvSpPr>
+              <p:cNvPr id="69" name="Right Arrow 68"/>
+              <p:cNvSpPr/>
+              <p:nvPr/>
+            </p:nvSpPr>
+            <p:spPr bwMode="auto">
+              <a:xfrm>
+                <a:off x="325516" y="3836518"/>
+                <a:ext cx="2854165" cy="1138567"/>
+              </a:xfrm>
+              <a:prstGeom prst="rightArrow">
+                <a:avLst>
+                  <a:gd name="adj1" fmla="val 74447"/>
+                  <a:gd name="adj2" fmla="val 64658"/>
+                </a:avLst>
+              </a:prstGeom>
+              <a:solidFill>
+                <a:schemeClr val="accent4">
+                  <a:lumMod val="75000"/>
+                </a:schemeClr>
+              </a:solidFill>
+              <a:ln w="12700">
+                <a:noFill/>
+                <a:round/>
+                <a:headEnd/>
+                <a:tailEnd/>
+              </a:ln>
+              <a:effectLst>
+                <a:outerShdw blurRad="50800" dist="38100" dir="2700000" algn="tl" rotWithShape="0">
+                  <a:prstClr val="black">
+                    <a:alpha val="40000"/>
+                  </a:prstClr>
+                </a:outerShdw>
+              </a:effectLst>
+            </p:spPr>
+            <p:txBody>
+              <a:bodyPr wrap="none" lIns="0" tIns="0" rIns="0" bIns="0" rtlCol="0" anchor="ctr"/>
+              <a:lstStyle/>
+              <a:p>
+                <a:endParaRPr lang="en-US" sz="1400" dirty="0">
+                  <a:solidFill>
+                    <a:srgbClr val="FFFFFF"/>
+                  </a:solidFill>
+                </a:endParaRPr>
+              </a:p>
+            </p:txBody>
+          </p:sp>
+          <p:sp>
+            <p:nvSpPr>
+              <p:cNvPr id="70" name="TextBox 69"/>
+              <p:cNvSpPr txBox="1"/>
+              <p:nvPr/>
+            </p:nvSpPr>
+            <p:spPr>
+              <a:xfrm>
+                <a:off x="325515" y="4221135"/>
+                <a:ext cx="2554099" cy="307777"/>
+              </a:xfrm>
+              <a:prstGeom prst="rect">
+                <a:avLst/>
+              </a:prstGeom>
+              <a:noFill/>
+            </p:spPr>
+            <p:txBody>
+              <a:bodyPr wrap="square" rtlCol="0">
+                <a:spAutoFit/>
+              </a:bodyPr>
+              <a:lstStyle/>
+              <a:p>
+                <a:r>
+                  <a:rPr lang="en-US" sz="1400" b="1" dirty="0" smtClean="0">
+                    <a:solidFill>
+                      <a:srgbClr val="333333"/>
+                    </a:solidFill>
+                    <a:latin typeface="+mn-lt"/>
+                    <a:ea typeface="+mn-ea"/>
+                  </a:rPr>
+                  <a:t>Build</a:t>
+                </a:r>
+              </a:p>
+            </p:txBody>
+          </p:sp>
+        </p:grpSp>
+      </p:grpSp>
+      <p:pic>
+        <p:nvPicPr>
+          <p:cNvPr id="88" name="Picture 214" descr="ICON_People_Green_Q408"/>
+          <p:cNvPicPr>
+            <a:picLocks noChangeAspect="1" noChangeArrowheads="1"/>
+          </p:cNvPicPr>
+          <p:nvPr/>
+        </p:nvPicPr>
+        <p:blipFill>
+          <a:blip r:embed="rId7"/>
+          <a:srcRect/>
+          <a:stretch>
+            <a:fillRect/>
+          </a:stretch>
+        </p:blipFill>
+        <p:spPr bwMode="auto">
+          <a:xfrm>
+            <a:off x="826300" y="872158"/>
+            <a:ext cx="663575" cy="762000"/>
+          </a:xfrm>
+          <a:prstGeom prst="rect">
+            <a:avLst/>
+          </a:prstGeom>
+          <a:noFill/>
+          <a:ln w="9525">
+            <a:noFill/>
+            <a:miter lim="800000"/>
+            <a:headEnd/>
+            <a:tailEnd/>
+          </a:ln>
+        </p:spPr>
+      </p:pic>
+      <p:pic>
+        <p:nvPicPr>
+          <p:cNvPr id="89" name="Picture 216" descr="ICON_People_MedBlue_Q408"/>
+          <p:cNvPicPr>
+            <a:picLocks noChangeAspect="1" noChangeArrowheads="1"/>
+          </p:cNvPicPr>
+          <p:nvPr/>
+        </p:nvPicPr>
+        <p:blipFill>
+          <a:blip r:embed="rId8"/>
+          <a:srcRect/>
+          <a:stretch>
+            <a:fillRect/>
+          </a:stretch>
+        </p:blipFill>
+        <p:spPr bwMode="auto">
+          <a:xfrm>
+            <a:off x="7966582" y="872158"/>
+            <a:ext cx="714375" cy="762000"/>
+          </a:xfrm>
+          <a:prstGeom prst="rect">
+            <a:avLst/>
+          </a:prstGeom>
+          <a:noFill/>
+          <a:ln w="9525">
+            <a:noFill/>
+            <a:miter lim="800000"/>
+            <a:headEnd/>
+            <a:tailEnd/>
+          </a:ln>
+        </p:spPr>
+      </p:pic>
+      <p:sp>
+        <p:nvSpPr>
+          <p:cNvPr id="90" name="Rectangle 89"/>
+          <p:cNvSpPr/>
+          <p:nvPr/>
+        </p:nvSpPr>
+        <p:spPr>
+          <a:xfrm>
+            <a:off x="7803645" y="1682883"/>
+            <a:ext cx="1169363" cy="1242214"/>
+          </a:xfrm>
+          <a:prstGeom prst="rect">
+            <a:avLst/>
+          </a:prstGeom>
+          <a:noFill/>
+          <a:ln>
+            <a:noFill/>
+          </a:ln>
+          <a:effectLst/>
+        </p:spPr>
+        <p:style>
+          <a:lnRef idx="1">
+            <a:schemeClr val="accent2"/>
+          </a:lnRef>
+          <a:fillRef idx="2">
+            <a:schemeClr val="accent2"/>
+          </a:fillRef>
+          <a:effectRef idx="1">
+            <a:schemeClr val="accent2"/>
+          </a:effectRef>
+          <a:fontRef idx="minor">
+            <a:schemeClr val="dk1"/>
+          </a:fontRef>
+        </p:style>
+        <p:txBody>
+          <a:bodyPr rtlCol="0" anchor="t"/>
+          <a:lstStyle/>
+          <a:p>
+            <a:pPr marL="114300" indent="-114300">
+              <a:spcAft>
+                <a:spcPts val="0"/>
+              </a:spcAft>
+            </a:pPr>
+            <a:r>
+              <a:rPr lang="en-US" sz="1100" b="1" dirty="0">
+                <a:solidFill>
+                  <a:schemeClr val="tx1">
+                    <a:lumMod val="75000"/>
+                  </a:schemeClr>
+                </a:solidFill>
+              </a:rPr>
+              <a:t>Application</a:t>
+            </a:r>
+          </a:p>
+          <a:p>
+            <a:pPr marL="114300" indent="-114300">
+              <a:spcAft>
+                <a:spcPts val="0"/>
+              </a:spcAft>
+            </a:pPr>
+            <a:r>
+              <a:rPr lang="en-US" sz="1100" b="1" dirty="0" smtClean="0">
+                <a:solidFill>
+                  <a:schemeClr val="tx1">
+                    <a:lumMod val="75000"/>
+                  </a:schemeClr>
+                </a:solidFill>
+              </a:rPr>
+              <a:t>Operations</a:t>
+            </a:r>
+            <a:endParaRPr lang="en-US" sz="1100" b="1" dirty="0">
+              <a:solidFill>
+                <a:schemeClr val="tx1">
+                  <a:lumMod val="75000"/>
+                </a:schemeClr>
+              </a:solidFill>
+            </a:endParaRPr>
+          </a:p>
+          <a:p>
+            <a:pPr marL="114300" indent="-114300" algn="l">
+              <a:spcAft>
+                <a:spcPts val="0"/>
+              </a:spcAft>
+              <a:buFont typeface="Arial" pitchFamily="34" charset="0"/>
+              <a:buChar char="•"/>
+            </a:pPr>
+            <a:r>
+              <a:rPr lang="en-US" sz="1100" dirty="0" smtClean="0">
+                <a:solidFill>
+                  <a:schemeClr val="tx1"/>
+                </a:solidFill>
+              </a:rPr>
+              <a:t>Performance</a:t>
+            </a:r>
+            <a:endParaRPr lang="en-US" sz="1100" dirty="0">
+              <a:solidFill>
+                <a:schemeClr val="tx1"/>
+              </a:solidFill>
+            </a:endParaRPr>
+          </a:p>
+          <a:p>
+            <a:pPr marL="114300" indent="-114300" algn="l">
+              <a:spcAft>
+                <a:spcPts val="0"/>
+              </a:spcAft>
+              <a:buFont typeface="Arial" pitchFamily="34" charset="0"/>
+              <a:buChar char="•"/>
+            </a:pPr>
+            <a:r>
+              <a:rPr lang="en-US" sz="1100" dirty="0" smtClean="0">
+                <a:solidFill>
+                  <a:schemeClr val="tx1"/>
+                </a:solidFill>
+              </a:rPr>
+              <a:t>Availability</a:t>
+            </a:r>
+          </a:p>
+          <a:p>
+            <a:pPr marL="114300" indent="-114300" algn="l">
+              <a:spcAft>
+                <a:spcPts val="0"/>
+              </a:spcAft>
+              <a:buFont typeface="Arial" pitchFamily="34" charset="0"/>
+              <a:buChar char="•"/>
+            </a:pPr>
+            <a:r>
+              <a:rPr lang="en-US" sz="1100" dirty="0" smtClean="0">
+                <a:solidFill>
+                  <a:schemeClr val="tx1"/>
+                </a:solidFill>
+              </a:rPr>
+              <a:t>Usage</a:t>
+            </a:r>
+          </a:p>
+          <a:p>
+            <a:pPr marL="114300" indent="-114300" algn="l">
+              <a:spcAft>
+                <a:spcPts val="0"/>
+              </a:spcAft>
+              <a:buFont typeface="Arial" pitchFamily="34" charset="0"/>
+              <a:buChar char="•"/>
+            </a:pPr>
+            <a:r>
+              <a:rPr lang="en-US" sz="1100" dirty="0" smtClean="0">
+                <a:solidFill>
+                  <a:schemeClr val="tx1"/>
+                </a:solidFill>
+              </a:rPr>
+              <a:t>Cost</a:t>
+            </a:r>
+          </a:p>
+        </p:txBody>
+      </p:sp>
+      <p:pic>
+        <p:nvPicPr>
+          <p:cNvPr id="91" name="Picture 215" descr="ICON_People_LtBlue_Q408"/>
+          <p:cNvPicPr>
+            <a:picLocks noChangeAspect="1" noChangeArrowheads="1"/>
+          </p:cNvPicPr>
+          <p:nvPr/>
+        </p:nvPicPr>
+        <p:blipFill>
+          <a:blip r:embed="rId9"/>
+          <a:srcRect/>
+          <a:stretch>
+            <a:fillRect/>
+          </a:stretch>
+        </p:blipFill>
+        <p:spPr bwMode="auto">
+          <a:xfrm>
+            <a:off x="821537" y="3901757"/>
+            <a:ext cx="673100" cy="779463"/>
+          </a:xfrm>
+          <a:prstGeom prst="rect">
+            <a:avLst/>
+          </a:prstGeom>
+          <a:noFill/>
+          <a:ln w="9525">
+            <a:noFill/>
+            <a:miter lim="800000"/>
+            <a:headEnd/>
+            <a:tailEnd/>
+          </a:ln>
+        </p:spPr>
+      </p:pic>
+      <p:sp>
+        <p:nvSpPr>
+          <p:cNvPr id="92" name="Rectangle 91"/>
+          <p:cNvSpPr/>
+          <p:nvPr/>
+        </p:nvSpPr>
+        <p:spPr>
+          <a:xfrm>
+            <a:off x="573406" y="4771988"/>
+            <a:ext cx="1169363" cy="1242214"/>
+          </a:xfrm>
+          <a:prstGeom prst="rect">
+            <a:avLst/>
+          </a:prstGeom>
+          <a:noFill/>
+          <a:ln>
+            <a:noFill/>
+          </a:ln>
+          <a:effectLst/>
+        </p:spPr>
+        <p:style>
+          <a:lnRef idx="1">
+            <a:schemeClr val="accent2"/>
+          </a:lnRef>
+          <a:fillRef idx="2">
+            <a:schemeClr val="accent2"/>
+          </a:fillRef>
+          <a:effectRef idx="1">
+            <a:schemeClr val="accent2"/>
+          </a:effectRef>
+          <a:fontRef idx="minor">
+            <a:schemeClr val="dk1"/>
+          </a:fontRef>
+        </p:style>
+        <p:txBody>
+          <a:bodyPr rtlCol="0" anchor="t"/>
+          <a:lstStyle/>
+          <a:p>
+            <a:pPr marL="114300" indent="-114300">
+              <a:spcAft>
+                <a:spcPts val="0"/>
+              </a:spcAft>
+            </a:pPr>
+            <a:r>
+              <a:rPr lang="en-US" sz="1100" b="1" dirty="0" smtClean="0">
+                <a:solidFill>
+                  <a:schemeClr val="tx1">
+                    <a:lumMod val="75000"/>
+                  </a:schemeClr>
+                </a:solidFill>
+              </a:rPr>
+              <a:t>Cloud Ops</a:t>
+            </a:r>
+          </a:p>
+          <a:p>
+            <a:pPr marL="114300" indent="-114300">
+              <a:spcAft>
+                <a:spcPts val="0"/>
+              </a:spcAft>
+            </a:pPr>
+            <a:r>
+              <a:rPr lang="en-US" sz="1100" b="1" dirty="0" smtClean="0">
+                <a:solidFill>
+                  <a:schemeClr val="tx1">
+                    <a:lumMod val="75000"/>
+                  </a:schemeClr>
+                </a:solidFill>
+              </a:rPr>
+              <a:t>(Infra-NOC)</a:t>
+            </a:r>
+            <a:endParaRPr lang="en-US" sz="1100" b="1" dirty="0">
+              <a:solidFill>
+                <a:schemeClr val="tx1">
+                  <a:lumMod val="75000"/>
+                </a:schemeClr>
+              </a:solidFill>
+            </a:endParaRPr>
+          </a:p>
+          <a:p>
+            <a:pPr marL="114300" indent="-114300" algn="l">
+              <a:spcAft>
+                <a:spcPts val="0"/>
+              </a:spcAft>
+              <a:buFont typeface="Arial" pitchFamily="34" charset="0"/>
+              <a:buChar char="•"/>
+            </a:pPr>
+            <a:r>
+              <a:rPr lang="en-US" sz="1100" dirty="0" smtClean="0">
+                <a:solidFill>
+                  <a:schemeClr val="tx1"/>
+                </a:solidFill>
+              </a:rPr>
+              <a:t>Performance</a:t>
+            </a:r>
+          </a:p>
+          <a:p>
+            <a:pPr marL="114300" indent="-114300" algn="l">
+              <a:spcAft>
+                <a:spcPts val="0"/>
+              </a:spcAft>
+              <a:buFont typeface="Arial" pitchFamily="34" charset="0"/>
+              <a:buChar char="•"/>
+            </a:pPr>
+            <a:r>
+              <a:rPr lang="en-US" sz="1100" dirty="0" smtClean="0">
+                <a:solidFill>
+                  <a:schemeClr val="tx1"/>
+                </a:solidFill>
+              </a:rPr>
+              <a:t>Capacity</a:t>
+            </a:r>
+          </a:p>
+          <a:p>
+            <a:pPr marL="114300" indent="-114300" algn="l">
+              <a:spcAft>
+                <a:spcPts val="0"/>
+              </a:spcAft>
+              <a:buFont typeface="Arial" pitchFamily="34" charset="0"/>
+              <a:buChar char="•"/>
+            </a:pPr>
+            <a:r>
+              <a:rPr lang="en-US" sz="1100" dirty="0" smtClean="0">
+                <a:solidFill>
+                  <a:schemeClr val="tx1"/>
+                </a:solidFill>
+              </a:rPr>
+              <a:t>Config</a:t>
+            </a:r>
+          </a:p>
+          <a:p>
+            <a:pPr marL="114300" indent="-114300" algn="l">
+              <a:spcAft>
+                <a:spcPts val="0"/>
+              </a:spcAft>
+              <a:buFont typeface="Arial" pitchFamily="34" charset="0"/>
+              <a:buChar char="•"/>
+            </a:pPr>
+            <a:r>
+              <a:rPr lang="en-US" sz="1100" dirty="0" smtClean="0">
+                <a:solidFill>
+                  <a:schemeClr val="tx1"/>
+                </a:solidFill>
+              </a:rPr>
+              <a:t>Security</a:t>
+            </a:r>
+          </a:p>
+        </p:txBody>
+      </p:sp>
+      <p:sp>
+        <p:nvSpPr>
+          <p:cNvPr id="67" name="TextBox 66"/>
+          <p:cNvSpPr txBox="1"/>
+          <p:nvPr/>
+        </p:nvSpPr>
+        <p:spPr>
+          <a:xfrm>
+            <a:off x="5550364" y="2925097"/>
+            <a:ext cx="1615440" cy="430887"/>
+          </a:xfrm>
+          <a:prstGeom prst="rect">
+            <a:avLst/>
+          </a:prstGeom>
+          <a:noFill/>
+        </p:spPr>
+        <p:txBody>
+          <a:bodyPr wrap="square" rtlCol="0">
+            <a:spAutoFit/>
+          </a:bodyPr>
+          <a:lstStyle/>
+          <a:p>
+            <a:pPr marL="114300" indent="-114300" algn="l">
+              <a:spcAft>
+                <a:spcPts val="0"/>
+              </a:spcAft>
+              <a:buFont typeface="Arial" pitchFamily="34" charset="0"/>
+              <a:buChar char="•"/>
+            </a:pPr>
+            <a:r>
+              <a:rPr lang="en-US" sz="1100" dirty="0">
+                <a:solidFill>
+                  <a:schemeClr val="tx1"/>
+                </a:solidFill>
+                <a:latin typeface="+mn-lt"/>
+                <a:ea typeface="+mn-ea"/>
+              </a:rPr>
+              <a:t>Utilization</a:t>
+            </a:r>
+          </a:p>
+          <a:p>
+            <a:pPr marL="114300" indent="-114300" algn="l">
+              <a:spcAft>
+                <a:spcPts val="0"/>
+              </a:spcAft>
+              <a:buFont typeface="Arial" pitchFamily="34" charset="0"/>
+              <a:buChar char="•"/>
+            </a:pPr>
+            <a:r>
+              <a:rPr lang="en-US" sz="1100" dirty="0">
+                <a:solidFill>
+                  <a:schemeClr val="tx1"/>
+                </a:solidFill>
+                <a:latin typeface="+mn-lt"/>
+                <a:ea typeface="+mn-ea"/>
+              </a:rPr>
+              <a:t>Application Visibility</a:t>
+            </a:r>
+          </a:p>
+        </p:txBody>
+      </p:sp>
+      <p:sp>
+        <p:nvSpPr>
+          <p:cNvPr id="50" name="TextBox 49"/>
+          <p:cNvSpPr txBox="1"/>
+          <p:nvPr/>
+        </p:nvSpPr>
+        <p:spPr>
+          <a:xfrm>
+            <a:off x="2510295" y="3519009"/>
+            <a:ext cx="1815738" cy="600164"/>
+          </a:xfrm>
+          <a:prstGeom prst="rect">
+            <a:avLst/>
+          </a:prstGeom>
+          <a:noFill/>
+        </p:spPr>
+        <p:txBody>
+          <a:bodyPr wrap="square" rtlCol="0">
+            <a:spAutoFit/>
+          </a:bodyPr>
+          <a:lstStyle/>
+          <a:p>
+            <a:pPr marL="114300" indent="-114300" algn="l">
+              <a:spcAft>
+                <a:spcPts val="0"/>
+              </a:spcAft>
+              <a:buFont typeface="Arial" pitchFamily="34" charset="0"/>
+              <a:buChar char="•"/>
+            </a:pPr>
+            <a:r>
+              <a:rPr lang="en-US" sz="1100" dirty="0">
+                <a:solidFill>
+                  <a:schemeClr val="tx1"/>
+                </a:solidFill>
+                <a:latin typeface="+mn-lt"/>
+                <a:ea typeface="+mn-ea"/>
+              </a:rPr>
+              <a:t>Infrastructure Service</a:t>
+            </a:r>
+          </a:p>
+          <a:p>
+            <a:pPr marL="114300" indent="-114300" algn="l">
+              <a:spcAft>
+                <a:spcPts val="0"/>
+              </a:spcAft>
+              <a:buFont typeface="Arial" pitchFamily="34" charset="0"/>
+              <a:buChar char="•"/>
+            </a:pPr>
+            <a:r>
+              <a:rPr lang="en-US" sz="1100" dirty="0">
+                <a:solidFill>
+                  <a:schemeClr val="tx1"/>
+                </a:solidFill>
+                <a:latin typeface="+mn-lt"/>
+                <a:ea typeface="+mn-ea"/>
+              </a:rPr>
+              <a:t> Health</a:t>
+            </a:r>
+          </a:p>
+          <a:p>
+            <a:pPr marL="114300" indent="-114300" algn="l">
+              <a:spcAft>
+                <a:spcPts val="0"/>
+              </a:spcAft>
+              <a:buFont typeface="Arial" pitchFamily="34" charset="0"/>
+              <a:buChar char="•"/>
+            </a:pPr>
+            <a:r>
+              <a:rPr lang="en-US" sz="1100" dirty="0">
+                <a:solidFill>
+                  <a:schemeClr val="tx1"/>
+                </a:solidFill>
+                <a:latin typeface="+mn-lt"/>
+                <a:ea typeface="+mn-ea"/>
+              </a:rPr>
+              <a:t>Cost</a:t>
+            </a:r>
+          </a:p>
+        </p:txBody>
+      </p:sp>
+      <p:pic>
+        <p:nvPicPr>
+          <p:cNvPr id="99" name="Picture 7" descr="C:\Users\Abject-3D\Desktop\VMWare Files\FINAL diagrams\Basic Virtualization\3D PNGs\VMW_09Q2_DGRM_AppSpeed_R2-(2)_6.png"/>
+          <p:cNvPicPr>
+            <a:picLocks noChangeAspect="1" noChangeArrowheads="1"/>
+          </p:cNvPicPr>
+          <p:nvPr/>
+        </p:nvPicPr>
+        <p:blipFill>
+          <a:blip r:embed="rId10" cstate="print"/>
+          <a:srcRect/>
+          <a:stretch>
+            <a:fillRect/>
+          </a:stretch>
+        </p:blipFill>
+        <p:spPr bwMode="auto">
+          <a:xfrm>
+            <a:off x="5607123" y="2011459"/>
+            <a:ext cx="1416558" cy="913638"/>
+          </a:xfrm>
+          <a:prstGeom prst="rect">
+            <a:avLst/>
+          </a:prstGeom>
+          <a:noFill/>
+          <a:effectLst>
+            <a:outerShdw blurRad="50800" dist="38100" dir="2700000" algn="tl" rotWithShape="0">
+              <a:prstClr val="black">
+                <a:alpha val="40000"/>
+              </a:prstClr>
+            </a:outerShdw>
+          </a:effectLst>
+        </p:spPr>
+      </p:pic>
+      <p:pic>
+        <p:nvPicPr>
+          <p:cNvPr id="101" name="Picture 100"/>
+          <p:cNvPicPr>
+            <a:picLocks noChangeAspect="1"/>
+          </p:cNvPicPr>
+          <p:nvPr/>
+        </p:nvPicPr>
+        <p:blipFill>
+          <a:blip r:embed="rId11" cstate="print"/>
+          <a:stretch>
+            <a:fillRect/>
+          </a:stretch>
+        </p:blipFill>
+        <p:spPr>
+          <a:xfrm>
+            <a:off x="1856839" y="2592103"/>
+            <a:ext cx="1264269" cy="294996"/>
+          </a:xfrm>
+          <a:prstGeom prst="rect">
+            <a:avLst/>
+          </a:prstGeom>
+        </p:spPr>
+      </p:pic>
+      <p:pic>
+        <p:nvPicPr>
+          <p:cNvPr id="102" name="Picture 101"/>
+          <p:cNvPicPr>
+            <a:picLocks noChangeAspect="1"/>
+          </p:cNvPicPr>
+          <p:nvPr/>
+        </p:nvPicPr>
+        <p:blipFill rotWithShape="1">
+          <a:blip r:embed="rId12" cstate="print"/>
+          <a:srcRect t="29947" b="29933"/>
+          <a:stretch/>
+        </p:blipFill>
+        <p:spPr>
+          <a:xfrm>
+            <a:off x="3515648" y="2508977"/>
+            <a:ext cx="1149684" cy="461247"/>
+          </a:xfrm>
+          <a:prstGeom prst="rect">
+            <a:avLst/>
+          </a:prstGeom>
+        </p:spPr>
+      </p:pic>
+      <p:pic>
+        <p:nvPicPr>
+          <p:cNvPr id="108" name="Picture 8" descr="http://41monkeys.com/images/ruby240x240.jpg"/>
+          <p:cNvPicPr>
+            <a:picLocks noChangeAspect="1" noChangeArrowheads="1"/>
+          </p:cNvPicPr>
+          <p:nvPr/>
+        </p:nvPicPr>
+        <p:blipFill>
+          <a:blip r:embed="rId13" cstate="print"/>
+          <a:srcRect/>
+          <a:stretch>
+            <a:fillRect/>
+          </a:stretch>
+        </p:blipFill>
+        <p:spPr bwMode="auto">
+          <a:xfrm>
+            <a:off x="3785690" y="2201369"/>
+            <a:ext cx="304800" cy="304800"/>
+          </a:xfrm>
+          <a:prstGeom prst="rect">
+            <a:avLst/>
+          </a:prstGeom>
+          <a:noFill/>
+        </p:spPr>
+      </p:pic>
+      <p:pic>
+        <p:nvPicPr>
+          <p:cNvPr id="109" name="Picture 108"/>
+          <p:cNvPicPr>
+            <a:picLocks noChangeAspect="1"/>
+          </p:cNvPicPr>
+          <p:nvPr/>
+        </p:nvPicPr>
+        <p:blipFill>
+          <a:blip r:embed="rId14" cstate="print"/>
+          <a:stretch>
+            <a:fillRect/>
+          </a:stretch>
+        </p:blipFill>
+        <p:spPr>
+          <a:xfrm>
+            <a:off x="2142157" y="2165954"/>
+            <a:ext cx="1377950" cy="463670"/>
+          </a:xfrm>
+          <a:prstGeom prst="rect">
+            <a:avLst/>
+          </a:prstGeom>
+        </p:spPr>
+      </p:pic>
+      <p:sp>
+        <p:nvSpPr>
+          <p:cNvPr id="5" name="Down Arrow 4"/>
+          <p:cNvSpPr/>
+          <p:nvPr/>
+        </p:nvSpPr>
+        <p:spPr bwMode="auto">
+          <a:xfrm>
+            <a:off x="6010517" y="3248337"/>
+            <a:ext cx="457200" cy="914400"/>
+          </a:xfrm>
+          <a:prstGeom prst="downArrow">
+            <a:avLst>
+              <a:gd name="adj1" fmla="val 72857"/>
+              <a:gd name="adj2" fmla="val 53279"/>
+            </a:avLst>
+          </a:prstGeom>
+          <a:gradFill flip="none" rotWithShape="1">
+            <a:gsLst>
+              <a:gs pos="0">
+                <a:schemeClr val="accent1">
+                  <a:tint val="66000"/>
+                  <a:satMod val="160000"/>
+                </a:schemeClr>
+              </a:gs>
+              <a:gs pos="50000">
+                <a:schemeClr val="accent1">
+                  <a:tint val="44500"/>
+                  <a:satMod val="160000"/>
+                  <a:alpha val="51000"/>
+                </a:schemeClr>
+              </a:gs>
+              <a:gs pos="100000">
+                <a:schemeClr val="accent1">
+                  <a:tint val="23500"/>
+                  <a:satMod val="160000"/>
+                  <a:alpha val="0"/>
+                </a:schemeClr>
+              </a:gs>
+            </a:gsLst>
+            <a:lin ang="16200000" scaled="0"/>
+            <a:tileRect/>
+          </a:gradFill>
+          <a:ln w="12700">
+            <a:noFill/>
+            <a:round/>
+            <a:headEnd/>
+            <a:tailEnd/>
+          </a:ln>
+        </p:spPr>
+        <p:txBody>
+          <a:bodyPr wrap="none" lIns="0" tIns="0" rIns="0" bIns="0" rtlCol="0" anchor="ctr"/>
+          <a:lstStyle/>
+          <a:p>
+            <a:pPr marL="0" marR="0" indent="0" algn="ctr" defTabSz="914400" eaLnBrk="1" latinLnBrk="0" hangingPunct="1">
+              <a:lnSpc>
+                <a:spcPct val="100000"/>
+              </a:lnSpc>
+              <a:buClrTx/>
+              <a:buSzTx/>
+              <a:buFontTx/>
+              <a:buNone/>
+              <a:tabLst/>
+            </a:pPr>
+            <a:endParaRPr lang="en-US" sz="1800" dirty="0" smtClean="0">
+              <a:solidFill>
+                <a:srgbClr val="FFFFFF"/>
+              </a:solidFill>
+            </a:endParaRPr>
+          </a:p>
+        </p:txBody>
+      </p:sp>
+      <p:sp>
+        <p:nvSpPr>
+          <p:cNvPr id="52" name="Down Arrow 51"/>
+          <p:cNvSpPr/>
+          <p:nvPr/>
+        </p:nvSpPr>
+        <p:spPr bwMode="auto">
+          <a:xfrm flipV="1">
+            <a:off x="3156051" y="2866955"/>
+            <a:ext cx="457200" cy="914400"/>
+          </a:xfrm>
+          <a:prstGeom prst="downArrow">
+            <a:avLst>
+              <a:gd name="adj1" fmla="val 72857"/>
+              <a:gd name="adj2" fmla="val 53279"/>
+            </a:avLst>
+          </a:prstGeom>
+          <a:gradFill flip="none" rotWithShape="1">
+            <a:gsLst>
+              <a:gs pos="0">
+                <a:schemeClr val="accent1">
+                  <a:tint val="66000"/>
+                  <a:satMod val="160000"/>
+                </a:schemeClr>
+              </a:gs>
+              <a:gs pos="50000">
+                <a:schemeClr val="accent1">
+                  <a:tint val="44500"/>
+                  <a:satMod val="160000"/>
+                  <a:alpha val="51000"/>
+                </a:schemeClr>
+              </a:gs>
+              <a:gs pos="100000">
+                <a:schemeClr val="accent1">
+                  <a:tint val="23500"/>
+                  <a:satMod val="160000"/>
+                  <a:alpha val="0"/>
+                </a:schemeClr>
+              </a:gs>
+            </a:gsLst>
+            <a:lin ang="16200000" scaled="0"/>
+            <a:tileRect/>
+          </a:gradFill>
+          <a:ln w="12700">
+            <a:noFill/>
+            <a:round/>
+            <a:headEnd/>
+            <a:tailEnd/>
+          </a:ln>
+        </p:spPr>
+        <p:txBody>
+          <a:bodyPr wrap="none" lIns="0" tIns="0" rIns="0" bIns="0" rtlCol="0" anchor="ctr"/>
+          <a:lstStyle/>
+          <a:p>
+            <a:pPr marL="0" marR="0" indent="0" algn="ctr" defTabSz="914400" eaLnBrk="1" latinLnBrk="0" hangingPunct="1">
+              <a:lnSpc>
+                <a:spcPct val="100000"/>
+              </a:lnSpc>
+              <a:buClrTx/>
+              <a:buSzTx/>
+              <a:buFontTx/>
+              <a:buNone/>
+              <a:tabLst/>
+            </a:pPr>
+            <a:endParaRPr lang="en-US" sz="1800" dirty="0" smtClean="0">
+              <a:solidFill>
+                <a:srgbClr val="FFFFFF"/>
+              </a:solidFill>
+            </a:endParaRPr>
+          </a:p>
+        </p:txBody>
+      </p:sp>
+      <p:cxnSp>
+        <p:nvCxnSpPr>
+          <p:cNvPr id="9" name="Straight Connector 8"/>
+          <p:cNvCxnSpPr/>
+          <p:nvPr/>
+        </p:nvCxnSpPr>
+        <p:spPr bwMode="auto">
+          <a:xfrm>
+            <a:off x="542925" y="3432242"/>
+            <a:ext cx="2557493" cy="0"/>
+          </a:xfrm>
+          <a:prstGeom prst="line">
+            <a:avLst/>
+          </a:prstGeom>
+          <a:solidFill>
+            <a:srgbClr val="0095D3"/>
+          </a:solidFill>
+          <a:ln w="57150" cap="flat" cmpd="sng" algn="ctr">
+            <a:solidFill>
+              <a:schemeClr val="bg2">
+                <a:lumMod val="75000"/>
+              </a:schemeClr>
+            </a:solidFill>
+            <a:prstDash val="solid"/>
+            <a:round/>
+            <a:headEnd type="none" w="med" len="med"/>
+            <a:tailEnd type="none" w="med" len="med"/>
+          </a:ln>
+          <a:effectLst/>
+        </p:spPr>
+      </p:cxnSp>
+      <p:cxnSp>
+        <p:nvCxnSpPr>
+          <p:cNvPr id="55" name="Straight Connector 54"/>
+          <p:cNvCxnSpPr/>
+          <p:nvPr/>
+        </p:nvCxnSpPr>
+        <p:spPr bwMode="auto">
+          <a:xfrm>
+            <a:off x="6523350" y="3432242"/>
+            <a:ext cx="2557493" cy="0"/>
+          </a:xfrm>
+          <a:prstGeom prst="line">
+            <a:avLst/>
+          </a:prstGeom>
+          <a:solidFill>
+            <a:srgbClr val="0095D3"/>
+          </a:solidFill>
+          <a:ln w="57150" cap="flat" cmpd="sng" algn="ctr">
+            <a:solidFill>
+              <a:schemeClr val="bg2">
+                <a:lumMod val="75000"/>
+              </a:schemeClr>
+            </a:solidFill>
+            <a:prstDash val="solid"/>
+            <a:round/>
+            <a:headEnd type="none" w="med" len="med"/>
+            <a:tailEnd type="none" w="med" len="med"/>
+          </a:ln>
+          <a:effectLst/>
+        </p:spPr>
+      </p:cxnSp>
+      <p:cxnSp>
+        <p:nvCxnSpPr>
+          <p:cNvPr id="56" name="Straight Connector 55"/>
+          <p:cNvCxnSpPr/>
+          <p:nvPr/>
+        </p:nvCxnSpPr>
+        <p:spPr bwMode="auto">
+          <a:xfrm>
+            <a:off x="3668884" y="3432242"/>
+            <a:ext cx="2286000" cy="0"/>
+          </a:xfrm>
+          <a:prstGeom prst="line">
+            <a:avLst/>
+          </a:prstGeom>
+          <a:solidFill>
+            <a:srgbClr val="0095D3"/>
+          </a:solidFill>
+          <a:ln w="57150" cap="flat" cmpd="sng" algn="ctr">
+            <a:solidFill>
+              <a:schemeClr val="bg2">
+                <a:lumMod val="75000"/>
+              </a:schemeClr>
+            </a:solidFill>
+            <a:prstDash val="solid"/>
+            <a:round/>
+            <a:headEnd type="none" w="med" len="med"/>
+            <a:tailEnd type="none" w="med" len="med"/>
+          </a:ln>
+          <a:effectLst/>
+        </p:spPr>
+      </p:cxnSp>
+    </p:spTree>
+    <p:extLst>
+      <p:ext uri="{BB962C8B-B14F-4D97-AF65-F5344CB8AC3E}">
+        <p14:creationId xmlns:p14="http://schemas.microsoft.com/office/powerpoint/2010/main" val="1946948490"/>
+      </p:ext>
+    </p:extLst>
+  </p:cSld>
+  <p:clrMapOvr>
+    <a:masterClrMapping/>
+  </p:clrMapOvr>
+  <p:transition xmlns:p14="http://schemas.microsoft.com/office/powerpoint/2010/main">
+    <p:fade/>
+  </p:transition>
+  <p:timing>
+    <p:tnLst>
+      <p:par>
+        <p:cTn xmlns:p14="http://schemas.microsoft.com/office/powerpoint/2010/main" id="1" dur="indefinite" restart="never" nodeType="tmRoot"/>
+      </p:par>
+    </p:tnLst>
+  </p:timing>
+</p:sld>
+</file>
+
+<file path=ppt/slides/slide4.xml><?xml version="1.0" encoding="utf-8"?>
+<p:sld xmlns:a="http://schemas.openxmlformats.org/drawingml/2006/main" xmlns:r="http://schemas.openxmlformats.org/officeDocument/2006/relationships" xmlns:p="http://schemas.openxmlformats.org/presentationml/2006/main">
+  <p:cSld>
+    <p:spTree>
+      <p:nvGrpSpPr>
+        <p:cNvPr id="1" name=""/>
+        <p:cNvGrpSpPr/>
+        <p:nvPr/>
+      </p:nvGrpSpPr>
+      <p:grpSpPr>
+        <a:xfrm>
+          <a:off x="0" y="0"/>
+          <a:ext cx="0" cy="0"/>
+          <a:chOff x="0" y="0"/>
+          <a:chExt cx="0" cy="0"/>
+        </a:xfrm>
+      </p:grpSpPr>
       <p:sp>
         <p:nvSpPr>
           <p:cNvPr id="2" name="Titel 1"/>
@@ -4234,7 +8647,15 @@
             </a:r>
             <a:r>
               <a:rPr lang="de-DE" dirty="0" smtClean="0"/>
-              <a:t> ...</a:t>
+              <a:t> </a:t>
+            </a:r>
+            <a:r>
+              <a:rPr lang="de-DE" dirty="0" err="1" smtClean="0"/>
+              <a:t>What</a:t>
+            </a:r>
+            <a:r>
+              <a:rPr lang="de-DE" dirty="0" smtClean="0"/>
+              <a:t>?</a:t>
             </a:r>
             <a:endParaRPr lang="de-DE" dirty="0"/>
           </a:p>
@@ -4267,8 +8688,12 @@
               <a:t> </a:t>
             </a:r>
             <a:r>
-              <a:rPr lang="de-DE" dirty="0" err="1"/>
-              <a:t>integration</a:t>
+              <a:rPr lang="de-DE" dirty="0"/>
+              <a:t>I</a:t>
+            </a:r>
+            <a:r>
+              <a:rPr lang="de-DE" dirty="0" smtClean="0"/>
+              <a:t>ntegration</a:t>
             </a:r>
             <a:r>
               <a:rPr lang="de-DE" b="0" dirty="0"/>
@@ -4384,8 +8809,8 @@
               <a:t> </a:t>
             </a:r>
             <a:r>
-              <a:rPr lang="de-DE" dirty="0" err="1"/>
-              <a:t>delivery</a:t>
+              <a:rPr lang="de-DE" dirty="0" err="1" smtClean="0"/>
+              <a:t>Delivery</a:t>
             </a:r>
             <a:r>
               <a:rPr lang="de-DE" b="0" dirty="0"/>
@@ -4513,8 +8938,8 @@
               <a:t> </a:t>
             </a:r>
             <a:r>
-              <a:rPr lang="de-DE" dirty="0" err="1"/>
-              <a:t>deployment</a:t>
+              <a:rPr lang="de-DE" dirty="0" err="1" smtClean="0"/>
+              <a:t>Deployment</a:t>
             </a:r>
             <a:r>
               <a:rPr lang="de-DE" b="0" dirty="0"/>
@@ -4625,8 +9050,124 @@
               <a:t>process</a:t>
             </a:r>
             <a:r>
-              <a:rPr lang="de-DE" b="0" dirty="0"/>
+              <a:rPr lang="de-DE" b="0" dirty="0" smtClean="0"/>
               <a:t>.</a:t>
+            </a:r>
+          </a:p>
+          <a:p>
+            <a:endParaRPr lang="de-DE" b="0" dirty="0"/>
+          </a:p>
+          <a:p>
+            <a:endParaRPr lang="de-DE" b="0" dirty="0" smtClean="0"/>
+          </a:p>
+          <a:p>
+            <a:r>
+              <a:rPr lang="de-DE" dirty="0" err="1" smtClean="0"/>
+              <a:t>vFabric</a:t>
+            </a:r>
+            <a:r>
+              <a:rPr lang="de-DE" dirty="0" smtClean="0"/>
+              <a:t> </a:t>
+            </a:r>
+            <a:r>
+              <a:rPr lang="de-DE" dirty="0" err="1" smtClean="0"/>
+              <a:t>Application</a:t>
+            </a:r>
+            <a:r>
+              <a:rPr lang="de-DE" dirty="0" smtClean="0"/>
+              <a:t> </a:t>
+            </a:r>
+            <a:r>
+              <a:rPr lang="de-DE" dirty="0" err="1" smtClean="0"/>
+              <a:t>Director</a:t>
+            </a:r>
+            <a:r>
+              <a:rPr lang="de-DE" dirty="0" smtClean="0"/>
+              <a:t> </a:t>
+            </a:r>
+            <a:r>
+              <a:rPr lang="de-DE" dirty="0" err="1" smtClean="0"/>
+              <a:t>addresses</a:t>
+            </a:r>
+            <a:r>
+              <a:rPr lang="de-DE" dirty="0" smtClean="0"/>
+              <a:t> </a:t>
+            </a:r>
+            <a:r>
+              <a:rPr lang="de-DE" dirty="0" err="1" smtClean="0"/>
+              <a:t>both</a:t>
+            </a:r>
+            <a:r>
+              <a:rPr lang="de-DE" dirty="0" smtClean="0"/>
+              <a:t> </a:t>
+            </a:r>
+            <a:r>
+              <a:rPr lang="de-DE" dirty="0" err="1" smtClean="0"/>
+              <a:t>Continuous</a:t>
+            </a:r>
+            <a:r>
+              <a:rPr lang="de-DE" dirty="0" smtClean="0"/>
+              <a:t> </a:t>
+            </a:r>
+            <a:r>
+              <a:rPr lang="de-DE" dirty="0" err="1" smtClean="0"/>
+              <a:t>Delivery</a:t>
+            </a:r>
+            <a:r>
+              <a:rPr lang="de-DE" dirty="0" smtClean="0"/>
+              <a:t> </a:t>
+            </a:r>
+            <a:r>
+              <a:rPr lang="de-DE" dirty="0" err="1" smtClean="0"/>
+              <a:t>and</a:t>
+            </a:r>
+            <a:r>
+              <a:rPr lang="de-DE" dirty="0" smtClean="0"/>
+              <a:t> </a:t>
+            </a:r>
+            <a:r>
+              <a:rPr lang="de-DE" dirty="0" err="1" smtClean="0"/>
+              <a:t>Deployment</a:t>
+            </a:r>
+            <a:r>
+              <a:rPr lang="de-DE" dirty="0" smtClean="0"/>
+              <a:t> </a:t>
+            </a:r>
+            <a:r>
+              <a:rPr lang="de-DE" dirty="0" err="1" smtClean="0"/>
+              <a:t>and</a:t>
+            </a:r>
+            <a:r>
+              <a:rPr lang="de-DE" dirty="0" smtClean="0"/>
+              <a:t> </a:t>
+            </a:r>
+            <a:r>
+              <a:rPr lang="de-DE" dirty="0" err="1" smtClean="0"/>
+              <a:t>enables</a:t>
+            </a:r>
+            <a:r>
+              <a:rPr lang="de-DE" dirty="0"/>
+              <a:t> </a:t>
+            </a:r>
+            <a:r>
+              <a:rPr lang="de-DE" dirty="0" err="1" smtClean="0"/>
+              <a:t>the</a:t>
+            </a:r>
+            <a:r>
+              <a:rPr lang="de-DE" dirty="0" smtClean="0"/>
+              <a:t> </a:t>
+            </a:r>
+            <a:r>
+              <a:rPr lang="de-DE" dirty="0" err="1" smtClean="0"/>
+              <a:t>DevOps</a:t>
+            </a:r>
+            <a:r>
+              <a:rPr lang="de-DE" dirty="0" smtClean="0"/>
+              <a:t> </a:t>
+            </a:r>
+            <a:r>
+              <a:rPr lang="de-DE" dirty="0" err="1" smtClean="0"/>
+              <a:t>model</a:t>
             </a:r>
             <a:endParaRPr lang="de-DE" dirty="0"/>
           </a:p>
@@ -4655,7 +9196,7 @@
               <a:pPr>
                 <a:defRPr/>
               </a:pPr>
-              <a:t>2</a:t>
+              <a:t>4</a:t>
             </a:fld>
             <a:endParaRPr lang="en-US" dirty="0"/>
           </a:p>
@@ -4677,7 +9218,164 @@
 </p:sld>
 </file>
 
-<file path=ppt/slides/slide3.xml><?xml version="1.0" encoding="utf-8"?>
+<file path=ppt/slides/slide5.xml><?xml version="1.0" encoding="utf-8"?>
+<p:sld xmlns:a="http://schemas.openxmlformats.org/drawingml/2006/main" xmlns:r="http://schemas.openxmlformats.org/officeDocument/2006/relationships" xmlns:p="http://schemas.openxmlformats.org/presentationml/2006/main">
+  <p:cSld>
+    <p:spTree>
+      <p:nvGrpSpPr>
+        <p:cNvPr id="1" name=""/>
+        <p:cNvGrpSpPr/>
+        <p:nvPr/>
+      </p:nvGrpSpPr>
+      <p:grpSpPr>
+        <a:xfrm>
+          <a:off x="0" y="0"/>
+          <a:ext cx="0" cy="0"/>
+          <a:chOff x="0" y="0"/>
+          <a:chExt cx="0" cy="0"/>
+        </a:xfrm>
+      </p:grpSpPr>
+      <p:sp>
+        <p:nvSpPr>
+          <p:cNvPr id="2" name="Titel 1"/>
+          <p:cNvSpPr>
+            <a:spLocks noGrp="1"/>
+          </p:cNvSpPr>
+          <p:nvPr>
+            <p:ph type="title"/>
+          </p:nvPr>
+        </p:nvSpPr>
+        <p:spPr/>
+        <p:txBody>
+          <a:bodyPr/>
+          <a:lstStyle/>
+          <a:p>
+            <a:r>
+              <a:rPr lang="de-DE" dirty="0" err="1" smtClean="0"/>
+              <a:t>Continuous</a:t>
+            </a:r>
+            <a:r>
+              <a:rPr lang="de-DE" dirty="0" smtClean="0"/>
+              <a:t> </a:t>
+            </a:r>
+            <a:r>
+              <a:rPr lang="de-DE" dirty="0" err="1" smtClean="0"/>
+              <a:t>Delivery</a:t>
+            </a:r>
+            <a:r>
+              <a:rPr lang="de-DE" dirty="0" smtClean="0"/>
+              <a:t> Demo</a:t>
+            </a:r>
+            <a:endParaRPr lang="de-DE" dirty="0"/>
+          </a:p>
+        </p:txBody>
+      </p:sp>
+      <p:sp>
+        <p:nvSpPr>
+          <p:cNvPr id="3" name="Textplatzhalter 2"/>
+          <p:cNvSpPr>
+            <a:spLocks noGrp="1"/>
+          </p:cNvSpPr>
+          <p:nvPr>
+            <p:ph type="body" sz="quarter" idx="13"/>
+          </p:nvPr>
+        </p:nvSpPr>
+        <p:spPr>
+          <a:xfrm>
+            <a:off x="352425" y="2239818"/>
+            <a:ext cx="8385048" cy="3557478"/>
+          </a:xfrm>
+        </p:spPr>
+        <p:txBody>
+          <a:bodyPr/>
+          <a:lstStyle/>
+          <a:p>
+            <a:pPr algn="ctr"/>
+            <a:r>
+              <a:rPr lang="de-DE" sz="4400" dirty="0" smtClean="0"/>
+              <a:t>Demo Time!</a:t>
+            </a:r>
+          </a:p>
+          <a:p>
+            <a:pPr algn="ctr"/>
+            <a:endParaRPr lang="de-DE" sz="2400" b="0" dirty="0"/>
+          </a:p>
+          <a:p>
+            <a:pPr algn="ctr"/>
+            <a:r>
+              <a:rPr lang="de-DE" sz="2400" b="0" dirty="0" smtClean="0"/>
+              <a:t>But </a:t>
+            </a:r>
+            <a:r>
+              <a:rPr lang="de-DE" sz="2400" b="0" dirty="0" err="1" smtClean="0"/>
+              <a:t>first</a:t>
+            </a:r>
+            <a:r>
+              <a:rPr lang="de-DE" sz="2400" b="0" dirty="0" smtClean="0"/>
+              <a:t> a </a:t>
+            </a:r>
+            <a:r>
+              <a:rPr lang="de-DE" sz="2400" b="0" dirty="0" err="1" smtClean="0"/>
+              <a:t>short</a:t>
+            </a:r>
+            <a:r>
+              <a:rPr lang="de-DE" sz="2400" b="0" dirty="0" smtClean="0"/>
+              <a:t> </a:t>
+            </a:r>
+            <a:r>
+              <a:rPr lang="de-DE" sz="2400" b="0" dirty="0" err="1" smtClean="0"/>
+              <a:t>explanation</a:t>
+            </a:r>
+            <a:endParaRPr lang="de-DE" sz="2400" b="0" dirty="0"/>
+          </a:p>
+        </p:txBody>
+      </p:sp>
+      <p:sp>
+        <p:nvSpPr>
+          <p:cNvPr id="4" name="Foliennummernplatzhalter 3"/>
+          <p:cNvSpPr>
+            <a:spLocks noGrp="1"/>
+          </p:cNvSpPr>
+          <p:nvPr>
+            <p:ph type="sldNum" sz="quarter" idx="14"/>
+          </p:nvPr>
+        </p:nvSpPr>
+        <p:spPr/>
+        <p:txBody>
+          <a:bodyPr/>
+          <a:lstStyle/>
+          <a:p>
+            <a:pPr>
+              <a:defRPr/>
+            </a:pPr>
+            <a:fld id="{95560C5B-E97B-43F7-A778-89AB47913A2E}" type="slidenum">
+              <a:rPr lang="en-US" smtClean="0"/>
+              <a:pPr>
+                <a:defRPr/>
+              </a:pPr>
+              <a:t>5</a:t>
+            </a:fld>
+            <a:endParaRPr lang="en-US" dirty="0"/>
+          </a:p>
+        </p:txBody>
+      </p:sp>
+    </p:spTree>
+    <p:extLst>
+      <p:ext uri="{BB962C8B-B14F-4D97-AF65-F5344CB8AC3E}">
+        <p14:creationId xmlns:p14="http://schemas.microsoft.com/office/powerpoint/2010/main" val="2427929285"/>
+      </p:ext>
+    </p:extLst>
+  </p:cSld>
+  <p:clrMapOvr>
+    <a:masterClrMapping/>
+  </p:clrMapOvr>
+  <p:transition xmlns:p14="http://schemas.microsoft.com/office/powerpoint/2010/main">
+    <p:fade/>
+  </p:transition>
+</p:sld>
+</file>
+
+<file path=ppt/slides/slide6.xml><?xml version="1.0" encoding="utf-8"?>
 <p:sld xmlns:a="http://schemas.openxmlformats.org/drawingml/2006/main" xmlns:r="http://schemas.openxmlformats.org/officeDocument/2006/relationships" xmlns:p="http://schemas.openxmlformats.org/presentationml/2006/main">
   <p:cSld>
     <p:spTree>
@@ -4749,7 +9447,7 @@
               <a:pPr>
                 <a:defRPr/>
               </a:pPr>
-              <a:t>3</a:t>
+              <a:t>6</a:t>
             </a:fld>
             <a:endParaRPr lang="en-US" dirty="0"/>
           </a:p>
@@ -4815,7 +9513,7 @@
         <p:spPr>
           <a:xfrm>
             <a:off x="869000" y="802072"/>
-            <a:ext cx="6751464" cy="2862322"/>
+            <a:ext cx="6751464" cy="3170099"/>
           </a:xfrm>
           <a:prstGeom prst="rect">
             <a:avLst/>
@@ -5049,6 +9747,86 @@
                 <a:ea typeface="+mn-ea"/>
               </a:rPr>
               <a:t>maps</a:t>
+            </a:r>
+            <a:r>
+              <a:rPr lang="de-DE" sz="2000" dirty="0" smtClean="0">
+                <a:solidFill>
+                  <a:srgbClr val="333333"/>
+                </a:solidFill>
+                <a:latin typeface="+mn-lt"/>
+                <a:ea typeface="+mn-ea"/>
+              </a:rPr>
+              <a:t> </a:t>
+            </a:r>
+            <a:r>
+              <a:rPr lang="de-DE" sz="2000" dirty="0" err="1" smtClean="0">
+                <a:solidFill>
+                  <a:srgbClr val="333333"/>
+                </a:solidFill>
+                <a:latin typeface="+mn-lt"/>
+                <a:ea typeface="+mn-ea"/>
+              </a:rPr>
+              <a:t>consumed</a:t>
+            </a:r>
+            <a:r>
+              <a:rPr lang="de-DE" sz="2000" dirty="0" smtClean="0">
+                <a:solidFill>
+                  <a:srgbClr val="333333"/>
+                </a:solidFill>
+                <a:latin typeface="+mn-lt"/>
+                <a:ea typeface="+mn-ea"/>
+              </a:rPr>
+              <a:t> </a:t>
+            </a:r>
+            <a:r>
+              <a:rPr lang="de-DE" sz="2000" dirty="0" err="1" smtClean="0">
+                <a:solidFill>
+                  <a:srgbClr val="333333"/>
+                </a:solidFill>
+                <a:latin typeface="+mn-lt"/>
+                <a:ea typeface="+mn-ea"/>
+              </a:rPr>
+              <a:t>by</a:t>
+            </a:r>
+            <a:r>
+              <a:rPr lang="de-DE" sz="2000" dirty="0" smtClean="0">
+                <a:solidFill>
+                  <a:srgbClr val="333333"/>
+                </a:solidFill>
+                <a:latin typeface="+mn-lt"/>
+                <a:ea typeface="+mn-ea"/>
+              </a:rPr>
+              <a:t> </a:t>
+            </a:r>
+            <a:r>
+              <a:rPr lang="de-DE" sz="2000" dirty="0" err="1" smtClean="0">
+                <a:solidFill>
+                  <a:srgbClr val="333333"/>
+                </a:solidFill>
+                <a:latin typeface="+mn-lt"/>
+                <a:ea typeface="+mn-ea"/>
+              </a:rPr>
+              <a:t>the</a:t>
+            </a:r>
+            <a:r>
+              <a:rPr lang="de-DE" sz="2000" dirty="0" smtClean="0">
+                <a:solidFill>
+                  <a:srgbClr val="333333"/>
+                </a:solidFill>
+                <a:latin typeface="+mn-lt"/>
+                <a:ea typeface="+mn-ea"/>
+              </a:rPr>
+              <a:t> </a:t>
+            </a:r>
+            <a:r>
+              <a:rPr lang="de-DE" sz="2000" dirty="0" err="1" smtClean="0">
+                <a:solidFill>
+                  <a:srgbClr val="333333"/>
+                </a:solidFill>
+                <a:latin typeface="+mn-lt"/>
+                <a:ea typeface="+mn-ea"/>
+              </a:rPr>
+              <a:t>client</a:t>
             </a:r>
             <a:endParaRPr lang="de-DE" sz="2000" dirty="0" smtClean="0">
               <a:solidFill>
@@ -5352,7 +10130,7 @@
 </p:sld>
 </file>
 
-<file path=ppt/slides/slide4.xml><?xml version="1.0" encoding="utf-8"?>
+<file path=ppt/slides/slide7.xml><?xml version="1.0" encoding="utf-8"?>
 <p:sld xmlns:a="http://schemas.openxmlformats.org/drawingml/2006/main" xmlns:r="http://schemas.openxmlformats.org/officeDocument/2006/relationships" xmlns:p="http://schemas.openxmlformats.org/presentationml/2006/main">
   <p:cSld>
     <p:spTree>
@@ -5371,7 +10149,7 @@
       </p:grpSpPr>
       <p:pic>
         <p:nvPicPr>
-          <p:cNvPr id="48" name="Bild 47"/>
+          <p:cNvPr id="44" name="Bild 43"/>
           <p:cNvPicPr>
             <a:picLocks noChangeAspect="1"/>
           </p:cNvPicPr>
@@ -5385,17 +10163,72 @@
         </p:blipFill>
         <p:spPr>
           <a:xfrm>
-            <a:off x="6836064" y="781627"/>
-            <a:ext cx="1231900" cy="838200"/>
+            <a:off x="7791374" y="4338783"/>
+            <a:ext cx="1352626" cy="660400"/>
           </a:xfrm>
           <a:prstGeom prst="rect">
             <a:avLst/>
           </a:prstGeom>
         </p:spPr>
       </p:pic>
+      <p:sp>
+        <p:nvSpPr>
+          <p:cNvPr id="33" name="Abgerundetes Rechteck 32"/>
+          <p:cNvSpPr/>
+          <p:nvPr/>
+        </p:nvSpPr>
+        <p:spPr bwMode="auto">
+          <a:xfrm>
+            <a:off x="6764996" y="3873305"/>
+            <a:ext cx="1259095" cy="606332"/>
+          </a:xfrm>
+          <a:prstGeom prst="roundRect">
+            <a:avLst/>
+          </a:prstGeom>
+          <a:solidFill>
+            <a:schemeClr val="accent1">
+              <a:lumMod val="40000"/>
+              <a:lumOff val="60000"/>
+            </a:schemeClr>
+          </a:solidFill>
+          <a:ln w="9525">
+            <a:noFill/>
+            <a:round/>
+            <a:headEnd/>
+            <a:tailEnd/>
+          </a:ln>
+          <a:effectLst>
+            <a:innerShdw blurRad="63500" dist="50800" dir="13500000">
+              <a:prstClr val="black">
+                <a:alpha val="50000"/>
+              </a:prstClr>
+            </a:innerShdw>
+          </a:effectLst>
+        </p:spPr>
+        <p:txBody>
+          <a:bodyPr/>
+          <a:lstStyle/>
+          <a:p>
+            <a:pPr algn="ctr"/>
+            <a:r>
+              <a:rPr lang="de-DE" sz="1200" dirty="0" smtClean="0">
+                <a:solidFill>
+                  <a:schemeClr val="bg1"/>
+                </a:solidFill>
+              </a:rPr>
+              <a:t>Server App</a:t>
+            </a:r>
+            <a:endParaRPr lang="de-DE" sz="1200" dirty="0">
+              <a:solidFill>
+                <a:schemeClr val="bg1"/>
+              </a:solidFill>
+            </a:endParaRPr>
+          </a:p>
+        </p:txBody>
+      </p:sp>
       <p:pic>
         <p:nvPicPr>
-          <p:cNvPr id="44" name="Bild 43"/>
+          <p:cNvPr id="48" name="Bild 47"/>
           <p:cNvPicPr>
             <a:picLocks noChangeAspect="1"/>
           </p:cNvPicPr>
@@ -5409,8 +10242,8 @@
         </p:blipFill>
         <p:spPr>
           <a:xfrm>
-            <a:off x="7791374" y="4338783"/>
-            <a:ext cx="1352626" cy="660400"/>
+            <a:off x="6836064" y="781627"/>
+            <a:ext cx="1231900" cy="838200"/>
           </a:xfrm>
           <a:prstGeom prst="rect">
             <a:avLst/>
@@ -5433,7 +10266,7 @@
         </p:blipFill>
         <p:spPr>
           <a:xfrm>
-            <a:off x="6794500" y="4046683"/>
+            <a:off x="6928180" y="4300675"/>
             <a:ext cx="1252682" cy="1252682"/>
           </a:xfrm>
           <a:prstGeom prst="rect">
@@ -5468,6 +10301,22 @@
               <a:rPr lang="de-DE" dirty="0" err="1" smtClean="0"/>
               <a:t>Delivery</a:t>
             </a:r>
+            <a:r>
+              <a:rPr lang="de-DE" dirty="0" smtClean="0"/>
+              <a:t> </a:t>
+            </a:r>
+            <a:r>
+              <a:rPr lang="de-DE" dirty="0" err="1" smtClean="0"/>
+              <a:t>with</a:t>
+            </a:r>
+            <a:r>
+              <a:rPr lang="de-DE" dirty="0" smtClean="0"/>
+              <a:t> </a:t>
+            </a:r>
+            <a:r>
+              <a:rPr lang="de-DE" dirty="0" err="1" smtClean="0"/>
+              <a:t>vFabric</a:t>
+            </a:r>
             <a:endParaRPr lang="de-DE" dirty="0"/>
           </a:p>
         </p:txBody>
@@ -5495,7 +10344,7 @@
               <a:pPr>
                 <a:defRPr/>
               </a:pPr>
-              <a:t>4</a:t>
+              <a:t>7</a:t>
             </a:fld>
             <a:endParaRPr lang="en-US" dirty="0"/>
           </a:p>
@@ -5655,7 +10504,15 @@
                   <a:schemeClr val="bg1"/>
                 </a:solidFill>
               </a:rPr>
-              <a:t> 5.0 Beta</a:t>
+              <a:t> </a:t>
+            </a:r>
+            <a:r>
+              <a:rPr lang="de-DE" sz="1400" b="1" dirty="0" smtClean="0">
+                <a:solidFill>
+                  <a:schemeClr val="bg1"/>
+                </a:solidFill>
+              </a:rPr>
+              <a:t>5.0</a:t>
             </a:r>
             <a:endParaRPr lang="de-DE" sz="1400" b="1" dirty="0" smtClean="0">
               <a:solidFill>
@@ -5814,17 +10671,7 @@
                 <a:latin typeface="+mn-lt"/>
                 <a:ea typeface="+mn-ea"/>
               </a:rPr>
-              <a:t>s</a:t>
-            </a:r>
-            <a:r>
-              <a:rPr lang="de-DE" sz="1600" dirty="0" err="1" smtClean="0">
-                <a:solidFill>
-                  <a:srgbClr val="333333"/>
-                </a:solidFill>
-                <a:latin typeface="+mn-lt"/>
-                <a:ea typeface="+mn-ea"/>
-              </a:rPr>
-              <a:t>vn</a:t>
+              <a:t>svn</a:t>
             </a:r>
             <a:r>
               <a:rPr lang="de-DE" sz="1600" dirty="0" smtClean="0">
@@ -5946,17 +10793,7 @@
                 <a:latin typeface="+mn-lt"/>
                 <a:ea typeface="+mn-ea"/>
               </a:rPr>
-              <a:t>s</a:t>
-            </a:r>
-            <a:r>
-              <a:rPr lang="de-DE" sz="1600" dirty="0" err="1" smtClean="0">
-                <a:solidFill>
-                  <a:srgbClr val="333333"/>
-                </a:solidFill>
-                <a:latin typeface="+mn-lt"/>
-                <a:ea typeface="+mn-ea"/>
-              </a:rPr>
-              <a:t>vn</a:t>
+              <a:t>svn</a:t>
             </a:r>
             <a:r>
               <a:rPr lang="de-DE" sz="1600" dirty="0" smtClean="0">
@@ -6051,13 +10888,6 @@
               </a:rPr>
               <a:t>STS</a:t>
             </a:r>
-            <a:endParaRPr lang="de-DE" sz="2000" dirty="0" smtClean="0">
-              <a:solidFill>
-                <a:srgbClr val="333333"/>
-              </a:solidFill>
-              <a:latin typeface="+mn-lt"/>
-              <a:ea typeface="+mn-ea"/>
-            </a:endParaRPr>
           </a:p>
         </p:txBody>
       </p:sp>
@@ -6094,13 +10924,6 @@
               </a:rPr>
               <a:t>Jenkins</a:t>
             </a:r>
-            <a:endParaRPr lang="de-DE" sz="2000" dirty="0" smtClean="0">
-              <a:solidFill>
-                <a:srgbClr val="333333"/>
-              </a:solidFill>
-              <a:latin typeface="+mn-lt"/>
-              <a:ea typeface="+mn-ea"/>
-            </a:endParaRPr>
           </a:p>
         </p:txBody>
       </p:sp>
@@ -6217,68 +11040,13 @@
       </p:cxnSp>
       <p:sp>
         <p:nvSpPr>
-          <p:cNvPr id="33" name="Abgerundetes Rechteck 32"/>
-          <p:cNvSpPr/>
-          <p:nvPr/>
-        </p:nvSpPr>
-        <p:spPr bwMode="auto">
-          <a:xfrm>
-            <a:off x="6764996" y="3873305"/>
-            <a:ext cx="1259095" cy="606332"/>
-          </a:xfrm>
-          <a:prstGeom prst="roundRect">
-            <a:avLst/>
-          </a:prstGeom>
-          <a:solidFill>
-            <a:schemeClr val="accent1">
-              <a:lumMod val="40000"/>
-              <a:lumOff val="60000"/>
-            </a:schemeClr>
-          </a:solidFill>
-          <a:ln w="9525">
-            <a:noFill/>
-            <a:round/>
-            <a:headEnd/>
-            <a:tailEnd/>
-          </a:ln>
-          <a:effectLst>
-            <a:innerShdw blurRad="63500" dist="50800" dir="13500000">
-              <a:prstClr val="black">
-                <a:alpha val="50000"/>
-              </a:prstClr>
-            </a:innerShdw>
-          </a:effectLst>
-        </p:spPr>
-        <p:txBody>
-          <a:bodyPr/>
-          <a:lstStyle/>
-          <a:p>
-            <a:pPr algn="ctr"/>
-            <a:r>
-              <a:rPr lang="de-DE" sz="1200" dirty="0" smtClean="0">
-                <a:solidFill>
-                  <a:schemeClr val="bg1"/>
-                </a:solidFill>
-              </a:rPr>
-              <a:t>Server App</a:t>
-            </a:r>
-            <a:endParaRPr lang="de-DE" sz="1200" dirty="0">
-              <a:solidFill>
-                <a:schemeClr val="bg1"/>
-              </a:solidFill>
-            </a:endParaRPr>
-          </a:p>
-        </p:txBody>
-      </p:sp>
-      <p:sp>
-        <p:nvSpPr>
           <p:cNvPr id="36" name="Textfeld 35"/>
           <p:cNvSpPr txBox="1"/>
           <p:nvPr/>
         </p:nvSpPr>
         <p:spPr>
           <a:xfrm>
-            <a:off x="5022272" y="3094182"/>
+            <a:off x="5622612" y="2713197"/>
             <a:ext cx="1233932" cy="338554"/>
           </a:xfrm>
           <a:prstGeom prst="rect">
@@ -6311,7 +11079,17 @@
                 <a:latin typeface="+mn-lt"/>
                 <a:ea typeface="+mn-ea"/>
               </a:rPr>
-              <a:t>selenium</a:t>
+              <a:t>s</a:t>
+            </a:r>
+            <a:r>
+              <a:rPr lang="de-DE" sz="1600" dirty="0" err="1" smtClean="0">
+                <a:solidFill>
+                  <a:srgbClr val="333333"/>
+                </a:solidFill>
+                <a:latin typeface="+mn-lt"/>
+                <a:ea typeface="+mn-ea"/>
+              </a:rPr>
+              <a:t>elenium</a:t>
             </a:r>
             <a:endParaRPr lang="de-DE" sz="1600" dirty="0" smtClean="0">
               <a:solidFill>
@@ -6446,7 +11224,7 @@
         <p:spPr>
           <a:xfrm>
             <a:off x="4953004" y="865919"/>
-            <a:ext cx="2031325" cy="307777"/>
+            <a:ext cx="2280555" cy="338554"/>
           </a:xfrm>
           <a:prstGeom prst="rect">
             <a:avLst/>
@@ -6461,26 +11239,46 @@
           <a:p>
             <a:pPr algn="l"/>
             <a:r>
-              <a:rPr lang="de-DE" sz="1400" dirty="0" smtClean="0">
+              <a:rPr lang="de-DE" sz="1600" dirty="0">
                 <a:solidFill>
                   <a:srgbClr val="333333"/>
                 </a:solidFill>
                 <a:latin typeface="+mn-lt"/>
                 <a:ea typeface="+mn-ea"/>
               </a:rPr>
-              <a:t>6. Optional </a:t>
-            </a:r>
-            <a:r>
-              <a:rPr lang="de-DE" sz="1400" dirty="0" err="1" smtClean="0">
+              <a:t>8</a:t>
+            </a:r>
+            <a:r>
+              <a:rPr lang="de-DE" sz="1600" dirty="0" smtClean="0">
                 <a:solidFill>
                   <a:srgbClr val="333333"/>
                 </a:solidFill>
                 <a:latin typeface="+mn-lt"/>
                 <a:ea typeface="+mn-ea"/>
               </a:rPr>
+              <a:t>. </a:t>
+            </a:r>
+            <a:r>
+              <a:rPr lang="de-DE" sz="1600" dirty="0" smtClean="0">
+                <a:solidFill>
+                  <a:srgbClr val="333333"/>
+                </a:solidFill>
+                <a:latin typeface="+mn-lt"/>
+                <a:ea typeface="+mn-ea"/>
+              </a:rPr>
+              <a:t>Optional </a:t>
+            </a:r>
+            <a:r>
+              <a:rPr lang="de-DE" sz="1600" dirty="0" err="1" smtClean="0">
+                <a:solidFill>
+                  <a:srgbClr val="333333"/>
+                </a:solidFill>
+                <a:latin typeface="+mn-lt"/>
+                <a:ea typeface="+mn-ea"/>
+              </a:rPr>
               <a:t>deployment</a:t>
             </a:r>
-            <a:endParaRPr lang="de-DE" sz="1400" dirty="0" smtClean="0">
+            <a:endParaRPr lang="de-DE" sz="1600" dirty="0" smtClean="0">
               <a:solidFill>
                 <a:srgbClr val="333333"/>
               </a:solidFill>
@@ -6506,7 +11304,7 @@
         </p:blipFill>
         <p:spPr>
           <a:xfrm>
-            <a:off x="2720110" y="4479635"/>
+            <a:off x="2051710" y="4479635"/>
             <a:ext cx="1520622" cy="1558637"/>
           </a:xfrm>
           <a:prstGeom prst="rect">
@@ -6522,8 +11320,8 @@
         </p:nvCxnSpPr>
         <p:spPr bwMode="auto">
           <a:xfrm flipH="1">
-            <a:off x="3775364" y="1988127"/>
-            <a:ext cx="579581" cy="2722418"/>
+            <a:off x="2847474" y="1988127"/>
+            <a:ext cx="1507472" cy="2690820"/>
           </a:xfrm>
           <a:prstGeom prst="straightConnector1">
             <a:avLst/>
@@ -6551,7 +11349,7 @@
         </p:nvSpPr>
         <p:spPr>
           <a:xfrm>
-            <a:off x="4017820" y="3960096"/>
+            <a:off x="3242476" y="3960096"/>
             <a:ext cx="2519515" cy="523220"/>
           </a:xfrm>
           <a:prstGeom prst="rect">
@@ -6567,14 +11365,24 @@
           <a:p>
             <a:pPr algn="l"/>
             <a:r>
-              <a:rPr lang="de-DE" sz="1600" dirty="0" smtClean="0">
+              <a:rPr lang="de-DE" sz="1600" dirty="0">
                 <a:solidFill>
                   <a:srgbClr val="333333"/>
                 </a:solidFill>
                 <a:latin typeface="+mn-lt"/>
                 <a:ea typeface="+mn-ea"/>
               </a:rPr>
-              <a:t>7. </a:t>
+              <a:t>9</a:t>
+            </a:r>
+            <a:r>
+              <a:rPr lang="de-DE" sz="1600" dirty="0" smtClean="0">
+                <a:solidFill>
+                  <a:srgbClr val="333333"/>
+                </a:solidFill>
+                <a:latin typeface="+mn-lt"/>
+                <a:ea typeface="+mn-ea"/>
+              </a:rPr>
+              <a:t>. </a:t>
             </a:r>
             <a:r>
               <a:rPr lang="de-DE" sz="1600" dirty="0" err="1" smtClean="0">
@@ -6666,13 +11474,6 @@
               </a:rPr>
               <a:t> HTML5/JS</a:t>
             </a:r>
-            <a:endParaRPr lang="de-DE" sz="1200" dirty="0" smtClean="0">
-              <a:solidFill>
-                <a:srgbClr val="333333"/>
-              </a:solidFill>
-              <a:latin typeface="+mn-lt"/>
-              <a:ea typeface="+mn-ea"/>
-            </a:endParaRPr>
           </a:p>
         </p:txBody>
       </p:sp>
@@ -6692,7 +11493,7 @@
         </p:blipFill>
         <p:spPr>
           <a:xfrm>
-            <a:off x="4528128" y="4747491"/>
+            <a:off x="3939936" y="4747491"/>
             <a:ext cx="508924" cy="401782"/>
           </a:xfrm>
           <a:prstGeom prst="rect">
@@ -6716,7 +11517,7 @@
         </p:blipFill>
         <p:spPr>
           <a:xfrm>
-            <a:off x="4395354" y="5134264"/>
+            <a:off x="3874002" y="5134264"/>
             <a:ext cx="788555" cy="788555"/>
           </a:xfrm>
           <a:prstGeom prst="rect">
@@ -6740,7 +11541,7 @@
         </p:blipFill>
         <p:spPr>
           <a:xfrm>
-            <a:off x="5030354" y="4926445"/>
+            <a:off x="4509002" y="4926445"/>
             <a:ext cx="580736" cy="580736"/>
           </a:xfrm>
           <a:prstGeom prst="rect">
@@ -6764,7 +11565,7 @@
         </p:blipFill>
         <p:spPr>
           <a:xfrm>
-            <a:off x="5261264" y="5516418"/>
+            <a:off x="4739912" y="5516418"/>
             <a:ext cx="466199" cy="464127"/>
           </a:xfrm>
           <a:prstGeom prst="rect">
@@ -6780,7 +11581,7 @@
         </p:nvCxnSpPr>
         <p:spPr bwMode="auto">
           <a:xfrm>
-            <a:off x="3833091" y="5426364"/>
+            <a:off x="3244899" y="5426364"/>
             <a:ext cx="681182" cy="69272"/>
           </a:xfrm>
           <a:prstGeom prst="straightConnector1">
@@ -6801,6 +11602,286 @@
           <a:effectLst/>
         </p:spPr>
       </p:cxnSp>
+      <p:sp>
+        <p:nvSpPr>
+          <p:cNvPr id="35" name="Abgerundetes Rechteck 34"/>
+          <p:cNvSpPr/>
+          <p:nvPr/>
+        </p:nvSpPr>
+        <p:spPr bwMode="auto">
+          <a:xfrm>
+            <a:off x="6365706" y="5500498"/>
+            <a:ext cx="2056399" cy="755923"/>
+          </a:xfrm>
+          <a:prstGeom prst="roundRect">
+            <a:avLst/>
+          </a:prstGeom>
+          <a:solidFill>
+            <a:srgbClr val="0095D3"/>
+          </a:solidFill>
+          <a:ln w="9525">
+            <a:noFill/>
+            <a:round/>
+            <a:headEnd/>
+            <a:tailEnd/>
+          </a:ln>
+          <a:effectLst>
+            <a:innerShdw blurRad="63500" dist="50800" dir="13500000">
+              <a:prstClr val="black">
+                <a:alpha val="50000"/>
+              </a:prstClr>
+            </a:innerShdw>
+          </a:effectLst>
+        </p:spPr>
+        <p:txBody>
+          <a:bodyPr/>
+          <a:lstStyle/>
+          <a:p>
+            <a:pPr algn="ctr"/>
+            <a:r>
+              <a:rPr lang="de-DE" sz="1400" b="1" dirty="0" err="1" smtClean="0">
+                <a:solidFill>
+                  <a:schemeClr val="bg1"/>
+                </a:solidFill>
+              </a:rPr>
+              <a:t>vFabric</a:t>
+            </a:r>
+            <a:r>
+              <a:rPr lang="de-DE" sz="1400" b="1" dirty="0" smtClean="0">
+                <a:solidFill>
+                  <a:schemeClr val="bg1"/>
+                </a:solidFill>
+              </a:rPr>
+              <a:t> </a:t>
+            </a:r>
+            <a:r>
+              <a:rPr lang="de-DE" sz="1400" b="1" dirty="0" smtClean="0">
+                <a:solidFill>
+                  <a:schemeClr val="bg1"/>
+                </a:solidFill>
+              </a:rPr>
+              <a:t>APM</a:t>
+            </a:r>
+            <a:endParaRPr lang="de-DE" sz="1400" b="1" dirty="0" smtClean="0">
+              <a:solidFill>
+                <a:schemeClr val="bg1"/>
+              </a:solidFill>
+            </a:endParaRPr>
+          </a:p>
+          <a:p>
+            <a:pPr algn="ctr"/>
+            <a:endParaRPr lang="de-DE" sz="1400" b="1" dirty="0">
+              <a:solidFill>
+                <a:schemeClr val="bg1"/>
+              </a:solidFill>
+            </a:endParaRPr>
+          </a:p>
+        </p:txBody>
+      </p:sp>
+      <p:cxnSp>
+        <p:nvCxnSpPr>
+          <p:cNvPr id="38" name="Gerade Verbindung mit Pfeil 37"/>
+          <p:cNvCxnSpPr/>
+          <p:nvPr/>
+        </p:nvCxnSpPr>
+        <p:spPr bwMode="auto">
+          <a:xfrm>
+            <a:off x="4897586" y="1965042"/>
+            <a:ext cx="1914232" cy="2399140"/>
+          </a:xfrm>
+          <a:prstGeom prst="straightConnector1">
+            <a:avLst/>
+          </a:prstGeom>
+          <a:solidFill>
+            <a:srgbClr val="0095D3"/>
+          </a:solidFill>
+          <a:ln w="57150" cap="flat" cmpd="sng" algn="ctr">
+            <a:solidFill>
+              <a:schemeClr val="accent4"/>
+            </a:solidFill>
+            <a:prstDash val="solid"/>
+            <a:round/>
+            <a:headEnd type="none" w="med" len="med"/>
+            <a:tailEnd type="arrow"/>
+          </a:ln>
+          <a:effectLst/>
+        </p:spPr>
+      </p:cxnSp>
+      <p:sp>
+        <p:nvSpPr>
+          <p:cNvPr id="7" name="Textfeld 6"/>
+          <p:cNvSpPr txBox="1"/>
+          <p:nvPr/>
+        </p:nvSpPr>
+        <p:spPr>
+          <a:xfrm>
+            <a:off x="5349191" y="3532909"/>
+            <a:ext cx="982861" cy="338554"/>
+          </a:xfrm>
+          <a:prstGeom prst="rect">
+            <a:avLst/>
+          </a:prstGeom>
+          <a:noFill/>
+        </p:spPr>
+        <p:txBody>
+          <a:bodyPr wrap="none" rtlCol="0">
+            <a:spAutoFit/>
+          </a:bodyPr>
+          <a:lstStyle/>
+          <a:p>
+            <a:pPr algn="l"/>
+            <a:r>
+              <a:rPr lang="de-DE" sz="1600" dirty="0" smtClean="0">
+                <a:solidFill>
+                  <a:srgbClr val="333333"/>
+                </a:solidFill>
+                <a:latin typeface="+mn-lt"/>
+                <a:ea typeface="+mn-ea"/>
+              </a:rPr>
+              <a:t>6. </a:t>
+            </a:r>
+            <a:r>
+              <a:rPr lang="de-DE" sz="1600" dirty="0" err="1" smtClean="0">
+                <a:solidFill>
+                  <a:srgbClr val="333333"/>
+                </a:solidFill>
+                <a:latin typeface="+mn-lt"/>
+                <a:ea typeface="+mn-ea"/>
+              </a:rPr>
+              <a:t>jm</a:t>
+            </a:r>
+            <a:r>
+              <a:rPr lang="de-DE" sz="1600" dirty="0" err="1" smtClean="0">
+                <a:solidFill>
+                  <a:srgbClr val="333333"/>
+                </a:solidFill>
+                <a:latin typeface="+mn-lt"/>
+                <a:ea typeface="+mn-ea"/>
+              </a:rPr>
+              <a:t>eter</a:t>
+            </a:r>
+            <a:endParaRPr lang="de-DE" sz="1600" dirty="0" smtClean="0">
+              <a:solidFill>
+                <a:srgbClr val="333333"/>
+              </a:solidFill>
+              <a:latin typeface="+mn-lt"/>
+              <a:ea typeface="+mn-ea"/>
+            </a:endParaRPr>
+          </a:p>
+        </p:txBody>
+      </p:sp>
+      <p:cxnSp>
+        <p:nvCxnSpPr>
+          <p:cNvPr id="40" name="Gerade Verbindung mit Pfeil 39"/>
+          <p:cNvCxnSpPr/>
+          <p:nvPr/>
+        </p:nvCxnSpPr>
+        <p:spPr bwMode="auto">
+          <a:xfrm flipH="1">
+            <a:off x="6697580" y="4518526"/>
+            <a:ext cx="147052" cy="1029369"/>
+          </a:xfrm>
+          <a:prstGeom prst="straightConnector1">
+            <a:avLst/>
+          </a:prstGeom>
+          <a:solidFill>
+            <a:srgbClr val="0095D3"/>
+          </a:solidFill>
+          <a:ln w="57150" cap="flat" cmpd="sng" algn="ctr">
+            <a:solidFill>
+              <a:schemeClr val="accent4"/>
+            </a:solidFill>
+            <a:prstDash val="solid"/>
+            <a:round/>
+            <a:headEnd type="none" w="med" len="med"/>
+            <a:tailEnd type="arrow"/>
+          </a:ln>
+          <a:effectLst/>
+        </p:spPr>
+      </p:cxnSp>
+      <p:sp>
+        <p:nvSpPr>
+          <p:cNvPr id="45" name="Textfeld 44"/>
+          <p:cNvSpPr txBox="1"/>
+          <p:nvPr/>
+        </p:nvSpPr>
+        <p:spPr>
+          <a:xfrm>
+            <a:off x="5754989" y="4711647"/>
+            <a:ext cx="1564651" cy="584776"/>
+          </a:xfrm>
+          <a:prstGeom prst="rect">
+            <a:avLst/>
+          </a:prstGeom>
+          <a:noFill/>
+        </p:spPr>
+        <p:txBody>
+          <a:bodyPr wrap="none" rtlCol="0">
+            <a:spAutoFit/>
+          </a:bodyPr>
+          <a:lstStyle/>
+          <a:p>
+            <a:pPr algn="l"/>
+            <a:r>
+              <a:rPr lang="de-DE" sz="1600" dirty="0">
+                <a:solidFill>
+                  <a:srgbClr val="333333"/>
+                </a:solidFill>
+                <a:latin typeface="+mn-lt"/>
+                <a:ea typeface="+mn-ea"/>
+              </a:rPr>
+              <a:t>7</a:t>
+            </a:r>
+            <a:r>
+              <a:rPr lang="de-DE" sz="1600" dirty="0" smtClean="0">
+                <a:solidFill>
+                  <a:srgbClr val="333333"/>
+                </a:solidFill>
+                <a:latin typeface="+mn-lt"/>
+                <a:ea typeface="+mn-ea"/>
+              </a:rPr>
+              <a:t>. </a:t>
+            </a:r>
+            <a:r>
+              <a:rPr lang="de-DE" sz="1600" dirty="0" err="1" smtClean="0">
+                <a:solidFill>
+                  <a:srgbClr val="333333"/>
+                </a:solidFill>
+                <a:latin typeface="+mn-lt"/>
+                <a:ea typeface="+mn-ea"/>
+              </a:rPr>
+              <a:t>performance</a:t>
+            </a:r>
+            <a:endParaRPr lang="de-DE" sz="1600" dirty="0" smtClean="0">
+              <a:solidFill>
+                <a:srgbClr val="333333"/>
+              </a:solidFill>
+              <a:latin typeface="+mn-lt"/>
+              <a:ea typeface="+mn-ea"/>
+            </a:endParaRPr>
+          </a:p>
+          <a:p>
+            <a:pPr algn="l"/>
+            <a:r>
+              <a:rPr lang="de-DE" sz="1600" dirty="0" err="1" smtClean="0">
+                <a:solidFill>
+                  <a:srgbClr val="333333"/>
+                </a:solidFill>
+                <a:latin typeface="+mn-lt"/>
+                <a:ea typeface="+mn-ea"/>
+              </a:rPr>
+              <a:t>data</a:t>
+            </a:r>
+            <a:endParaRPr lang="de-DE" sz="1600" dirty="0" smtClean="0">
+              <a:solidFill>
+                <a:srgbClr val="333333"/>
+              </a:solidFill>
+              <a:latin typeface="+mn-lt"/>
+              <a:ea typeface="+mn-ea"/>
+            </a:endParaRPr>
+          </a:p>
+        </p:txBody>
+      </p:sp>
     </p:spTree>
     <p:extLst>
       <p:ext uri="{BB962C8B-B14F-4D97-AF65-F5344CB8AC3E}">
@@ -6824,1915 +11905,7 @@
 </p:sld>
 </file>
 
-<file path=ppt/slides/slide5.xml><?xml version="1.0" encoding="utf-8"?>
-<p:sld xmlns:a="http://schemas.openxmlformats.org/drawingml/2006/main" xmlns:r="http://schemas.openxmlformats.org/officeDocument/2006/relationships" xmlns:p="http://schemas.openxmlformats.org/presentationml/2006/main">
-  <p:cSld>
-    <p:spTree>
-      <p:nvGrpSpPr>
-        <p:cNvPr id="1" name=""/>
-        <p:cNvGrpSpPr/>
-        <p:nvPr/>
-      </p:nvGrpSpPr>
-      <p:grpSpPr>
-        <a:xfrm>
-          <a:off x="0" y="0"/>
-          <a:ext cx="0" cy="0"/>
-          <a:chOff x="0" y="0"/>
-          <a:chExt cx="0" cy="0"/>
-        </a:xfrm>
-      </p:grpSpPr>
-      <p:sp>
-        <p:nvSpPr>
-          <p:cNvPr id="2" name="Titel 1"/>
-          <p:cNvSpPr>
-            <a:spLocks noGrp="1"/>
-          </p:cNvSpPr>
-          <p:nvPr>
-            <p:ph type="title"/>
-          </p:nvPr>
-        </p:nvSpPr>
-        <p:spPr/>
-        <p:txBody>
-          <a:bodyPr/>
-          <a:lstStyle/>
-          <a:p>
-            <a:r>
-              <a:rPr lang="de-DE" dirty="0" err="1" smtClean="0"/>
-              <a:t>Remarks</a:t>
-            </a:r>
-            <a:endParaRPr lang="de-DE" dirty="0"/>
-          </a:p>
-        </p:txBody>
-      </p:sp>
-      <p:sp>
-        <p:nvSpPr>
-          <p:cNvPr id="4" name="Foliennummernplatzhalter 3"/>
-          <p:cNvSpPr>
-            <a:spLocks noGrp="1"/>
-          </p:cNvSpPr>
-          <p:nvPr>
-            <p:ph type="sldNum" sz="quarter" idx="14"/>
-          </p:nvPr>
-        </p:nvSpPr>
-        <p:spPr/>
-        <p:txBody>
-          <a:bodyPr/>
-          <a:lstStyle/>
-          <a:p>
-            <a:pPr>
-              <a:defRPr/>
-            </a:pPr>
-            <a:fld id="{95560C5B-E97B-43F7-A778-89AB47913A2E}" type="slidenum">
-              <a:rPr lang="en-US" smtClean="0"/>
-              <a:pPr>
-                <a:defRPr/>
-              </a:pPr>
-              <a:t>5</a:t>
-            </a:fld>
-            <a:endParaRPr lang="en-US" dirty="0"/>
-          </a:p>
-        </p:txBody>
-      </p:sp>
-      <p:sp>
-        <p:nvSpPr>
-          <p:cNvPr id="3" name="Textfeld 2"/>
-          <p:cNvSpPr txBox="1"/>
-          <p:nvPr/>
-        </p:nvSpPr>
-        <p:spPr>
-          <a:xfrm>
-            <a:off x="554182" y="1085273"/>
-            <a:ext cx="8116454" cy="4093428"/>
-          </a:xfrm>
-          <a:prstGeom prst="rect">
-            <a:avLst/>
-          </a:prstGeom>
-          <a:noFill/>
-        </p:spPr>
-        <p:txBody>
-          <a:bodyPr wrap="square" rtlCol="0">
-            <a:spAutoFit/>
-          </a:bodyPr>
-          <a:lstStyle/>
-          <a:p>
-            <a:pPr marL="342900" indent="-342900" algn="l">
-              <a:buFont typeface="Arial"/>
-              <a:buChar char="•"/>
-            </a:pPr>
-            <a:r>
-              <a:rPr lang="de-DE" sz="2000" dirty="0" err="1" smtClean="0">
-                <a:solidFill>
-                  <a:srgbClr val="333333"/>
-                </a:solidFill>
-                <a:latin typeface="+mn-lt"/>
-                <a:ea typeface="+mn-ea"/>
-              </a:rPr>
-              <a:t>Fully</a:t>
-            </a:r>
-            <a:r>
-              <a:rPr lang="de-DE" sz="2000" dirty="0" smtClean="0">
-                <a:solidFill>
-                  <a:srgbClr val="333333"/>
-                </a:solidFill>
-                <a:latin typeface="+mn-lt"/>
-                <a:ea typeface="+mn-ea"/>
-              </a:rPr>
-              <a:t> </a:t>
-            </a:r>
-            <a:r>
-              <a:rPr lang="de-DE" sz="2000" dirty="0" err="1" smtClean="0">
-                <a:solidFill>
-                  <a:srgbClr val="333333"/>
-                </a:solidFill>
-                <a:latin typeface="+mn-lt"/>
-                <a:ea typeface="+mn-ea"/>
-              </a:rPr>
-              <a:t>automated</a:t>
-            </a:r>
-            <a:r>
-              <a:rPr lang="de-DE" sz="2000" dirty="0" smtClean="0">
-                <a:solidFill>
-                  <a:srgbClr val="333333"/>
-                </a:solidFill>
-                <a:latin typeface="+mn-lt"/>
-                <a:ea typeface="+mn-ea"/>
-              </a:rPr>
-              <a:t> </a:t>
-            </a:r>
-            <a:r>
-              <a:rPr lang="de-DE" sz="2000" dirty="0" err="1" smtClean="0">
-                <a:solidFill>
-                  <a:srgbClr val="333333"/>
-                </a:solidFill>
-                <a:latin typeface="+mn-lt"/>
-                <a:ea typeface="+mn-ea"/>
-              </a:rPr>
-              <a:t>build</a:t>
-            </a:r>
-            <a:r>
-              <a:rPr lang="de-DE" sz="2000" dirty="0" smtClean="0">
-                <a:solidFill>
-                  <a:srgbClr val="333333"/>
-                </a:solidFill>
-                <a:latin typeface="+mn-lt"/>
-                <a:ea typeface="+mn-ea"/>
-              </a:rPr>
-              <a:t>, </a:t>
-            </a:r>
-            <a:r>
-              <a:rPr lang="de-DE" sz="2000" dirty="0" err="1" smtClean="0">
-                <a:solidFill>
-                  <a:srgbClr val="333333"/>
-                </a:solidFill>
-                <a:latin typeface="+mn-lt"/>
-                <a:ea typeface="+mn-ea"/>
-              </a:rPr>
-              <a:t>junit</a:t>
-            </a:r>
-            <a:r>
-              <a:rPr lang="de-DE" sz="2000" dirty="0" smtClean="0">
-                <a:solidFill>
-                  <a:srgbClr val="333333"/>
-                </a:solidFill>
-                <a:latin typeface="+mn-lt"/>
-                <a:ea typeface="+mn-ea"/>
-              </a:rPr>
-              <a:t>, </a:t>
-            </a:r>
-            <a:r>
-              <a:rPr lang="de-DE" sz="2000" dirty="0" err="1" smtClean="0">
-                <a:solidFill>
-                  <a:srgbClr val="333333"/>
-                </a:solidFill>
-                <a:latin typeface="+mn-lt"/>
-                <a:ea typeface="+mn-ea"/>
-              </a:rPr>
-              <a:t>provision</a:t>
-            </a:r>
-            <a:r>
-              <a:rPr lang="de-DE" sz="2000" dirty="0" smtClean="0">
-                <a:solidFill>
-                  <a:srgbClr val="333333"/>
-                </a:solidFill>
-                <a:latin typeface="+mn-lt"/>
-                <a:ea typeface="+mn-ea"/>
-              </a:rPr>
-              <a:t>, </a:t>
-            </a:r>
-            <a:r>
-              <a:rPr lang="de-DE" sz="2000" dirty="0" err="1" smtClean="0">
-                <a:solidFill>
-                  <a:srgbClr val="333333"/>
-                </a:solidFill>
-                <a:latin typeface="+mn-lt"/>
-                <a:ea typeface="+mn-ea"/>
-              </a:rPr>
-              <a:t>deploy</a:t>
-            </a:r>
-            <a:r>
-              <a:rPr lang="de-DE" sz="2000" dirty="0" smtClean="0">
-                <a:solidFill>
-                  <a:srgbClr val="333333"/>
-                </a:solidFill>
-                <a:latin typeface="+mn-lt"/>
-                <a:ea typeface="+mn-ea"/>
-              </a:rPr>
-              <a:t>, </a:t>
-            </a:r>
-            <a:r>
-              <a:rPr lang="de-DE" sz="2000" dirty="0" err="1" smtClean="0">
-                <a:solidFill>
-                  <a:srgbClr val="333333"/>
-                </a:solidFill>
-                <a:latin typeface="+mn-lt"/>
-                <a:ea typeface="+mn-ea"/>
-              </a:rPr>
-              <a:t>integration</a:t>
-            </a:r>
-            <a:r>
-              <a:rPr lang="de-DE" sz="2000" dirty="0" smtClean="0">
-                <a:solidFill>
-                  <a:srgbClr val="333333"/>
-                </a:solidFill>
-                <a:latin typeface="+mn-lt"/>
-                <a:ea typeface="+mn-ea"/>
-              </a:rPr>
-              <a:t> </a:t>
-            </a:r>
-            <a:r>
-              <a:rPr lang="de-DE" sz="2000" dirty="0" err="1" smtClean="0">
-                <a:solidFill>
-                  <a:srgbClr val="333333"/>
-                </a:solidFill>
-                <a:latin typeface="+mn-lt"/>
-                <a:ea typeface="+mn-ea"/>
-              </a:rPr>
-              <a:t>test</a:t>
-            </a:r>
-            <a:endParaRPr lang="de-DE" sz="2000" dirty="0" smtClean="0">
-              <a:solidFill>
-                <a:srgbClr val="333333"/>
-              </a:solidFill>
-              <a:latin typeface="+mn-lt"/>
-              <a:ea typeface="+mn-ea"/>
-            </a:endParaRPr>
-          </a:p>
-          <a:p>
-            <a:pPr marL="342900" indent="-342900" algn="l">
-              <a:buFont typeface="Arial"/>
-              <a:buChar char="•"/>
-            </a:pPr>
-            <a:r>
-              <a:rPr lang="de-DE" sz="2000" dirty="0" err="1" smtClean="0">
-                <a:solidFill>
-                  <a:srgbClr val="333333"/>
-                </a:solidFill>
-                <a:latin typeface="+mn-lt"/>
-                <a:ea typeface="+mn-ea"/>
-              </a:rPr>
-              <a:t>To</a:t>
-            </a:r>
-            <a:r>
-              <a:rPr lang="de-DE" sz="2000" dirty="0" smtClean="0">
-                <a:solidFill>
-                  <a:srgbClr val="333333"/>
-                </a:solidFill>
-                <a:latin typeface="+mn-lt"/>
-                <a:ea typeface="+mn-ea"/>
-              </a:rPr>
-              <a:t> </a:t>
-            </a:r>
-            <a:r>
-              <a:rPr lang="de-DE" sz="2000" dirty="0" err="1" smtClean="0">
-                <a:solidFill>
-                  <a:srgbClr val="333333"/>
-                </a:solidFill>
-                <a:latin typeface="+mn-lt"/>
-                <a:ea typeface="+mn-ea"/>
-              </a:rPr>
-              <a:t>make</a:t>
-            </a:r>
-            <a:r>
-              <a:rPr lang="de-DE" sz="2000" dirty="0" smtClean="0">
-                <a:solidFill>
-                  <a:srgbClr val="333333"/>
-                </a:solidFill>
-                <a:latin typeface="+mn-lt"/>
-                <a:ea typeface="+mn-ea"/>
-              </a:rPr>
-              <a:t> </a:t>
-            </a:r>
-            <a:r>
-              <a:rPr lang="de-DE" sz="2000" dirty="0" err="1" smtClean="0">
-                <a:solidFill>
-                  <a:srgbClr val="333333"/>
-                </a:solidFill>
-                <a:latin typeface="+mn-lt"/>
-                <a:ea typeface="+mn-ea"/>
-              </a:rPr>
-              <a:t>it</a:t>
-            </a:r>
-            <a:r>
-              <a:rPr lang="de-DE" sz="2000" dirty="0" smtClean="0">
-                <a:solidFill>
-                  <a:srgbClr val="333333"/>
-                </a:solidFill>
-                <a:latin typeface="+mn-lt"/>
-                <a:ea typeface="+mn-ea"/>
-              </a:rPr>
-              <a:t> a </a:t>
-            </a:r>
-            <a:r>
-              <a:rPr lang="de-DE" sz="2000" dirty="0" err="1" smtClean="0">
-                <a:solidFill>
-                  <a:srgbClr val="333333"/>
-                </a:solidFill>
-                <a:latin typeface="+mn-lt"/>
-                <a:ea typeface="+mn-ea"/>
-              </a:rPr>
-              <a:t>Continuous</a:t>
-            </a:r>
-            <a:r>
-              <a:rPr lang="de-DE" sz="2000" dirty="0" smtClean="0">
-                <a:solidFill>
-                  <a:srgbClr val="333333"/>
-                </a:solidFill>
-                <a:latin typeface="+mn-lt"/>
-                <a:ea typeface="+mn-ea"/>
-              </a:rPr>
-              <a:t> </a:t>
-            </a:r>
-            <a:r>
-              <a:rPr lang="de-DE" sz="2000" dirty="0" err="1" smtClean="0">
-                <a:solidFill>
-                  <a:srgbClr val="333333"/>
-                </a:solidFill>
-                <a:latin typeface="+mn-lt"/>
-                <a:ea typeface="+mn-ea"/>
-              </a:rPr>
-              <a:t>Delivery</a:t>
-            </a:r>
-            <a:r>
-              <a:rPr lang="de-DE" sz="2000" dirty="0" smtClean="0">
-                <a:solidFill>
-                  <a:srgbClr val="333333"/>
-                </a:solidFill>
-                <a:latin typeface="+mn-lt"/>
-                <a:ea typeface="+mn-ea"/>
-              </a:rPr>
-              <a:t> </a:t>
-            </a:r>
-            <a:r>
-              <a:rPr lang="de-DE" sz="2000" dirty="0" err="1" smtClean="0">
-                <a:solidFill>
-                  <a:srgbClr val="333333"/>
-                </a:solidFill>
-                <a:latin typeface="+mn-lt"/>
-                <a:ea typeface="+mn-ea"/>
-              </a:rPr>
-              <a:t>you</a:t>
-            </a:r>
-            <a:r>
-              <a:rPr lang="de-DE" sz="2000" dirty="0" smtClean="0">
-                <a:solidFill>
-                  <a:srgbClr val="333333"/>
-                </a:solidFill>
-                <a:latin typeface="+mn-lt"/>
-                <a:ea typeface="+mn-ea"/>
-              </a:rPr>
-              <a:t> </a:t>
-            </a:r>
-            <a:r>
-              <a:rPr lang="de-DE" sz="2000" dirty="0" err="1" smtClean="0">
-                <a:solidFill>
-                  <a:srgbClr val="333333"/>
-                </a:solidFill>
-                <a:latin typeface="+mn-lt"/>
-                <a:ea typeface="+mn-ea"/>
-              </a:rPr>
-              <a:t>would</a:t>
-            </a:r>
-            <a:r>
-              <a:rPr lang="de-DE" sz="2000" dirty="0" smtClean="0">
-                <a:solidFill>
-                  <a:srgbClr val="333333"/>
-                </a:solidFill>
-                <a:latin typeface="+mn-lt"/>
-                <a:ea typeface="+mn-ea"/>
-              </a:rPr>
-              <a:t> update </a:t>
-            </a:r>
-            <a:r>
-              <a:rPr lang="de-DE" sz="2000" dirty="0" err="1" smtClean="0">
-                <a:solidFill>
-                  <a:srgbClr val="333333"/>
-                </a:solidFill>
-                <a:latin typeface="+mn-lt"/>
-                <a:ea typeface="+mn-ea"/>
-              </a:rPr>
-              <a:t>your</a:t>
-            </a:r>
-            <a:r>
-              <a:rPr lang="de-DE" sz="2000" dirty="0" smtClean="0">
-                <a:solidFill>
-                  <a:srgbClr val="333333"/>
-                </a:solidFill>
-                <a:latin typeface="+mn-lt"/>
-                <a:ea typeface="+mn-ea"/>
-              </a:rPr>
-              <a:t> </a:t>
-            </a:r>
-            <a:r>
-              <a:rPr lang="de-DE" sz="2000" dirty="0" err="1" smtClean="0">
-                <a:solidFill>
-                  <a:srgbClr val="333333"/>
-                </a:solidFill>
-                <a:latin typeface="+mn-lt"/>
-                <a:ea typeface="+mn-ea"/>
-              </a:rPr>
-              <a:t>production</a:t>
-            </a:r>
-            <a:r>
-              <a:rPr lang="de-DE" sz="2000" dirty="0" smtClean="0">
-                <a:solidFill>
-                  <a:srgbClr val="333333"/>
-                </a:solidFill>
-                <a:latin typeface="+mn-lt"/>
-                <a:ea typeface="+mn-ea"/>
-              </a:rPr>
-              <a:t> war </a:t>
-            </a:r>
-            <a:r>
-              <a:rPr lang="de-DE" sz="2000" dirty="0" err="1" smtClean="0">
-                <a:solidFill>
-                  <a:srgbClr val="333333"/>
-                </a:solidFill>
-                <a:latin typeface="+mn-lt"/>
-                <a:ea typeface="+mn-ea"/>
-              </a:rPr>
-              <a:t>file</a:t>
-            </a:r>
-            <a:r>
-              <a:rPr lang="de-DE" sz="2000" dirty="0" smtClean="0">
-                <a:solidFill>
-                  <a:srgbClr val="333333"/>
-                </a:solidFill>
-                <a:latin typeface="+mn-lt"/>
-                <a:ea typeface="+mn-ea"/>
-              </a:rPr>
-              <a:t> after </a:t>
-            </a:r>
-            <a:r>
-              <a:rPr lang="de-DE" sz="2000" dirty="0" err="1" smtClean="0">
-                <a:solidFill>
-                  <a:srgbClr val="333333"/>
-                </a:solidFill>
-                <a:latin typeface="+mn-lt"/>
-                <a:ea typeface="+mn-ea"/>
-              </a:rPr>
-              <a:t>you</a:t>
-            </a:r>
-            <a:r>
-              <a:rPr lang="de-DE" sz="2000" dirty="0" smtClean="0">
-                <a:solidFill>
-                  <a:srgbClr val="333333"/>
-                </a:solidFill>
-                <a:latin typeface="+mn-lt"/>
-                <a:ea typeface="+mn-ea"/>
-              </a:rPr>
-              <a:t> </a:t>
-            </a:r>
-            <a:r>
-              <a:rPr lang="de-DE" sz="2000" dirty="0" err="1" smtClean="0">
-                <a:solidFill>
-                  <a:srgbClr val="333333"/>
-                </a:solidFill>
-                <a:latin typeface="+mn-lt"/>
-                <a:ea typeface="+mn-ea"/>
-              </a:rPr>
-              <a:t>successfully</a:t>
-            </a:r>
-            <a:r>
-              <a:rPr lang="de-DE" sz="2000" dirty="0" smtClean="0">
-                <a:solidFill>
-                  <a:srgbClr val="333333"/>
-                </a:solidFill>
-                <a:latin typeface="+mn-lt"/>
-                <a:ea typeface="+mn-ea"/>
-              </a:rPr>
-              <a:t> </a:t>
-            </a:r>
-            <a:r>
-              <a:rPr lang="de-DE" sz="2000" dirty="0" err="1" smtClean="0">
-                <a:solidFill>
-                  <a:srgbClr val="333333"/>
-                </a:solidFill>
-                <a:latin typeface="+mn-lt"/>
-                <a:ea typeface="+mn-ea"/>
-              </a:rPr>
-              <a:t>passed</a:t>
-            </a:r>
-            <a:r>
-              <a:rPr lang="de-DE" sz="2000" dirty="0" smtClean="0">
-                <a:solidFill>
-                  <a:srgbClr val="333333"/>
-                </a:solidFill>
-                <a:latin typeface="+mn-lt"/>
-                <a:ea typeface="+mn-ea"/>
-              </a:rPr>
-              <a:t> </a:t>
-            </a:r>
-            <a:r>
-              <a:rPr lang="de-DE" sz="2000" dirty="0" err="1" smtClean="0">
-                <a:solidFill>
-                  <a:srgbClr val="333333"/>
-                </a:solidFill>
-                <a:latin typeface="+mn-lt"/>
-                <a:ea typeface="+mn-ea"/>
-              </a:rPr>
-              <a:t>the</a:t>
-            </a:r>
-            <a:r>
-              <a:rPr lang="de-DE" sz="2000" dirty="0" smtClean="0">
-                <a:solidFill>
-                  <a:srgbClr val="333333"/>
-                </a:solidFill>
-                <a:latin typeface="+mn-lt"/>
-                <a:ea typeface="+mn-ea"/>
-              </a:rPr>
-              <a:t> </a:t>
-            </a:r>
-            <a:r>
-              <a:rPr lang="de-DE" sz="2000" dirty="0" err="1" smtClean="0">
-                <a:solidFill>
-                  <a:srgbClr val="333333"/>
-                </a:solidFill>
-                <a:latin typeface="+mn-lt"/>
-                <a:ea typeface="+mn-ea"/>
-              </a:rPr>
-              <a:t>integration</a:t>
-            </a:r>
-            <a:r>
-              <a:rPr lang="de-DE" sz="2000" dirty="0" smtClean="0">
-                <a:solidFill>
-                  <a:srgbClr val="333333"/>
-                </a:solidFill>
-                <a:latin typeface="+mn-lt"/>
-                <a:ea typeface="+mn-ea"/>
-              </a:rPr>
-              <a:t> </a:t>
-            </a:r>
-            <a:r>
-              <a:rPr lang="de-DE" sz="2000" dirty="0" err="1" smtClean="0">
-                <a:solidFill>
-                  <a:srgbClr val="333333"/>
-                </a:solidFill>
-                <a:latin typeface="+mn-lt"/>
-                <a:ea typeface="+mn-ea"/>
-              </a:rPr>
-              <a:t>tests</a:t>
-            </a:r>
-            <a:endParaRPr lang="de-DE" sz="2000" dirty="0" smtClean="0">
-              <a:solidFill>
-                <a:srgbClr val="333333"/>
-              </a:solidFill>
-              <a:latin typeface="+mn-lt"/>
-              <a:ea typeface="+mn-ea"/>
-            </a:endParaRPr>
-          </a:p>
-          <a:p>
-            <a:pPr marL="342900" indent="-342900" algn="l">
-              <a:buFont typeface="Arial"/>
-              <a:buChar char="•"/>
-            </a:pPr>
-            <a:r>
-              <a:rPr lang="de-DE" sz="2000" dirty="0" err="1" smtClean="0">
-                <a:solidFill>
-                  <a:srgbClr val="333333"/>
-                </a:solidFill>
-                <a:latin typeface="+mn-lt"/>
-                <a:ea typeface="+mn-ea"/>
-              </a:rPr>
-              <a:t>You</a:t>
-            </a:r>
-            <a:r>
-              <a:rPr lang="de-DE" sz="2000" dirty="0" smtClean="0">
-                <a:solidFill>
-                  <a:srgbClr val="333333"/>
-                </a:solidFill>
-                <a:latin typeface="+mn-lt"/>
-                <a:ea typeface="+mn-ea"/>
-              </a:rPr>
-              <a:t> </a:t>
-            </a:r>
-            <a:r>
-              <a:rPr lang="de-DE" sz="2000" dirty="0" err="1" smtClean="0">
-                <a:solidFill>
-                  <a:srgbClr val="333333"/>
-                </a:solidFill>
-                <a:latin typeface="+mn-lt"/>
-                <a:ea typeface="+mn-ea"/>
-              </a:rPr>
-              <a:t>can</a:t>
-            </a:r>
-            <a:r>
-              <a:rPr lang="de-DE" sz="2000" dirty="0" smtClean="0">
-                <a:solidFill>
-                  <a:srgbClr val="333333"/>
-                </a:solidFill>
-                <a:latin typeface="+mn-lt"/>
-                <a:ea typeface="+mn-ea"/>
-              </a:rPr>
-              <a:t> </a:t>
-            </a:r>
-            <a:r>
-              <a:rPr lang="de-DE" sz="2000" dirty="0" err="1" smtClean="0">
-                <a:solidFill>
-                  <a:srgbClr val="333333"/>
-                </a:solidFill>
-                <a:latin typeface="+mn-lt"/>
-                <a:ea typeface="+mn-ea"/>
-              </a:rPr>
-              <a:t>extend</a:t>
-            </a:r>
-            <a:r>
-              <a:rPr lang="de-DE" sz="2000" dirty="0" smtClean="0">
-                <a:solidFill>
-                  <a:srgbClr val="333333"/>
-                </a:solidFill>
-                <a:latin typeface="+mn-lt"/>
-                <a:ea typeface="+mn-ea"/>
-              </a:rPr>
-              <a:t> </a:t>
-            </a:r>
-            <a:r>
-              <a:rPr lang="de-DE" sz="2000" dirty="0" err="1" smtClean="0">
-                <a:solidFill>
-                  <a:srgbClr val="333333"/>
-                </a:solidFill>
-                <a:latin typeface="+mn-lt"/>
-                <a:ea typeface="+mn-ea"/>
-              </a:rPr>
-              <a:t>the</a:t>
-            </a:r>
-            <a:r>
-              <a:rPr lang="de-DE" sz="2000" dirty="0" smtClean="0">
-                <a:solidFill>
-                  <a:srgbClr val="333333"/>
-                </a:solidFill>
-                <a:latin typeface="+mn-lt"/>
-                <a:ea typeface="+mn-ea"/>
-              </a:rPr>
-              <a:t> </a:t>
-            </a:r>
-            <a:r>
-              <a:rPr lang="de-DE" sz="2000" dirty="0" err="1" smtClean="0">
-                <a:solidFill>
-                  <a:srgbClr val="333333"/>
-                </a:solidFill>
-                <a:latin typeface="+mn-lt"/>
-                <a:ea typeface="+mn-ea"/>
-              </a:rPr>
-              <a:t>demo</a:t>
-            </a:r>
-            <a:r>
-              <a:rPr lang="de-DE" sz="2000" dirty="0" smtClean="0">
-                <a:solidFill>
-                  <a:srgbClr val="333333"/>
-                </a:solidFill>
-                <a:latin typeface="+mn-lt"/>
-                <a:ea typeface="+mn-ea"/>
-              </a:rPr>
-              <a:t> </a:t>
-            </a:r>
-            <a:r>
-              <a:rPr lang="de-DE" sz="2000" dirty="0" err="1" smtClean="0">
-                <a:solidFill>
-                  <a:srgbClr val="333333"/>
-                </a:solidFill>
-                <a:latin typeface="+mn-lt"/>
-                <a:ea typeface="+mn-ea"/>
-              </a:rPr>
-              <a:t>with</a:t>
-            </a:r>
-            <a:r>
-              <a:rPr lang="de-DE" sz="2000" dirty="0" smtClean="0">
-                <a:solidFill>
-                  <a:srgbClr val="333333"/>
-                </a:solidFill>
-                <a:latin typeface="+mn-lt"/>
-                <a:ea typeface="+mn-ea"/>
-              </a:rPr>
-              <a:t> APM</a:t>
-            </a:r>
-          </a:p>
-          <a:p>
-            <a:pPr marL="342900" indent="-342900" algn="l">
-              <a:buFont typeface="Arial"/>
-              <a:buChar char="•"/>
-            </a:pPr>
-            <a:r>
-              <a:rPr lang="de-DE" sz="2000" dirty="0" err="1" smtClean="0">
-                <a:solidFill>
-                  <a:srgbClr val="333333"/>
-                </a:solidFill>
-                <a:latin typeface="+mn-lt"/>
-                <a:ea typeface="+mn-ea"/>
-              </a:rPr>
-              <a:t>MongoDB</a:t>
-            </a:r>
-            <a:r>
-              <a:rPr lang="de-DE" sz="2000" dirty="0" smtClean="0">
-                <a:solidFill>
-                  <a:srgbClr val="333333"/>
-                </a:solidFill>
-                <a:latin typeface="+mn-lt"/>
-                <a:ea typeface="+mn-ea"/>
-              </a:rPr>
-              <a:t> not </a:t>
-            </a:r>
-            <a:r>
-              <a:rPr lang="de-DE" sz="2000" dirty="0" err="1" smtClean="0">
-                <a:solidFill>
-                  <a:srgbClr val="333333"/>
-                </a:solidFill>
-                <a:latin typeface="+mn-lt"/>
-                <a:ea typeface="+mn-ea"/>
-              </a:rPr>
-              <a:t>used</a:t>
-            </a:r>
-            <a:r>
-              <a:rPr lang="de-DE" sz="2000" dirty="0" smtClean="0">
-                <a:solidFill>
-                  <a:srgbClr val="333333"/>
-                </a:solidFill>
-                <a:latin typeface="+mn-lt"/>
-                <a:ea typeface="+mn-ea"/>
-              </a:rPr>
-              <a:t> </a:t>
-            </a:r>
-            <a:r>
-              <a:rPr lang="de-DE" sz="2000" dirty="0" err="1" smtClean="0">
-                <a:solidFill>
-                  <a:srgbClr val="333333"/>
-                </a:solidFill>
-                <a:latin typeface="+mn-lt"/>
-                <a:ea typeface="+mn-ea"/>
-              </a:rPr>
-              <a:t>yet</a:t>
-            </a:r>
-            <a:r>
-              <a:rPr lang="de-DE" sz="2000" dirty="0" smtClean="0">
-                <a:solidFill>
-                  <a:srgbClr val="333333"/>
-                </a:solidFill>
-                <a:latin typeface="+mn-lt"/>
-                <a:ea typeface="+mn-ea"/>
-              </a:rPr>
-              <a:t> -&gt; </a:t>
-            </a:r>
-            <a:r>
-              <a:rPr lang="de-DE" sz="2000" dirty="0" err="1" smtClean="0">
-                <a:solidFill>
-                  <a:srgbClr val="333333"/>
-                </a:solidFill>
-                <a:latin typeface="+mn-lt"/>
-                <a:ea typeface="+mn-ea"/>
-              </a:rPr>
-              <a:t>replace</a:t>
-            </a:r>
-            <a:r>
-              <a:rPr lang="de-DE" sz="2000" dirty="0" smtClean="0">
-                <a:solidFill>
-                  <a:srgbClr val="333333"/>
-                </a:solidFill>
-                <a:latin typeface="+mn-lt"/>
-                <a:ea typeface="+mn-ea"/>
-              </a:rPr>
-              <a:t> </a:t>
-            </a:r>
-            <a:r>
-              <a:rPr lang="de-DE" sz="2000" dirty="0" err="1" smtClean="0">
-                <a:solidFill>
-                  <a:srgbClr val="333333"/>
-                </a:solidFill>
-                <a:latin typeface="+mn-lt"/>
-                <a:ea typeface="+mn-ea"/>
-              </a:rPr>
-              <a:t>with</a:t>
-            </a:r>
-            <a:r>
-              <a:rPr lang="de-DE" sz="2000" dirty="0" smtClean="0">
-                <a:solidFill>
-                  <a:srgbClr val="333333"/>
-                </a:solidFill>
-                <a:latin typeface="+mn-lt"/>
-                <a:ea typeface="+mn-ea"/>
-              </a:rPr>
-              <a:t> GFE </a:t>
-            </a:r>
-          </a:p>
-          <a:p>
-            <a:pPr marL="342900" indent="-342900" algn="l">
-              <a:buFont typeface="Arial"/>
-              <a:buChar char="•"/>
-            </a:pPr>
-            <a:r>
-              <a:rPr lang="de-DE" sz="2000" dirty="0" err="1" smtClean="0">
-                <a:solidFill>
-                  <a:srgbClr val="333333"/>
-                </a:solidFill>
-                <a:latin typeface="+mn-lt"/>
-                <a:ea typeface="+mn-ea"/>
-              </a:rPr>
-              <a:t>You</a:t>
-            </a:r>
-            <a:r>
-              <a:rPr lang="de-DE" sz="2000" dirty="0" smtClean="0">
-                <a:solidFill>
-                  <a:srgbClr val="333333"/>
-                </a:solidFill>
-                <a:latin typeface="+mn-lt"/>
-                <a:ea typeface="+mn-ea"/>
-              </a:rPr>
-              <a:t> </a:t>
-            </a:r>
-            <a:r>
-              <a:rPr lang="de-DE" sz="2000" dirty="0" err="1" smtClean="0">
-                <a:solidFill>
-                  <a:srgbClr val="333333"/>
-                </a:solidFill>
-                <a:latin typeface="+mn-lt"/>
-                <a:ea typeface="+mn-ea"/>
-              </a:rPr>
-              <a:t>can</a:t>
-            </a:r>
-            <a:r>
-              <a:rPr lang="de-DE" sz="2000" dirty="0" smtClean="0">
-                <a:solidFill>
-                  <a:srgbClr val="333333"/>
-                </a:solidFill>
-                <a:latin typeface="+mn-lt"/>
-                <a:ea typeface="+mn-ea"/>
-              </a:rPr>
-              <a:t> </a:t>
-            </a:r>
-            <a:r>
-              <a:rPr lang="de-DE" sz="2000" dirty="0" err="1" smtClean="0">
-                <a:solidFill>
-                  <a:srgbClr val="333333"/>
-                </a:solidFill>
-                <a:latin typeface="+mn-lt"/>
-                <a:ea typeface="+mn-ea"/>
-              </a:rPr>
-              <a:t>make</a:t>
-            </a:r>
-            <a:r>
-              <a:rPr lang="de-DE" sz="2000" dirty="0" smtClean="0">
-                <a:solidFill>
-                  <a:srgbClr val="333333"/>
-                </a:solidFill>
-                <a:latin typeface="+mn-lt"/>
-                <a:ea typeface="+mn-ea"/>
-              </a:rPr>
-              <a:t> </a:t>
-            </a:r>
-            <a:r>
-              <a:rPr lang="de-DE" sz="2000" dirty="0" err="1" smtClean="0">
-                <a:solidFill>
-                  <a:srgbClr val="333333"/>
-                </a:solidFill>
-                <a:latin typeface="+mn-lt"/>
-                <a:ea typeface="+mn-ea"/>
-              </a:rPr>
-              <a:t>it</a:t>
-            </a:r>
-            <a:r>
-              <a:rPr lang="de-DE" sz="2000" dirty="0" smtClean="0">
-                <a:solidFill>
-                  <a:srgbClr val="333333"/>
-                </a:solidFill>
-                <a:latin typeface="+mn-lt"/>
-                <a:ea typeface="+mn-ea"/>
-              </a:rPr>
-              <a:t> </a:t>
-            </a:r>
-            <a:r>
-              <a:rPr lang="de-DE" sz="2000" dirty="0" err="1" smtClean="0">
-                <a:solidFill>
-                  <a:srgbClr val="333333"/>
-                </a:solidFill>
-                <a:latin typeface="+mn-lt"/>
-                <a:ea typeface="+mn-ea"/>
-              </a:rPr>
-              <a:t>even</a:t>
-            </a:r>
-            <a:r>
-              <a:rPr lang="de-DE" sz="2000" dirty="0" smtClean="0">
-                <a:solidFill>
-                  <a:srgbClr val="333333"/>
-                </a:solidFill>
-                <a:latin typeface="+mn-lt"/>
-                <a:ea typeface="+mn-ea"/>
-              </a:rPr>
-              <a:t> </a:t>
-            </a:r>
-            <a:r>
-              <a:rPr lang="de-DE" sz="2000" dirty="0" err="1" smtClean="0">
-                <a:solidFill>
-                  <a:srgbClr val="333333"/>
-                </a:solidFill>
-                <a:latin typeface="+mn-lt"/>
-                <a:ea typeface="+mn-ea"/>
-              </a:rPr>
-              <a:t>more</a:t>
-            </a:r>
-            <a:r>
-              <a:rPr lang="de-DE" sz="2000" dirty="0" smtClean="0">
-                <a:solidFill>
-                  <a:srgbClr val="333333"/>
-                </a:solidFill>
-                <a:latin typeface="+mn-lt"/>
-                <a:ea typeface="+mn-ea"/>
-              </a:rPr>
-              <a:t> </a:t>
-            </a:r>
-            <a:r>
-              <a:rPr lang="de-DE" sz="2000" dirty="0" err="1" smtClean="0">
-                <a:solidFill>
-                  <a:srgbClr val="333333"/>
-                </a:solidFill>
-                <a:latin typeface="+mn-lt"/>
-                <a:ea typeface="+mn-ea"/>
-              </a:rPr>
-              <a:t>Cloud-like</a:t>
-            </a:r>
-            <a:r>
-              <a:rPr lang="de-DE" sz="2000" dirty="0" smtClean="0">
-                <a:solidFill>
-                  <a:srgbClr val="333333"/>
-                </a:solidFill>
-                <a:latin typeface="+mn-lt"/>
-                <a:ea typeface="+mn-ea"/>
-              </a:rPr>
-              <a:t> </a:t>
-            </a:r>
-            <a:r>
-              <a:rPr lang="de-DE" sz="2000" dirty="0" err="1" smtClean="0">
-                <a:solidFill>
-                  <a:srgbClr val="333333"/>
-                </a:solidFill>
-                <a:latin typeface="+mn-lt"/>
-                <a:ea typeface="+mn-ea"/>
-              </a:rPr>
-              <a:t>by</a:t>
-            </a:r>
-            <a:r>
-              <a:rPr lang="de-DE" sz="2000" dirty="0" smtClean="0">
-                <a:solidFill>
-                  <a:srgbClr val="333333"/>
-                </a:solidFill>
-                <a:latin typeface="+mn-lt"/>
-                <a:ea typeface="+mn-ea"/>
-              </a:rPr>
-              <a:t> </a:t>
-            </a:r>
-            <a:r>
-              <a:rPr lang="de-DE" sz="2000" dirty="0" err="1" smtClean="0">
-                <a:solidFill>
-                  <a:srgbClr val="333333"/>
-                </a:solidFill>
-                <a:latin typeface="+mn-lt"/>
-                <a:ea typeface="+mn-ea"/>
-              </a:rPr>
-              <a:t>putting</a:t>
-            </a:r>
-            <a:r>
-              <a:rPr lang="de-DE" sz="2000" dirty="0" smtClean="0">
-                <a:solidFill>
-                  <a:srgbClr val="333333"/>
-                </a:solidFill>
-                <a:latin typeface="+mn-lt"/>
-                <a:ea typeface="+mn-ea"/>
-              </a:rPr>
-              <a:t> </a:t>
-            </a:r>
-            <a:r>
-              <a:rPr lang="de-DE" sz="2000" dirty="0" err="1" smtClean="0">
-                <a:solidFill>
-                  <a:srgbClr val="333333"/>
-                </a:solidFill>
-                <a:latin typeface="+mn-lt"/>
-                <a:ea typeface="+mn-ea"/>
-              </a:rPr>
-              <a:t>the</a:t>
-            </a:r>
-            <a:r>
-              <a:rPr lang="de-DE" sz="2000" dirty="0" smtClean="0">
-                <a:solidFill>
-                  <a:srgbClr val="333333"/>
-                </a:solidFill>
-                <a:latin typeface="+mn-lt"/>
-                <a:ea typeface="+mn-ea"/>
-              </a:rPr>
-              <a:t> </a:t>
-            </a:r>
-            <a:r>
-              <a:rPr lang="de-DE" sz="2000" dirty="0" err="1" smtClean="0">
-                <a:solidFill>
-                  <a:srgbClr val="333333"/>
-                </a:solidFill>
-                <a:latin typeface="+mn-lt"/>
-                <a:ea typeface="+mn-ea"/>
-              </a:rPr>
-              <a:t>sources</a:t>
-            </a:r>
-            <a:r>
-              <a:rPr lang="de-DE" sz="2000" dirty="0" smtClean="0">
-                <a:solidFill>
-                  <a:srgbClr val="333333"/>
-                </a:solidFill>
-                <a:latin typeface="+mn-lt"/>
-                <a:ea typeface="+mn-ea"/>
-              </a:rPr>
-              <a:t> in </a:t>
-            </a:r>
-            <a:r>
-              <a:rPr lang="de-DE" sz="2000" dirty="0" err="1" smtClean="0">
-                <a:solidFill>
-                  <a:srgbClr val="333333"/>
-                </a:solidFill>
-                <a:latin typeface="+mn-lt"/>
-                <a:ea typeface="+mn-ea"/>
-              </a:rPr>
-              <a:t>git</a:t>
-            </a:r>
-            <a:r>
-              <a:rPr lang="de-DE" sz="2000" dirty="0" smtClean="0">
-                <a:solidFill>
-                  <a:srgbClr val="333333"/>
-                </a:solidFill>
-                <a:latin typeface="+mn-lt"/>
-                <a:ea typeface="+mn-ea"/>
-              </a:rPr>
-              <a:t> </a:t>
-            </a:r>
-            <a:r>
-              <a:rPr lang="de-DE" sz="2000" dirty="0" err="1" smtClean="0">
-                <a:solidFill>
-                  <a:srgbClr val="333333"/>
-                </a:solidFill>
-                <a:latin typeface="+mn-lt"/>
-                <a:ea typeface="+mn-ea"/>
-              </a:rPr>
-              <a:t>and</a:t>
-            </a:r>
-            <a:r>
-              <a:rPr lang="de-DE" sz="2000" dirty="0" smtClean="0">
-                <a:solidFill>
-                  <a:srgbClr val="333333"/>
-                </a:solidFill>
-                <a:latin typeface="+mn-lt"/>
-                <a:ea typeface="+mn-ea"/>
-              </a:rPr>
-              <a:t> </a:t>
-            </a:r>
-            <a:r>
-              <a:rPr lang="de-DE" sz="2000" dirty="0" err="1" smtClean="0">
-                <a:solidFill>
-                  <a:srgbClr val="333333"/>
-                </a:solidFill>
-                <a:latin typeface="+mn-lt"/>
-                <a:ea typeface="+mn-ea"/>
-              </a:rPr>
-              <a:t>point</a:t>
-            </a:r>
-            <a:r>
-              <a:rPr lang="de-DE" sz="2000" dirty="0" smtClean="0">
-                <a:solidFill>
-                  <a:srgbClr val="333333"/>
-                </a:solidFill>
-                <a:latin typeface="+mn-lt"/>
-                <a:ea typeface="+mn-ea"/>
-              </a:rPr>
-              <a:t> c9.io (</a:t>
-            </a:r>
-            <a:r>
-              <a:rPr lang="de-DE" sz="2000" dirty="0" err="1" smtClean="0">
-                <a:solidFill>
-                  <a:srgbClr val="333333"/>
-                </a:solidFill>
-                <a:latin typeface="+mn-lt"/>
-                <a:ea typeface="+mn-ea"/>
-              </a:rPr>
-              <a:t>browser</a:t>
-            </a:r>
-            <a:r>
-              <a:rPr lang="de-DE" sz="2000" dirty="0" smtClean="0">
-                <a:solidFill>
-                  <a:srgbClr val="333333"/>
-                </a:solidFill>
-                <a:latin typeface="+mn-lt"/>
-                <a:ea typeface="+mn-ea"/>
-              </a:rPr>
-              <a:t> </a:t>
-            </a:r>
-            <a:r>
-              <a:rPr lang="de-DE" sz="2000" dirty="0" err="1" smtClean="0">
-                <a:solidFill>
-                  <a:srgbClr val="333333"/>
-                </a:solidFill>
-                <a:latin typeface="+mn-lt"/>
-                <a:ea typeface="+mn-ea"/>
-              </a:rPr>
-              <a:t>based</a:t>
-            </a:r>
-            <a:r>
-              <a:rPr lang="de-DE" sz="2000" dirty="0" smtClean="0">
-                <a:solidFill>
-                  <a:srgbClr val="333333"/>
-                </a:solidFill>
-                <a:latin typeface="+mn-lt"/>
-                <a:ea typeface="+mn-ea"/>
-              </a:rPr>
-              <a:t> </a:t>
-            </a:r>
-            <a:r>
-              <a:rPr lang="de-DE" sz="2000" dirty="0" err="1" smtClean="0">
-                <a:solidFill>
-                  <a:srgbClr val="333333"/>
-                </a:solidFill>
-                <a:latin typeface="+mn-lt"/>
-                <a:ea typeface="+mn-ea"/>
-              </a:rPr>
-              <a:t>ide</a:t>
-            </a:r>
-            <a:r>
-              <a:rPr lang="de-DE" sz="2000" dirty="0" smtClean="0">
-                <a:solidFill>
-                  <a:srgbClr val="333333"/>
-                </a:solidFill>
-                <a:latin typeface="+mn-lt"/>
-                <a:ea typeface="+mn-ea"/>
-              </a:rPr>
-              <a:t>) </a:t>
-            </a:r>
-            <a:r>
-              <a:rPr lang="de-DE" sz="2000" dirty="0" err="1" smtClean="0">
-                <a:solidFill>
-                  <a:srgbClr val="333333"/>
-                </a:solidFill>
-                <a:latin typeface="+mn-lt"/>
-                <a:ea typeface="+mn-ea"/>
-              </a:rPr>
-              <a:t>to</a:t>
-            </a:r>
-            <a:r>
-              <a:rPr lang="de-DE" sz="2000" dirty="0" smtClean="0">
-                <a:solidFill>
-                  <a:srgbClr val="333333"/>
-                </a:solidFill>
-                <a:latin typeface="+mn-lt"/>
-                <a:ea typeface="+mn-ea"/>
-              </a:rPr>
-              <a:t> it. </a:t>
-            </a:r>
-            <a:r>
-              <a:rPr lang="de-DE" sz="2000" dirty="0" err="1" smtClean="0">
-                <a:solidFill>
-                  <a:srgbClr val="333333"/>
-                </a:solidFill>
-                <a:latin typeface="+mn-lt"/>
-                <a:ea typeface="+mn-ea"/>
-              </a:rPr>
-              <a:t>Use</a:t>
-            </a:r>
-            <a:r>
-              <a:rPr lang="de-DE" sz="2000" dirty="0" smtClean="0">
-                <a:solidFill>
-                  <a:srgbClr val="333333"/>
-                </a:solidFill>
-                <a:latin typeface="+mn-lt"/>
-                <a:ea typeface="+mn-ea"/>
-              </a:rPr>
-              <a:t> </a:t>
-            </a:r>
-            <a:r>
-              <a:rPr lang="de-DE" sz="2000" dirty="0" err="1" smtClean="0">
-                <a:solidFill>
-                  <a:srgbClr val="333333"/>
-                </a:solidFill>
-                <a:latin typeface="+mn-lt"/>
-                <a:ea typeface="+mn-ea"/>
-              </a:rPr>
-              <a:t>buildhive</a:t>
-            </a:r>
-            <a:r>
-              <a:rPr lang="de-DE" sz="2000" dirty="0" smtClean="0">
-                <a:solidFill>
-                  <a:srgbClr val="333333"/>
-                </a:solidFill>
-                <a:latin typeface="+mn-lt"/>
-                <a:ea typeface="+mn-ea"/>
-              </a:rPr>
-              <a:t> (</a:t>
-            </a:r>
-            <a:r>
-              <a:rPr lang="de-DE" sz="2000" dirty="0" err="1" smtClean="0">
-                <a:solidFill>
-                  <a:srgbClr val="333333"/>
-                </a:solidFill>
-                <a:latin typeface="+mn-lt"/>
-                <a:ea typeface="+mn-ea"/>
-              </a:rPr>
-              <a:t>from</a:t>
-            </a:r>
-            <a:r>
-              <a:rPr lang="de-DE" sz="2000" dirty="0" smtClean="0">
-                <a:solidFill>
-                  <a:srgbClr val="333333"/>
-                </a:solidFill>
-                <a:latin typeface="+mn-lt"/>
-                <a:ea typeface="+mn-ea"/>
-              </a:rPr>
-              <a:t> </a:t>
-            </a:r>
-            <a:r>
-              <a:rPr lang="de-DE" sz="2000" dirty="0" err="1" smtClean="0">
-                <a:solidFill>
-                  <a:srgbClr val="333333"/>
-                </a:solidFill>
-                <a:latin typeface="+mn-lt"/>
-                <a:ea typeface="+mn-ea"/>
-              </a:rPr>
-              <a:t>cloudbees</a:t>
-            </a:r>
-            <a:r>
-              <a:rPr lang="de-DE" sz="2000" dirty="0" smtClean="0">
-                <a:solidFill>
-                  <a:srgbClr val="333333"/>
-                </a:solidFill>
-                <a:latin typeface="+mn-lt"/>
-                <a:ea typeface="+mn-ea"/>
-              </a:rPr>
-              <a:t>) </a:t>
-            </a:r>
-            <a:r>
-              <a:rPr lang="de-DE" sz="2000" dirty="0" err="1" smtClean="0">
-                <a:solidFill>
-                  <a:srgbClr val="333333"/>
-                </a:solidFill>
-                <a:latin typeface="+mn-lt"/>
-                <a:ea typeface="+mn-ea"/>
-              </a:rPr>
-              <a:t>and</a:t>
-            </a:r>
-            <a:r>
-              <a:rPr lang="de-DE" sz="2000" dirty="0" smtClean="0">
-                <a:solidFill>
-                  <a:srgbClr val="333333"/>
-                </a:solidFill>
-                <a:latin typeface="+mn-lt"/>
-                <a:ea typeface="+mn-ea"/>
-              </a:rPr>
-              <a:t> </a:t>
-            </a:r>
-            <a:r>
-              <a:rPr lang="de-DE" sz="2000" dirty="0" err="1" smtClean="0">
-                <a:solidFill>
-                  <a:srgbClr val="333333"/>
-                </a:solidFill>
-                <a:latin typeface="+mn-lt"/>
-                <a:ea typeface="+mn-ea"/>
-              </a:rPr>
-              <a:t>you</a:t>
-            </a:r>
-            <a:r>
-              <a:rPr lang="de-DE" sz="2000" dirty="0" smtClean="0">
-                <a:solidFill>
-                  <a:srgbClr val="333333"/>
-                </a:solidFill>
-                <a:latin typeface="+mn-lt"/>
-                <a:ea typeface="+mn-ea"/>
-              </a:rPr>
-              <a:t> </a:t>
-            </a:r>
-            <a:r>
-              <a:rPr lang="de-DE" sz="2000" dirty="0" err="1" smtClean="0">
-                <a:solidFill>
-                  <a:srgbClr val="333333"/>
-                </a:solidFill>
-                <a:latin typeface="+mn-lt"/>
-                <a:ea typeface="+mn-ea"/>
-              </a:rPr>
-              <a:t>can</a:t>
-            </a:r>
-            <a:r>
-              <a:rPr lang="de-DE" sz="2000" dirty="0" smtClean="0">
-                <a:solidFill>
-                  <a:srgbClr val="333333"/>
-                </a:solidFill>
-                <a:latin typeface="+mn-lt"/>
-                <a:ea typeface="+mn-ea"/>
-              </a:rPr>
-              <a:t> </a:t>
-            </a:r>
-            <a:r>
-              <a:rPr lang="de-DE" sz="2000" dirty="0" err="1" smtClean="0">
-                <a:solidFill>
-                  <a:srgbClr val="333333"/>
-                </a:solidFill>
-                <a:latin typeface="+mn-lt"/>
-                <a:ea typeface="+mn-ea"/>
-              </a:rPr>
-              <a:t>develop</a:t>
-            </a:r>
-            <a:r>
-              <a:rPr lang="de-DE" sz="2000" dirty="0" smtClean="0">
-                <a:solidFill>
-                  <a:srgbClr val="333333"/>
-                </a:solidFill>
-                <a:latin typeface="+mn-lt"/>
-                <a:ea typeface="+mn-ea"/>
-              </a:rPr>
-              <a:t> </a:t>
-            </a:r>
-            <a:r>
-              <a:rPr lang="de-DE" sz="2000" dirty="0" err="1" smtClean="0">
-                <a:solidFill>
-                  <a:srgbClr val="333333"/>
-                </a:solidFill>
-                <a:latin typeface="+mn-lt"/>
-                <a:ea typeface="+mn-ea"/>
-              </a:rPr>
-              <a:t>and</a:t>
-            </a:r>
-            <a:r>
-              <a:rPr lang="de-DE" sz="2000" dirty="0" smtClean="0">
-                <a:solidFill>
-                  <a:srgbClr val="333333"/>
-                </a:solidFill>
-                <a:latin typeface="+mn-lt"/>
-                <a:ea typeface="+mn-ea"/>
-              </a:rPr>
-              <a:t> </a:t>
-            </a:r>
-            <a:r>
-              <a:rPr lang="de-DE" sz="2000" dirty="0" err="1" smtClean="0">
-                <a:solidFill>
-                  <a:srgbClr val="333333"/>
-                </a:solidFill>
-                <a:latin typeface="+mn-lt"/>
-                <a:ea typeface="+mn-ea"/>
-              </a:rPr>
-              <a:t>provision</a:t>
-            </a:r>
-            <a:r>
-              <a:rPr lang="de-DE" sz="2000" dirty="0" smtClean="0">
-                <a:solidFill>
-                  <a:srgbClr val="333333"/>
-                </a:solidFill>
-                <a:latin typeface="+mn-lt"/>
-                <a:ea typeface="+mn-ea"/>
-              </a:rPr>
-              <a:t> </a:t>
-            </a:r>
-            <a:r>
-              <a:rPr lang="de-DE" sz="2000" dirty="0" err="1" smtClean="0">
-                <a:solidFill>
-                  <a:srgbClr val="333333"/>
-                </a:solidFill>
-                <a:latin typeface="+mn-lt"/>
-                <a:ea typeface="+mn-ea"/>
-              </a:rPr>
-              <a:t>the</a:t>
-            </a:r>
-            <a:r>
-              <a:rPr lang="de-DE" sz="2000" dirty="0" smtClean="0">
-                <a:solidFill>
-                  <a:srgbClr val="333333"/>
-                </a:solidFill>
-                <a:latin typeface="+mn-lt"/>
-                <a:ea typeface="+mn-ea"/>
-              </a:rPr>
-              <a:t> </a:t>
-            </a:r>
-            <a:r>
-              <a:rPr lang="de-DE" sz="2000" dirty="0" err="1" smtClean="0">
-                <a:solidFill>
-                  <a:srgbClr val="333333"/>
-                </a:solidFill>
-                <a:latin typeface="+mn-lt"/>
-                <a:ea typeface="+mn-ea"/>
-              </a:rPr>
-              <a:t>whole</a:t>
-            </a:r>
-            <a:r>
-              <a:rPr lang="de-DE" sz="2000" dirty="0" smtClean="0">
-                <a:solidFill>
-                  <a:srgbClr val="333333"/>
-                </a:solidFill>
-                <a:latin typeface="+mn-lt"/>
-                <a:ea typeface="+mn-ea"/>
-              </a:rPr>
-              <a:t> </a:t>
-            </a:r>
-            <a:r>
-              <a:rPr lang="de-DE" sz="2000" dirty="0" err="1" smtClean="0">
-                <a:solidFill>
-                  <a:srgbClr val="333333"/>
-                </a:solidFill>
-                <a:latin typeface="+mn-lt"/>
-                <a:ea typeface="+mn-ea"/>
-              </a:rPr>
-              <a:t>app</a:t>
-            </a:r>
-            <a:r>
-              <a:rPr lang="de-DE" sz="2000" dirty="0" smtClean="0">
-                <a:solidFill>
-                  <a:srgbClr val="333333"/>
-                </a:solidFill>
-                <a:latin typeface="+mn-lt"/>
-                <a:ea typeface="+mn-ea"/>
-              </a:rPr>
-              <a:t> (</a:t>
-            </a:r>
-            <a:r>
-              <a:rPr lang="de-DE" sz="2000" dirty="0" err="1" smtClean="0">
-                <a:solidFill>
-                  <a:srgbClr val="333333"/>
-                </a:solidFill>
-                <a:latin typeface="+mn-lt"/>
-                <a:ea typeface="+mn-ea"/>
-              </a:rPr>
-              <a:t>client</a:t>
-            </a:r>
-            <a:r>
-              <a:rPr lang="de-DE" sz="2000" dirty="0" smtClean="0">
-                <a:solidFill>
-                  <a:srgbClr val="333333"/>
-                </a:solidFill>
-                <a:latin typeface="+mn-lt"/>
-                <a:ea typeface="+mn-ea"/>
-              </a:rPr>
-              <a:t> &amp; </a:t>
-            </a:r>
-            <a:r>
-              <a:rPr lang="de-DE" sz="2000" dirty="0" err="1" smtClean="0">
-                <a:solidFill>
-                  <a:srgbClr val="333333"/>
-                </a:solidFill>
-                <a:latin typeface="+mn-lt"/>
-                <a:ea typeface="+mn-ea"/>
-              </a:rPr>
-              <a:t>server</a:t>
-            </a:r>
-            <a:r>
-              <a:rPr lang="de-DE" sz="2000" dirty="0" smtClean="0">
-                <a:solidFill>
-                  <a:srgbClr val="333333"/>
-                </a:solidFill>
-                <a:latin typeface="+mn-lt"/>
-                <a:ea typeface="+mn-ea"/>
-              </a:rPr>
-              <a:t>) </a:t>
-            </a:r>
-            <a:r>
-              <a:rPr lang="de-DE" sz="2000" dirty="0" err="1" smtClean="0">
-                <a:solidFill>
-                  <a:srgbClr val="333333"/>
-                </a:solidFill>
-                <a:latin typeface="+mn-lt"/>
-                <a:ea typeface="+mn-ea"/>
-              </a:rPr>
-              <a:t>from</a:t>
-            </a:r>
-            <a:r>
-              <a:rPr lang="de-DE" sz="2000" dirty="0" smtClean="0">
-                <a:solidFill>
-                  <a:srgbClr val="333333"/>
-                </a:solidFill>
-                <a:latin typeface="+mn-lt"/>
-                <a:ea typeface="+mn-ea"/>
-              </a:rPr>
-              <a:t> </a:t>
-            </a:r>
-            <a:r>
-              <a:rPr lang="de-DE" sz="2000" dirty="0" err="1" smtClean="0">
-                <a:solidFill>
-                  <a:srgbClr val="333333"/>
-                </a:solidFill>
-                <a:latin typeface="+mn-lt"/>
-                <a:ea typeface="+mn-ea"/>
-              </a:rPr>
-              <a:t>without</a:t>
-            </a:r>
-            <a:r>
-              <a:rPr lang="de-DE" sz="2000" dirty="0" smtClean="0">
-                <a:solidFill>
-                  <a:srgbClr val="333333"/>
-                </a:solidFill>
-                <a:latin typeface="+mn-lt"/>
-                <a:ea typeface="+mn-ea"/>
-              </a:rPr>
-              <a:t> </a:t>
-            </a:r>
-            <a:r>
-              <a:rPr lang="de-DE" sz="2000" dirty="0" err="1" smtClean="0">
-                <a:solidFill>
-                  <a:srgbClr val="333333"/>
-                </a:solidFill>
-                <a:latin typeface="+mn-lt"/>
-                <a:ea typeface="+mn-ea"/>
-              </a:rPr>
-              <a:t>leaving</a:t>
-            </a:r>
-            <a:r>
-              <a:rPr lang="de-DE" sz="2000" dirty="0" smtClean="0">
-                <a:solidFill>
-                  <a:srgbClr val="333333"/>
-                </a:solidFill>
-                <a:latin typeface="+mn-lt"/>
-                <a:ea typeface="+mn-ea"/>
-              </a:rPr>
-              <a:t> </a:t>
-            </a:r>
-            <a:r>
-              <a:rPr lang="de-DE" sz="2000" dirty="0" err="1" smtClean="0">
-                <a:solidFill>
-                  <a:srgbClr val="333333"/>
-                </a:solidFill>
-                <a:latin typeface="+mn-lt"/>
-                <a:ea typeface="+mn-ea"/>
-              </a:rPr>
-              <a:t>your</a:t>
-            </a:r>
-            <a:r>
-              <a:rPr lang="de-DE" sz="2000" dirty="0" smtClean="0">
-                <a:solidFill>
-                  <a:srgbClr val="333333"/>
-                </a:solidFill>
-                <a:latin typeface="+mn-lt"/>
-                <a:ea typeface="+mn-ea"/>
-              </a:rPr>
-              <a:t> </a:t>
-            </a:r>
-            <a:r>
-              <a:rPr lang="de-DE" sz="2000" dirty="0" err="1" smtClean="0">
-                <a:solidFill>
-                  <a:srgbClr val="333333"/>
-                </a:solidFill>
-                <a:latin typeface="+mn-lt"/>
-                <a:ea typeface="+mn-ea"/>
-              </a:rPr>
-              <a:t>browser</a:t>
-            </a:r>
-            <a:r>
-              <a:rPr lang="de-DE" sz="2000" dirty="0" smtClean="0">
-                <a:solidFill>
-                  <a:srgbClr val="333333"/>
-                </a:solidFill>
-                <a:latin typeface="+mn-lt"/>
-                <a:ea typeface="+mn-ea"/>
-              </a:rPr>
-              <a:t>!</a:t>
-            </a:r>
-          </a:p>
-          <a:p>
-            <a:pPr marL="342900" indent="-342900" algn="l">
-              <a:buFont typeface="Arial"/>
-              <a:buChar char="•"/>
-            </a:pPr>
-            <a:r>
-              <a:rPr lang="de-DE" sz="2000" dirty="0" err="1" smtClean="0">
-                <a:solidFill>
-                  <a:srgbClr val="333333"/>
-                </a:solidFill>
-                <a:latin typeface="+mn-lt"/>
-                <a:ea typeface="+mn-ea"/>
-              </a:rPr>
-              <a:t>It‘s</a:t>
-            </a:r>
-            <a:r>
-              <a:rPr lang="de-DE" sz="2000" dirty="0" smtClean="0">
-                <a:solidFill>
-                  <a:srgbClr val="333333"/>
-                </a:solidFill>
-                <a:latin typeface="+mn-lt"/>
-                <a:ea typeface="+mn-ea"/>
-              </a:rPr>
-              <a:t> a </a:t>
-            </a:r>
-            <a:r>
-              <a:rPr lang="de-DE" sz="2000" dirty="0" err="1" smtClean="0">
-                <a:solidFill>
-                  <a:srgbClr val="333333"/>
-                </a:solidFill>
-                <a:latin typeface="+mn-lt"/>
-                <a:ea typeface="+mn-ea"/>
-              </a:rPr>
-              <a:t>better</a:t>
-            </a:r>
-            <a:r>
-              <a:rPr lang="de-DE" sz="2000" dirty="0" smtClean="0">
-                <a:solidFill>
-                  <a:srgbClr val="333333"/>
-                </a:solidFill>
-                <a:latin typeface="+mn-lt"/>
-                <a:ea typeface="+mn-ea"/>
-              </a:rPr>
-              <a:t> </a:t>
-            </a:r>
-            <a:r>
-              <a:rPr lang="de-DE" sz="2000" dirty="0" err="1" smtClean="0">
-                <a:solidFill>
-                  <a:srgbClr val="333333"/>
-                </a:solidFill>
-                <a:latin typeface="+mn-lt"/>
-                <a:ea typeface="+mn-ea"/>
-              </a:rPr>
-              <a:t>together</a:t>
-            </a:r>
-            <a:r>
-              <a:rPr lang="de-DE" sz="2000" dirty="0" smtClean="0">
-                <a:solidFill>
-                  <a:srgbClr val="333333"/>
-                </a:solidFill>
-                <a:latin typeface="+mn-lt"/>
-                <a:ea typeface="+mn-ea"/>
-              </a:rPr>
-              <a:t> </a:t>
-            </a:r>
-            <a:r>
-              <a:rPr lang="de-DE" sz="2000" dirty="0" err="1" smtClean="0">
-                <a:solidFill>
-                  <a:srgbClr val="333333"/>
-                </a:solidFill>
-                <a:latin typeface="+mn-lt"/>
-                <a:ea typeface="+mn-ea"/>
-              </a:rPr>
-              <a:t>demo</a:t>
-            </a:r>
-            <a:r>
-              <a:rPr lang="de-DE" sz="2000" dirty="0" smtClean="0">
-                <a:solidFill>
-                  <a:srgbClr val="333333"/>
-                </a:solidFill>
-                <a:latin typeface="+mn-lt"/>
-                <a:ea typeface="+mn-ea"/>
-              </a:rPr>
-              <a:t> (CF &amp; </a:t>
-            </a:r>
-            <a:r>
-              <a:rPr lang="de-DE" sz="2000" dirty="0" err="1" smtClean="0">
-                <a:solidFill>
-                  <a:srgbClr val="333333"/>
-                </a:solidFill>
-                <a:latin typeface="+mn-lt"/>
-                <a:ea typeface="+mn-ea"/>
-              </a:rPr>
-              <a:t>vFabric</a:t>
-            </a:r>
-            <a:r>
-              <a:rPr lang="de-DE" sz="2000" dirty="0" smtClean="0">
-                <a:solidFill>
-                  <a:srgbClr val="333333"/>
-                </a:solidFill>
-                <a:latin typeface="+mn-lt"/>
-                <a:ea typeface="+mn-ea"/>
-              </a:rPr>
-              <a:t>)</a:t>
-            </a:r>
-          </a:p>
-          <a:p>
-            <a:pPr marL="342900" indent="-342900" algn="l">
-              <a:buFont typeface="Arial"/>
-              <a:buChar char="•"/>
-            </a:pPr>
-            <a:r>
-              <a:rPr lang="de-DE" sz="2000" dirty="0" err="1" smtClean="0">
-                <a:solidFill>
-                  <a:srgbClr val="333333"/>
-                </a:solidFill>
-                <a:latin typeface="+mn-lt"/>
-                <a:ea typeface="+mn-ea"/>
-              </a:rPr>
-              <a:t>Uploading</a:t>
-            </a:r>
-            <a:r>
-              <a:rPr lang="de-DE" sz="2000" dirty="0" smtClean="0">
-                <a:solidFill>
-                  <a:srgbClr val="333333"/>
-                </a:solidFill>
-                <a:latin typeface="+mn-lt"/>
-                <a:ea typeface="+mn-ea"/>
-              </a:rPr>
-              <a:t> </a:t>
-            </a:r>
-            <a:r>
-              <a:rPr lang="de-DE" sz="2000" dirty="0" err="1" smtClean="0">
-                <a:solidFill>
-                  <a:srgbClr val="333333"/>
-                </a:solidFill>
-                <a:latin typeface="+mn-lt"/>
-                <a:ea typeface="+mn-ea"/>
-              </a:rPr>
-              <a:t>the</a:t>
-            </a:r>
-            <a:r>
-              <a:rPr lang="de-DE" sz="2000" dirty="0" smtClean="0">
-                <a:solidFill>
-                  <a:srgbClr val="333333"/>
-                </a:solidFill>
-                <a:latin typeface="+mn-lt"/>
-                <a:ea typeface="+mn-ea"/>
-              </a:rPr>
-              <a:t> </a:t>
-            </a:r>
-            <a:r>
-              <a:rPr lang="de-DE" sz="2000" dirty="0" err="1" smtClean="0">
-                <a:solidFill>
-                  <a:srgbClr val="333333"/>
-                </a:solidFill>
-                <a:latin typeface="+mn-lt"/>
-                <a:ea typeface="+mn-ea"/>
-              </a:rPr>
-              <a:t>client</a:t>
-            </a:r>
-            <a:r>
-              <a:rPr lang="de-DE" sz="2000" dirty="0" smtClean="0">
-                <a:solidFill>
-                  <a:srgbClr val="333333"/>
-                </a:solidFill>
-                <a:latin typeface="+mn-lt"/>
-                <a:ea typeface="+mn-ea"/>
-              </a:rPr>
-              <a:t> </a:t>
-            </a:r>
-            <a:r>
-              <a:rPr lang="de-DE" sz="2000" dirty="0" err="1" smtClean="0">
-                <a:solidFill>
-                  <a:srgbClr val="333333"/>
-                </a:solidFill>
-                <a:latin typeface="+mn-lt"/>
-                <a:ea typeface="+mn-ea"/>
-              </a:rPr>
-              <a:t>apps</a:t>
-            </a:r>
-            <a:r>
-              <a:rPr lang="de-DE" sz="2000" dirty="0" smtClean="0">
-                <a:solidFill>
-                  <a:srgbClr val="333333"/>
-                </a:solidFill>
-                <a:latin typeface="+mn-lt"/>
-                <a:ea typeface="+mn-ea"/>
-              </a:rPr>
-              <a:t> </a:t>
-            </a:r>
-            <a:r>
-              <a:rPr lang="de-DE" sz="2000" dirty="0" err="1" smtClean="0">
-                <a:solidFill>
-                  <a:srgbClr val="333333"/>
-                </a:solidFill>
-                <a:latin typeface="+mn-lt"/>
-                <a:ea typeface="+mn-ea"/>
-              </a:rPr>
-              <a:t>to</a:t>
-            </a:r>
-            <a:r>
-              <a:rPr lang="de-DE" sz="2000" dirty="0" smtClean="0">
-                <a:solidFill>
-                  <a:srgbClr val="333333"/>
-                </a:solidFill>
-                <a:latin typeface="+mn-lt"/>
-                <a:ea typeface="+mn-ea"/>
-              </a:rPr>
-              <a:t> </a:t>
-            </a:r>
-            <a:r>
-              <a:rPr lang="de-DE" sz="2000" dirty="0" err="1" smtClean="0">
-                <a:solidFill>
-                  <a:srgbClr val="333333"/>
-                </a:solidFill>
-                <a:latin typeface="+mn-lt"/>
-                <a:ea typeface="+mn-ea"/>
-              </a:rPr>
-              <a:t>Apple‘s</a:t>
-            </a:r>
-            <a:r>
-              <a:rPr lang="de-DE" sz="2000" dirty="0" smtClean="0">
-                <a:solidFill>
-                  <a:srgbClr val="333333"/>
-                </a:solidFill>
-                <a:latin typeface="+mn-lt"/>
-                <a:ea typeface="+mn-ea"/>
-              </a:rPr>
-              <a:t> </a:t>
-            </a:r>
-            <a:r>
-              <a:rPr lang="de-DE" sz="2000" dirty="0" err="1" smtClean="0">
-                <a:solidFill>
-                  <a:srgbClr val="333333"/>
-                </a:solidFill>
-                <a:latin typeface="+mn-lt"/>
-                <a:ea typeface="+mn-ea"/>
-              </a:rPr>
-              <a:t>AppStore</a:t>
-            </a:r>
-            <a:r>
-              <a:rPr lang="de-DE" sz="2000" dirty="0" smtClean="0">
-                <a:solidFill>
-                  <a:srgbClr val="333333"/>
-                </a:solidFill>
-                <a:latin typeface="+mn-lt"/>
-                <a:ea typeface="+mn-ea"/>
-              </a:rPr>
-              <a:t>, Google Play etc. still a </a:t>
-            </a:r>
-            <a:r>
-              <a:rPr lang="de-DE" sz="2000" dirty="0" err="1" smtClean="0">
-                <a:solidFill>
-                  <a:srgbClr val="333333"/>
-                </a:solidFill>
-                <a:latin typeface="+mn-lt"/>
-                <a:ea typeface="+mn-ea"/>
-              </a:rPr>
-              <a:t>manual</a:t>
-            </a:r>
-            <a:r>
-              <a:rPr lang="de-DE" sz="2000" dirty="0" smtClean="0">
-                <a:solidFill>
-                  <a:srgbClr val="333333"/>
-                </a:solidFill>
-                <a:latin typeface="+mn-lt"/>
-                <a:ea typeface="+mn-ea"/>
-              </a:rPr>
-              <a:t> </a:t>
-            </a:r>
-            <a:r>
-              <a:rPr lang="de-DE" sz="2000" dirty="0" err="1" smtClean="0">
-                <a:solidFill>
-                  <a:srgbClr val="333333"/>
-                </a:solidFill>
-                <a:latin typeface="+mn-lt"/>
-                <a:ea typeface="+mn-ea"/>
-              </a:rPr>
-              <a:t>step</a:t>
-            </a:r>
-            <a:r>
-              <a:rPr lang="de-DE" sz="2000" dirty="0" smtClean="0">
-                <a:solidFill>
-                  <a:srgbClr val="333333"/>
-                </a:solidFill>
-                <a:latin typeface="+mn-lt"/>
-                <a:ea typeface="+mn-ea"/>
-              </a:rPr>
-              <a:t>  </a:t>
-            </a:r>
-            <a:endParaRPr lang="de-DE" sz="2000" dirty="0">
-              <a:solidFill>
-                <a:srgbClr val="333333"/>
-              </a:solidFill>
-              <a:latin typeface="+mn-lt"/>
-              <a:ea typeface="+mn-ea"/>
-            </a:endParaRPr>
-          </a:p>
-          <a:p>
-            <a:pPr algn="l"/>
-            <a:endParaRPr lang="de-DE" sz="2000" dirty="0" err="1" smtClean="0">
-              <a:solidFill>
-                <a:srgbClr val="333333"/>
-              </a:solidFill>
-              <a:latin typeface="+mn-lt"/>
-              <a:ea typeface="+mn-ea"/>
-            </a:endParaRPr>
-          </a:p>
-        </p:txBody>
-      </p:sp>
-    </p:spTree>
-    <p:extLst>
-      <p:ext uri="{BB962C8B-B14F-4D97-AF65-F5344CB8AC3E}">
-        <p14:creationId xmlns:p14="http://schemas.microsoft.com/office/powerpoint/2010/main" val="1952218752"/>
-      </p:ext>
-    </p:extLst>
-  </p:cSld>
-  <p:clrMapOvr>
-    <a:masterClrMapping/>
-  </p:clrMapOvr>
-  <p:transition xmlns:p14="http://schemas.microsoft.com/office/powerpoint/2010/main">
-    <p:fade/>
-  </p:transition>
-  <p:timing>
-    <p:tnLst>
-      <p:par>
-        <p:cTn xmlns:p14="http://schemas.microsoft.com/office/powerpoint/2010/main" id="1" dur="indefinite" restart="never" nodeType="tmRoot"/>
-      </p:par>
-    </p:tnLst>
-  </p:timing>
-</p:sld>
-</file>
-
-<file path=ppt/slides/slide6.xml><?xml version="1.0" encoding="utf-8"?>
+<file path=ppt/slides/slide8.xml><?xml version="1.0" encoding="utf-8"?>
 <p:sld xmlns:a="http://schemas.openxmlformats.org/drawingml/2006/main" xmlns:r="http://schemas.openxmlformats.org/officeDocument/2006/relationships" xmlns:p="http://schemas.openxmlformats.org/presentationml/2006/main">
   <p:cSld>
     <p:spTree>
@@ -8815,6 +11988,50 @@
             </a:r>
           </a:p>
           <a:p>
+            <a:pPr algn="ctr"/>
+            <a:r>
+              <a:rPr lang="de-DE" sz="2400" dirty="0"/>
+              <a:t>https://</a:t>
+            </a:r>
+            <a:r>
+              <a:rPr lang="de-DE" sz="2400" dirty="0" err="1"/>
+              <a:t>www.vmware.com</a:t>
+            </a:r>
+            <a:r>
+              <a:rPr lang="de-DE" sz="2400" dirty="0"/>
+              <a:t>/</a:t>
+            </a:r>
+            <a:r>
+              <a:rPr lang="de-DE" sz="2400" dirty="0" err="1"/>
+              <a:t>products</a:t>
+            </a:r>
+            <a:r>
+              <a:rPr lang="de-DE" sz="2400" dirty="0"/>
+              <a:t>/</a:t>
+            </a:r>
+            <a:r>
+              <a:rPr lang="de-DE" sz="2400" dirty="0" err="1"/>
+              <a:t>application-platform</a:t>
+            </a:r>
+            <a:r>
+              <a:rPr lang="de-DE" sz="2400" dirty="0"/>
+              <a:t>/</a:t>
+            </a:r>
+            <a:r>
+              <a:rPr lang="de-DE" sz="2400" dirty="0" err="1"/>
+              <a:t>vfabric-application-director</a:t>
+            </a:r>
+            <a:r>
+              <a:rPr lang="de-DE" sz="2400" dirty="0"/>
+              <a:t>/</a:t>
+            </a:r>
+            <a:r>
+              <a:rPr lang="de-DE" sz="2400" dirty="0" err="1"/>
+              <a:t>overview.html</a:t>
+            </a:r>
+            <a:endParaRPr lang="de-DE" sz="2400" dirty="0" smtClean="0"/>
+          </a:p>
+          <a:p>
             <a:pPr marL="0" lvl="1" indent="0" algn="ctr">
               <a:buNone/>
             </a:pPr>
@@ -8876,34 +12093,8 @@
               <a:pPr>
                 <a:defRPr/>
               </a:pPr>
-              <a:t>6</a:t>
+              <a:t>8</a:t>
             </a:fld>
-            <a:endParaRPr lang="en-US" dirty="0"/>
-          </a:p>
-        </p:txBody>
-      </p:sp>
-      <p:sp>
-        <p:nvSpPr>
-          <p:cNvPr id="5" name="Datumsplatzhalter 4"/>
-          <p:cNvSpPr>
-            <a:spLocks noGrp="1"/>
-          </p:cNvSpPr>
-          <p:nvPr>
-            <p:ph type="dt" sz="half" idx="16"/>
-          </p:nvPr>
-        </p:nvSpPr>
-        <p:spPr/>
-        <p:txBody>
-          <a:bodyPr/>
-          <a:lstStyle/>
-          <a:p>
-            <a:pPr>
-              <a:defRPr/>
-            </a:pPr>
-            <a:r>
-              <a:rPr lang="en-US" smtClean="0"/>
-              <a:t>Confidential</a:t>
-            </a:r>
             <a:endParaRPr lang="en-US" dirty="0"/>
           </a:p>
         </p:txBody>
@@ -8922,6 +12113,12 @@
     <p:fade/>
   </p:transition>
 </p:sld>
+</file>
+
+<file path=ppt/tags/tag1.xml><?xml version="1.0" encoding="utf-8"?>
+<p:tagLst xmlns:a="http://schemas.openxmlformats.org/drawingml/2006/main" xmlns:r="http://schemas.openxmlformats.org/officeDocument/2006/relationships" xmlns:p="http://schemas.openxmlformats.org/presentationml/2006/main">
+  <p:tag name="PRESENTER_SHAPEINFO" val="&lt;ThreeDShapeInfo&gt;&lt;uuid val=&quot;{10C74D18-C774-499B-B4BA-C874B7312FCD}&quot;/&gt;&lt;isInvalidForFieldText val=&quot;1&quot;/&gt;&lt;Image&gt;&lt;filename val=&quot;C:\Users\mboyzuck\AppData\Local\Temp\PR\data\asimages\{10C74D18-C774-499B-B4BA-C874B7312FCD}_5.png&quot;/&gt;&lt;left val=&quot;60&quot;/&gt;&lt;top val=&quot;276&quot;/&gt;&lt;width val=&quot;572&quot;/&gt;&lt;height val=&quot;243&quot;/&gt;&lt;hasText val=&quot;1&quot;/&gt;&lt;/Image&gt;&lt;/ThreeDShapeInfo&gt;"/>
+</p:tagLst>
 </file>
 
 <file path=ppt/theme/theme1.xml><?xml version="1.0" encoding="utf-8"?>

--- a/docs/CD-with-vFabric.pptx
+++ b/docs/CD-with-vFabric.pptx
@@ -5,10 +5,10 @@
     <p:sldMasterId id="2147483658" r:id="rId1"/>
   </p:sldMasterIdLst>
   <p:notesMasterIdLst>
-    <p:notesMasterId r:id="rId10"/>
+    <p:notesMasterId r:id="rId11"/>
   </p:notesMasterIdLst>
   <p:handoutMasterIdLst>
-    <p:handoutMasterId r:id="rId11"/>
+    <p:handoutMasterId r:id="rId12"/>
   </p:handoutMasterIdLst>
   <p:sldIdLst>
     <p:sldId id="360" r:id="rId2"/>
@@ -18,7 +18,8 @@
     <p:sldId id="372" r:id="rId6"/>
     <p:sldId id="364" r:id="rId7"/>
     <p:sldId id="365" r:id="rId8"/>
-    <p:sldId id="368" r:id="rId9"/>
+    <p:sldId id="373" r:id="rId9"/>
+    <p:sldId id="368" r:id="rId10"/>
   </p:sldIdLst>
   <p:sldSz cx="9144000" cy="6858000" type="screen4x3"/>
   <p:notesSz cx="6997700" cy="9283700"/>
@@ -10504,21 +10505,8 @@
                   <a:schemeClr val="bg1"/>
                 </a:solidFill>
               </a:rPr>
-              <a:t> </a:t>
-            </a:r>
-            <a:r>
-              <a:rPr lang="de-DE" sz="1400" b="1" dirty="0" smtClean="0">
-                <a:solidFill>
-                  <a:schemeClr val="bg1"/>
-                </a:solidFill>
-              </a:rPr>
-              <a:t>5.0</a:t>
-            </a:r>
-            <a:endParaRPr lang="de-DE" sz="1400" b="1" dirty="0" smtClean="0">
-              <a:solidFill>
-                <a:schemeClr val="bg1"/>
-              </a:solidFill>
-            </a:endParaRPr>
+              <a:t> 5.0</a:t>
+            </a:r>
           </a:p>
           <a:p>
             <a:pPr algn="ctr"/>
@@ -11079,17 +11067,7 @@
                 <a:latin typeface="+mn-lt"/>
                 <a:ea typeface="+mn-ea"/>
               </a:rPr>
-              <a:t>s</a:t>
-            </a:r>
-            <a:r>
-              <a:rPr lang="de-DE" sz="1600" dirty="0" err="1" smtClean="0">
-                <a:solidFill>
-                  <a:srgbClr val="333333"/>
-                </a:solidFill>
-                <a:latin typeface="+mn-lt"/>
-                <a:ea typeface="+mn-ea"/>
-              </a:rPr>
-              <a:t>elenium</a:t>
+              <a:t>selenium</a:t>
             </a:r>
             <a:endParaRPr lang="de-DE" sz="1600" dirty="0" smtClean="0">
               <a:solidFill>
@@ -11256,17 +11234,7 @@
                 <a:latin typeface="+mn-lt"/>
                 <a:ea typeface="+mn-ea"/>
               </a:rPr>
-              <a:t>. </a:t>
-            </a:r>
-            <a:r>
-              <a:rPr lang="de-DE" sz="1600" dirty="0" smtClean="0">
-                <a:solidFill>
-                  <a:srgbClr val="333333"/>
-                </a:solidFill>
-                <a:latin typeface="+mn-lt"/>
-                <a:ea typeface="+mn-ea"/>
-              </a:rPr>
-              <a:t>Optional </a:t>
+              <a:t>. Optional </a:t>
             </a:r>
             <a:r>
               <a:rPr lang="de-DE" sz="1600" dirty="0" err="1" smtClean="0">
@@ -11652,21 +11620,8 @@
                   <a:schemeClr val="bg1"/>
                 </a:solidFill>
               </a:rPr>
-              <a:t> </a:t>
-            </a:r>
-            <a:r>
-              <a:rPr lang="de-DE" sz="1400" b="1" dirty="0" smtClean="0">
-                <a:solidFill>
-                  <a:schemeClr val="bg1"/>
-                </a:solidFill>
-              </a:rPr>
-              <a:t>APM</a:t>
-            </a:r>
-            <a:endParaRPr lang="de-DE" sz="1400" b="1" dirty="0" smtClean="0">
-              <a:solidFill>
-                <a:schemeClr val="bg1"/>
-              </a:solidFill>
-            </a:endParaRPr>
+              <a:t> APM</a:t>
+            </a:r>
           </a:p>
           <a:p>
             <a:pPr algn="ctr"/>
@@ -11748,17 +11703,7 @@
                 <a:latin typeface="+mn-lt"/>
                 <a:ea typeface="+mn-ea"/>
               </a:rPr>
-              <a:t>jm</a:t>
-            </a:r>
-            <a:r>
-              <a:rPr lang="de-DE" sz="1600" dirty="0" err="1" smtClean="0">
-                <a:solidFill>
-                  <a:srgbClr val="333333"/>
-                </a:solidFill>
-                <a:latin typeface="+mn-lt"/>
-                <a:ea typeface="+mn-ea"/>
-              </a:rPr>
-              <a:t>eter</a:t>
+              <a:t>jmeter</a:t>
             </a:r>
             <a:endParaRPr lang="de-DE" sz="1600" dirty="0" smtClean="0">
               <a:solidFill>
@@ -11924,6 +11869,452 @@
       </p:grpSpPr>
       <p:sp>
         <p:nvSpPr>
+          <p:cNvPr id="2" name="Titel 1"/>
+          <p:cNvSpPr>
+            <a:spLocks noGrp="1"/>
+          </p:cNvSpPr>
+          <p:nvPr>
+            <p:ph type="title"/>
+          </p:nvPr>
+        </p:nvSpPr>
+        <p:spPr/>
+        <p:txBody>
+          <a:bodyPr/>
+          <a:lstStyle/>
+          <a:p>
+            <a:r>
+              <a:rPr lang="de-DE" dirty="0" err="1" smtClean="0"/>
+              <a:t>Room</a:t>
+            </a:r>
+            <a:r>
+              <a:rPr lang="de-DE" dirty="0" smtClean="0"/>
+              <a:t> </a:t>
+            </a:r>
+            <a:r>
+              <a:rPr lang="de-DE" dirty="0" err="1" smtClean="0"/>
+              <a:t>for</a:t>
+            </a:r>
+            <a:r>
+              <a:rPr lang="de-DE" dirty="0" smtClean="0"/>
+              <a:t> </a:t>
+            </a:r>
+            <a:r>
+              <a:rPr lang="de-DE" dirty="0" err="1" smtClean="0"/>
+              <a:t>improvement</a:t>
+            </a:r>
+            <a:r>
+              <a:rPr lang="de-DE" dirty="0" smtClean="0"/>
+              <a:t>	</a:t>
+            </a:r>
+            <a:endParaRPr lang="de-DE" dirty="0"/>
+          </a:p>
+        </p:txBody>
+      </p:sp>
+      <p:sp>
+        <p:nvSpPr>
+          <p:cNvPr id="3" name="Textplatzhalter 2"/>
+          <p:cNvSpPr>
+            <a:spLocks noGrp="1"/>
+          </p:cNvSpPr>
+          <p:nvPr>
+            <p:ph type="body" sz="quarter" idx="13"/>
+          </p:nvPr>
+        </p:nvSpPr>
+        <p:spPr/>
+        <p:txBody>
+          <a:bodyPr/>
+          <a:lstStyle/>
+          <a:p>
+            <a:pPr lvl="1"/>
+            <a:r>
+              <a:rPr lang="de-DE" dirty="0" err="1" smtClean="0"/>
+              <a:t>Align</a:t>
+            </a:r>
+            <a:r>
+              <a:rPr lang="de-DE" dirty="0" smtClean="0"/>
+              <a:t> </a:t>
+            </a:r>
+            <a:r>
+              <a:rPr lang="de-DE" dirty="0" err="1" smtClean="0"/>
+              <a:t>tool</a:t>
+            </a:r>
+            <a:r>
+              <a:rPr lang="de-DE" dirty="0" smtClean="0"/>
+              <a:t> </a:t>
+            </a:r>
+            <a:r>
+              <a:rPr lang="de-DE" dirty="0" err="1" smtClean="0"/>
+              <a:t>set</a:t>
+            </a:r>
+            <a:r>
+              <a:rPr lang="de-DE" dirty="0" smtClean="0"/>
+              <a:t> </a:t>
+            </a:r>
+            <a:r>
+              <a:rPr lang="de-DE" dirty="0" err="1" smtClean="0"/>
+              <a:t>with</a:t>
+            </a:r>
+            <a:r>
+              <a:rPr lang="de-DE" dirty="0" smtClean="0"/>
+              <a:t> </a:t>
+            </a:r>
+            <a:r>
+              <a:rPr lang="de-DE" dirty="0" err="1" smtClean="0"/>
+              <a:t>Springsource</a:t>
+            </a:r>
+            <a:r>
+              <a:rPr lang="de-DE" dirty="0" smtClean="0"/>
+              <a:t> </a:t>
+            </a:r>
+            <a:r>
+              <a:rPr lang="de-DE" dirty="0" err="1" smtClean="0"/>
+              <a:t>tools</a:t>
+            </a:r>
+            <a:endParaRPr lang="de-DE" dirty="0" smtClean="0"/>
+          </a:p>
+          <a:p>
+            <a:pPr lvl="2"/>
+            <a:r>
+              <a:rPr lang="de-DE" dirty="0" err="1" smtClean="0"/>
+              <a:t>Gives</a:t>
+            </a:r>
+            <a:r>
+              <a:rPr lang="de-DE" dirty="0" smtClean="0"/>
+              <a:t> </a:t>
+            </a:r>
+            <a:r>
+              <a:rPr lang="de-DE" dirty="0" err="1" smtClean="0"/>
+              <a:t>more</a:t>
+            </a:r>
+            <a:r>
+              <a:rPr lang="de-DE" dirty="0" smtClean="0"/>
+              <a:t> </a:t>
+            </a:r>
+            <a:r>
+              <a:rPr lang="de-DE" dirty="0" err="1" smtClean="0"/>
+              <a:t>credibility</a:t>
+            </a:r>
+            <a:r>
+              <a:rPr lang="de-DE" dirty="0" smtClean="0"/>
+              <a:t> </a:t>
+            </a:r>
+          </a:p>
+          <a:p>
+            <a:pPr lvl="2"/>
+            <a:r>
+              <a:rPr lang="de-DE" dirty="0" smtClean="0"/>
+              <a:t>Shows </a:t>
+            </a:r>
+            <a:r>
+              <a:rPr lang="de-DE" dirty="0" err="1" smtClean="0"/>
+              <a:t>best</a:t>
+            </a:r>
+            <a:r>
+              <a:rPr lang="de-DE" dirty="0" smtClean="0"/>
+              <a:t> </a:t>
+            </a:r>
+            <a:r>
+              <a:rPr lang="de-DE" dirty="0" err="1" smtClean="0"/>
+              <a:t>practices</a:t>
+            </a:r>
+            <a:endParaRPr lang="de-DE" dirty="0"/>
+          </a:p>
+          <a:p>
+            <a:pPr lvl="2"/>
+            <a:r>
+              <a:rPr lang="de-DE" dirty="0" err="1" smtClean="0"/>
+              <a:t>Jira</a:t>
+            </a:r>
+            <a:r>
+              <a:rPr lang="de-DE" dirty="0" smtClean="0"/>
+              <a:t>, </a:t>
+            </a:r>
+            <a:r>
+              <a:rPr lang="de-DE" dirty="0" err="1" smtClean="0"/>
+              <a:t>Bamboo</a:t>
+            </a:r>
+            <a:r>
+              <a:rPr lang="de-DE" dirty="0" smtClean="0"/>
+              <a:t>, </a:t>
+            </a:r>
+            <a:r>
+              <a:rPr lang="de-DE" dirty="0" err="1" smtClean="0"/>
+              <a:t>sonarsource</a:t>
+            </a:r>
+            <a:r>
+              <a:rPr lang="de-DE" dirty="0" smtClean="0"/>
+              <a:t>, </a:t>
+            </a:r>
+            <a:r>
+              <a:rPr lang="de-DE" dirty="0" err="1" smtClean="0"/>
+              <a:t>gradle</a:t>
+            </a:r>
+            <a:r>
+              <a:rPr lang="de-DE" dirty="0" smtClean="0"/>
+              <a:t>, </a:t>
+            </a:r>
+            <a:r>
+              <a:rPr lang="de-DE" dirty="0" err="1" smtClean="0"/>
+              <a:t>Artfifactory</a:t>
+            </a:r>
+            <a:endParaRPr lang="de-DE" dirty="0" smtClean="0"/>
+          </a:p>
+          <a:p>
+            <a:pPr lvl="2"/>
+            <a:endParaRPr lang="de-DE" dirty="0"/>
+          </a:p>
+          <a:p>
+            <a:pPr lvl="1"/>
+            <a:r>
+              <a:rPr lang="de-DE" dirty="0" smtClean="0"/>
+              <a:t>Test </a:t>
+            </a:r>
+            <a:r>
+              <a:rPr lang="de-DE" dirty="0" err="1" smtClean="0"/>
+              <a:t>scale</a:t>
+            </a:r>
+            <a:r>
+              <a:rPr lang="de-DE" dirty="0" smtClean="0"/>
+              <a:t>-out </a:t>
+            </a:r>
+            <a:r>
+              <a:rPr lang="de-DE" dirty="0" err="1" smtClean="0"/>
+              <a:t>re</a:t>
+            </a:r>
+            <a:r>
+              <a:rPr lang="de-DE" dirty="0" smtClean="0"/>
+              <a:t>-run </a:t>
+            </a:r>
+            <a:r>
+              <a:rPr lang="de-DE" dirty="0" err="1" smtClean="0"/>
+              <a:t>jmeter</a:t>
+            </a:r>
+            <a:endParaRPr lang="de-DE" dirty="0" smtClean="0"/>
+          </a:p>
+          <a:p>
+            <a:pPr lvl="1"/>
+            <a:endParaRPr lang="de-DE" dirty="0"/>
+          </a:p>
+          <a:p>
+            <a:pPr lvl="1"/>
+            <a:r>
+              <a:rPr lang="de-DE" dirty="0" err="1" smtClean="0"/>
+              <a:t>Integrate</a:t>
+            </a:r>
+            <a:r>
+              <a:rPr lang="de-DE" dirty="0" smtClean="0"/>
+              <a:t> </a:t>
+            </a:r>
+            <a:r>
+              <a:rPr lang="de-DE" dirty="0" err="1" smtClean="0"/>
+              <a:t>DataDirector</a:t>
+            </a:r>
+            <a:endParaRPr lang="de-DE" dirty="0"/>
+          </a:p>
+          <a:p>
+            <a:pPr lvl="2"/>
+            <a:r>
+              <a:rPr lang="de-DE" dirty="0" err="1" smtClean="0"/>
+              <a:t>Instead</a:t>
+            </a:r>
+            <a:r>
+              <a:rPr lang="de-DE" dirty="0" smtClean="0"/>
+              <a:t> </a:t>
+            </a:r>
+            <a:r>
+              <a:rPr lang="de-DE" dirty="0" err="1" smtClean="0"/>
+              <a:t>of</a:t>
+            </a:r>
+            <a:r>
+              <a:rPr lang="de-DE" dirty="0" smtClean="0"/>
+              <a:t> </a:t>
+            </a:r>
+            <a:r>
+              <a:rPr lang="de-DE" dirty="0" err="1" smtClean="0"/>
+              <a:t>AppD</a:t>
+            </a:r>
+            <a:r>
+              <a:rPr lang="de-DE" dirty="0" smtClean="0"/>
+              <a:t> </a:t>
+            </a:r>
+            <a:r>
+              <a:rPr lang="de-DE" dirty="0" err="1" smtClean="0"/>
+              <a:t>gives</a:t>
+            </a:r>
+            <a:r>
+              <a:rPr lang="de-DE" dirty="0" smtClean="0"/>
+              <a:t> a </a:t>
+            </a:r>
+            <a:r>
+              <a:rPr lang="de-DE" dirty="0" err="1" smtClean="0"/>
+              <a:t>fresh</a:t>
+            </a:r>
+            <a:r>
+              <a:rPr lang="de-DE" dirty="0" smtClean="0"/>
+              <a:t> </a:t>
+            </a:r>
+            <a:r>
+              <a:rPr lang="de-DE" dirty="0" err="1" smtClean="0"/>
+              <a:t>db</a:t>
+            </a:r>
+            <a:r>
+              <a:rPr lang="de-DE" dirty="0" smtClean="0"/>
+              <a:t>, DD </a:t>
+            </a:r>
+            <a:r>
+              <a:rPr lang="de-DE" dirty="0" err="1" smtClean="0"/>
+              <a:t>gives</a:t>
+            </a:r>
+            <a:r>
+              <a:rPr lang="de-DE" dirty="0" smtClean="0"/>
+              <a:t> </a:t>
+            </a:r>
+            <a:r>
+              <a:rPr lang="de-DE" dirty="0" err="1" smtClean="0"/>
+              <a:t>us</a:t>
+            </a:r>
+            <a:r>
+              <a:rPr lang="de-DE" dirty="0" smtClean="0"/>
+              <a:t> </a:t>
+            </a:r>
+            <a:r>
+              <a:rPr lang="de-DE" dirty="0" err="1" smtClean="0"/>
+              <a:t>the</a:t>
+            </a:r>
+            <a:r>
+              <a:rPr lang="de-DE" dirty="0" smtClean="0"/>
+              <a:t> </a:t>
+            </a:r>
+            <a:r>
+              <a:rPr lang="de-DE" dirty="0" err="1" smtClean="0"/>
+              <a:t>latest</a:t>
+            </a:r>
+            <a:r>
+              <a:rPr lang="de-DE" dirty="0" smtClean="0"/>
+              <a:t> </a:t>
+            </a:r>
+            <a:r>
+              <a:rPr lang="de-DE" dirty="0" err="1" smtClean="0"/>
+              <a:t>snapshot</a:t>
+            </a:r>
+            <a:r>
+              <a:rPr lang="de-DE" dirty="0" smtClean="0"/>
+              <a:t> </a:t>
+            </a:r>
+            <a:r>
+              <a:rPr lang="de-DE" dirty="0" err="1" smtClean="0"/>
+              <a:t>of</a:t>
+            </a:r>
+            <a:r>
+              <a:rPr lang="de-DE" dirty="0" smtClean="0"/>
+              <a:t> </a:t>
+            </a:r>
+            <a:r>
+              <a:rPr lang="de-DE" dirty="0" err="1" smtClean="0"/>
+              <a:t>production</a:t>
+            </a:r>
+            <a:r>
+              <a:rPr lang="de-DE" dirty="0" smtClean="0"/>
+              <a:t> </a:t>
+            </a:r>
+            <a:r>
+              <a:rPr lang="de-DE" dirty="0" err="1" smtClean="0"/>
+              <a:t>db</a:t>
+            </a:r>
+            <a:endParaRPr lang="de-DE" dirty="0" smtClean="0"/>
+          </a:p>
+        </p:txBody>
+      </p:sp>
+      <p:sp>
+        <p:nvSpPr>
+          <p:cNvPr id="4" name="Foliennummernplatzhalter 3"/>
+          <p:cNvSpPr>
+            <a:spLocks noGrp="1"/>
+          </p:cNvSpPr>
+          <p:nvPr>
+            <p:ph type="sldNum" sz="quarter" idx="14"/>
+          </p:nvPr>
+        </p:nvSpPr>
+        <p:spPr/>
+        <p:txBody>
+          <a:bodyPr/>
+          <a:lstStyle/>
+          <a:p>
+            <a:pPr>
+              <a:defRPr/>
+            </a:pPr>
+            <a:fld id="{95560C5B-E97B-43F7-A778-89AB47913A2E}" type="slidenum">
+              <a:rPr lang="en-US" smtClean="0"/>
+              <a:pPr>
+                <a:defRPr/>
+              </a:pPr>
+              <a:t>8</a:t>
+            </a:fld>
+            <a:endParaRPr lang="en-US" dirty="0"/>
+          </a:p>
+        </p:txBody>
+      </p:sp>
+      <p:sp>
+        <p:nvSpPr>
+          <p:cNvPr id="5" name="Datumsplatzhalter 4"/>
+          <p:cNvSpPr>
+            <a:spLocks noGrp="1"/>
+          </p:cNvSpPr>
+          <p:nvPr>
+            <p:ph type="dt" sz="half" idx="16"/>
+          </p:nvPr>
+        </p:nvSpPr>
+        <p:spPr/>
+        <p:txBody>
+          <a:bodyPr/>
+          <a:lstStyle/>
+          <a:p>
+            <a:pPr>
+              <a:defRPr/>
+            </a:pPr>
+            <a:r>
+              <a:rPr lang="en-US" smtClean="0"/>
+              <a:t>Confidential</a:t>
+            </a:r>
+            <a:endParaRPr lang="en-US" dirty="0"/>
+          </a:p>
+        </p:txBody>
+      </p:sp>
+    </p:spTree>
+    <p:extLst>
+      <p:ext uri="{BB962C8B-B14F-4D97-AF65-F5344CB8AC3E}">
+        <p14:creationId xmlns:p14="http://schemas.microsoft.com/office/powerpoint/2010/main" val="2936288733"/>
+      </p:ext>
+    </p:extLst>
+  </p:cSld>
+  <p:clrMapOvr>
+    <a:masterClrMapping/>
+  </p:clrMapOvr>
+  <p:transition xmlns:p14="http://schemas.microsoft.com/office/powerpoint/2010/main">
+    <p:fade/>
+  </p:transition>
+</p:sld>
+</file>
+
+<file path=ppt/slides/slide9.xml><?xml version="1.0" encoding="utf-8"?>
+<p:sld xmlns:a="http://schemas.openxmlformats.org/drawingml/2006/main" xmlns:r="http://schemas.openxmlformats.org/officeDocument/2006/relationships" xmlns:p="http://schemas.openxmlformats.org/presentationml/2006/main">
+  <p:cSld>
+    <p:spTree>
+      <p:nvGrpSpPr>
+        <p:cNvPr id="1" name=""/>
+        <p:cNvGrpSpPr/>
+        <p:nvPr/>
+      </p:nvGrpSpPr>
+      <p:grpSpPr>
+        <a:xfrm>
+          <a:off x="0" y="0"/>
+          <a:ext cx="0" cy="0"/>
+          <a:chOff x="0" y="0"/>
+          <a:chExt cx="0" cy="0"/>
+        </a:xfrm>
+      </p:grpSpPr>
+      <p:sp>
+        <p:nvSpPr>
           <p:cNvPr id="3" name="Textplatzhalter 2"/>
           <p:cNvSpPr>
             <a:spLocks noGrp="1"/>
@@ -12093,7 +12484,7 @@
               <a:pPr>
                 <a:defRPr/>
               </a:pPr>
-              <a:t>8</a:t>
+              <a:t>9</a:t>
             </a:fld>
             <a:endParaRPr lang="en-US" dirty="0"/>
           </a:p>
